--- a/ppt/MA_neu.pptx
+++ b/ppt/MA_neu.pptx
@@ -5,7 +5,7 @@
     <p:sldMasterId id="2147483672" r:id="rId1"/>
   </p:sldMasterIdLst>
   <p:notesMasterIdLst>
-    <p:notesMasterId r:id="rId38"/>
+    <p:notesMasterId r:id="rId39"/>
   </p:notesMasterIdLst>
   <p:sldIdLst>
     <p:sldId id="256" r:id="rId2"/>
@@ -23,27 +23,28 @@
     <p:sldId id="266" r:id="rId14"/>
     <p:sldId id="278" r:id="rId15"/>
     <p:sldId id="292" r:id="rId16"/>
-    <p:sldId id="267" r:id="rId17"/>
-    <p:sldId id="279" r:id="rId18"/>
-    <p:sldId id="272" r:id="rId19"/>
-    <p:sldId id="273" r:id="rId20"/>
-    <p:sldId id="270" r:id="rId21"/>
-    <p:sldId id="274" r:id="rId22"/>
-    <p:sldId id="275" r:id="rId23"/>
-    <p:sldId id="276" r:id="rId24"/>
-    <p:sldId id="269" r:id="rId25"/>
-    <p:sldId id="277" r:id="rId26"/>
-    <p:sldId id="282" r:id="rId27"/>
-    <p:sldId id="283" r:id="rId28"/>
-    <p:sldId id="284" r:id="rId29"/>
-    <p:sldId id="285" r:id="rId30"/>
-    <p:sldId id="287" r:id="rId31"/>
-    <p:sldId id="288" r:id="rId32"/>
-    <p:sldId id="289" r:id="rId33"/>
-    <p:sldId id="290" r:id="rId34"/>
-    <p:sldId id="291" r:id="rId35"/>
-    <p:sldId id="286" r:id="rId36"/>
-    <p:sldId id="293" r:id="rId37"/>
+    <p:sldId id="297" r:id="rId17"/>
+    <p:sldId id="267" r:id="rId18"/>
+    <p:sldId id="279" r:id="rId19"/>
+    <p:sldId id="272" r:id="rId20"/>
+    <p:sldId id="273" r:id="rId21"/>
+    <p:sldId id="270" r:id="rId22"/>
+    <p:sldId id="274" r:id="rId23"/>
+    <p:sldId id="275" r:id="rId24"/>
+    <p:sldId id="276" r:id="rId25"/>
+    <p:sldId id="269" r:id="rId26"/>
+    <p:sldId id="277" r:id="rId27"/>
+    <p:sldId id="282" r:id="rId28"/>
+    <p:sldId id="283" r:id="rId29"/>
+    <p:sldId id="284" r:id="rId30"/>
+    <p:sldId id="285" r:id="rId31"/>
+    <p:sldId id="287" r:id="rId32"/>
+    <p:sldId id="288" r:id="rId33"/>
+    <p:sldId id="289" r:id="rId34"/>
+    <p:sldId id="290" r:id="rId35"/>
+    <p:sldId id="291" r:id="rId36"/>
+    <p:sldId id="286" r:id="rId37"/>
+    <p:sldId id="293" r:id="rId38"/>
   </p:sldIdLst>
   <p:sldSz cx="9144000" cy="6858000" type="screen4x3"/>
   <p:notesSz cx="6858000" cy="9144000"/>
@@ -227,7 +228,7 @@
           <a:p>
             <a:fld id="{665D384B-F853-4A9F-BF03-AA7E32D1363F}" type="datetimeFigureOut">
               <a:rPr lang="de-DE" smtClean="0"/>
-              <a:t>29.05.2016</a:t>
+              <a:t>30.05.2016</a:t>
             </a:fld>
             <a:endParaRPr lang="de-DE"/>
           </a:p>
@@ -885,7 +886,7 @@
           <a:p>
             <a:fld id="{D1A0C403-713C-49DD-A81D-B6A7496DC8D1}" type="slidenum">
               <a:rPr lang="de-DE" smtClean="0"/>
-              <a:t>17</a:t>
+              <a:t>18</a:t>
             </a:fld>
             <a:endParaRPr lang="de-DE"/>
           </a:p>
@@ -1008,7 +1009,7 @@
           <a:p>
             <a:fld id="{D1A0C403-713C-49DD-A81D-B6A7496DC8D1}" type="slidenum">
               <a:rPr lang="de-DE" smtClean="0"/>
-              <a:t>25</a:t>
+              <a:t>26</a:t>
             </a:fld>
             <a:endParaRPr lang="de-DE"/>
           </a:p>
@@ -8376,6 +8377,197 @@
           <a:lstStyle/>
           <a:p>
             <a:r>
+              <a:rPr lang="de-DE" dirty="0" smtClean="0"/>
+              <a:t>Parse-</a:t>
+            </a:r>
+            <a:r>
+              <a:rPr lang="de-DE" dirty="0" err="1" smtClean="0"/>
+              <a:t>Tree</a:t>
+            </a:r>
+            <a:r>
+              <a:rPr lang="de-DE" dirty="0" smtClean="0"/>
+              <a:t> / Syntax-Baum</a:t>
+            </a:r>
+          </a:p>
+          <a:p>
+            <a:endParaRPr lang="de-DE" dirty="0"/>
+          </a:p>
+        </p:txBody>
+      </p:sp>
+      <p:sp>
+        <p:nvSpPr>
+          <p:cNvPr id="6" name="Textplatzhalter 5"/>
+          <p:cNvSpPr>
+            <a:spLocks noGrp="1"/>
+          </p:cNvSpPr>
+          <p:nvPr>
+            <p:ph type="body" sz="quarter" idx="14"/>
+          </p:nvPr>
+        </p:nvSpPr>
+        <p:spPr/>
+        <p:txBody>
+          <a:bodyPr>
+            <a:normAutofit lnSpcReduction="10000"/>
+          </a:bodyPr>
+          <a:lstStyle/>
+          <a:p>
+            <a:r>
+              <a:rPr lang="de-DE" dirty="0"/>
+              <a:t>1. Einführung – </a:t>
+            </a:r>
+            <a:r>
+              <a:rPr lang="de-DE" dirty="0" smtClean="0"/>
+              <a:t>Begriffe</a:t>
+            </a:r>
+            <a:endParaRPr lang="de-DE" dirty="0"/>
+          </a:p>
+        </p:txBody>
+      </p:sp>
+      <p:pic>
+        <p:nvPicPr>
+          <p:cNvPr id="7" name="Grafik 6"/>
+          <p:cNvPicPr>
+            <a:picLocks noChangeAspect="1"/>
+          </p:cNvPicPr>
+          <p:nvPr/>
+        </p:nvPicPr>
+        <p:blipFill>
+          <a:blip r:embed="rId2">
+            <a:extLst>
+              <a:ext uri="{28A0092B-C50C-407E-A947-70E740481C1C}">
+                <a14:useLocalDpi xmlns:a14="http://schemas.microsoft.com/office/drawing/2010/main" val="0"/>
+              </a:ext>
+            </a:extLst>
+          </a:blip>
+          <a:stretch>
+            <a:fillRect/>
+          </a:stretch>
+        </p:blipFill>
+        <p:spPr>
+          <a:xfrm>
+            <a:off x="3453476" y="2145898"/>
+            <a:ext cx="2237047" cy="2566204"/>
+          </a:xfrm>
+          <a:prstGeom prst="rect">
+            <a:avLst/>
+          </a:prstGeom>
+        </p:spPr>
+      </p:pic>
+    </p:spTree>
+    <p:extLst>
+      <p:ext uri="{BB962C8B-B14F-4D97-AF65-F5344CB8AC3E}">
+        <p14:creationId xmlns:p14="http://schemas.microsoft.com/office/powerpoint/2010/main" val="3988100825"/>
+      </p:ext>
+    </p:extLst>
+  </p:cSld>
+  <p:clrMapOvr>
+    <a:masterClrMapping/>
+  </p:clrMapOvr>
+</p:sld>
+</file>
+
+<file path=ppt/slides/slide17.xml><?xml version="1.0" encoding="utf-8"?>
+<p:sld xmlns:a="http://schemas.openxmlformats.org/drawingml/2006/main" xmlns:r="http://schemas.openxmlformats.org/officeDocument/2006/relationships" xmlns:p="http://schemas.openxmlformats.org/presentationml/2006/main">
+  <p:cSld>
+    <p:spTree>
+      <p:nvGrpSpPr>
+        <p:cNvPr id="1" name=""/>
+        <p:cNvGrpSpPr/>
+        <p:nvPr/>
+      </p:nvGrpSpPr>
+      <p:grpSpPr>
+        <a:xfrm>
+          <a:off x="0" y="0"/>
+          <a:ext cx="0" cy="0"/>
+          <a:chOff x="0" y="0"/>
+          <a:chExt cx="0" cy="0"/>
+        </a:xfrm>
+      </p:grpSpPr>
+      <p:sp>
+        <p:nvSpPr>
+          <p:cNvPr id="2" name="Datumsplatzhalter 1"/>
+          <p:cNvSpPr>
+            <a:spLocks noGrp="1"/>
+          </p:cNvSpPr>
+          <p:nvPr>
+            <p:ph type="dt" sz="half" idx="10"/>
+          </p:nvPr>
+        </p:nvSpPr>
+        <p:spPr/>
+        <p:txBody>
+          <a:bodyPr/>
+          <a:lstStyle/>
+          <a:p>
+            <a:r>
+              <a:rPr lang="de-DE" smtClean="0"/>
+              <a:t>31.05.2016</a:t>
+            </a:r>
+            <a:endParaRPr lang="de-DE"/>
+          </a:p>
+        </p:txBody>
+      </p:sp>
+      <p:sp>
+        <p:nvSpPr>
+          <p:cNvPr id="3" name="Fußzeilenplatzhalter 2"/>
+          <p:cNvSpPr>
+            <a:spLocks noGrp="1"/>
+          </p:cNvSpPr>
+          <p:nvPr>
+            <p:ph type="ftr" sz="quarter" idx="11"/>
+          </p:nvPr>
+        </p:nvSpPr>
+        <p:spPr/>
+        <p:txBody>
+          <a:bodyPr/>
+          <a:lstStyle/>
+          <a:p>
+            <a:r>
+              <a:rPr lang="de-DE" smtClean="0"/>
+              <a:t>Daniel Fritz, HTWG Konstanz</a:t>
+            </a:r>
+            <a:endParaRPr lang="de-DE"/>
+          </a:p>
+        </p:txBody>
+      </p:sp>
+      <p:sp>
+        <p:nvSpPr>
+          <p:cNvPr id="4" name="Foliennummernplatzhalter 3"/>
+          <p:cNvSpPr>
+            <a:spLocks noGrp="1"/>
+          </p:cNvSpPr>
+          <p:nvPr>
+            <p:ph type="sldNum" sz="quarter" idx="12"/>
+          </p:nvPr>
+        </p:nvSpPr>
+        <p:spPr/>
+        <p:txBody>
+          <a:bodyPr/>
+          <a:lstStyle/>
+          <a:p>
+            <a:fld id="{4358C9F7-5955-4422-87CA-C4EB28FDAF6D}" type="slidenum">
+              <a:rPr lang="de-DE" smtClean="0"/>
+              <a:t>17</a:t>
+            </a:fld>
+            <a:endParaRPr lang="de-DE"/>
+          </a:p>
+        </p:txBody>
+      </p:sp>
+      <p:sp>
+        <p:nvSpPr>
+          <p:cNvPr id="5" name="Textplatzhalter 4"/>
+          <p:cNvSpPr>
+            <a:spLocks noGrp="1"/>
+          </p:cNvSpPr>
+          <p:nvPr>
+            <p:ph type="body" sz="quarter" idx="13"/>
+          </p:nvPr>
+        </p:nvSpPr>
+        <p:spPr/>
+        <p:txBody>
+          <a:bodyPr/>
+          <a:lstStyle/>
+          <a:p>
+            <a:r>
               <a:rPr lang="de-DE" dirty="0" err="1" smtClean="0"/>
               <a:t>Scope</a:t>
             </a:r>
@@ -8478,7 +8670,7 @@
 </p:sld>
 </file>
 
-<file path=ppt/slides/slide17.xml><?xml version="1.0" encoding="utf-8"?>
+<file path=ppt/slides/slide18.xml><?xml version="1.0" encoding="utf-8"?>
 <p:sld xmlns:a="http://schemas.openxmlformats.org/drawingml/2006/main" xmlns:r="http://schemas.openxmlformats.org/officeDocument/2006/relationships" xmlns:p="http://schemas.openxmlformats.org/presentationml/2006/main">
   <p:cSld>
     <p:spTree>
@@ -8558,7 +8750,7 @@
           <a:p>
             <a:fld id="{4358C9F7-5955-4422-87CA-C4EB28FDAF6D}" type="slidenum">
               <a:rPr lang="de-DE" smtClean="0"/>
-              <a:t>17</a:t>
+              <a:t>18</a:t>
             </a:fld>
             <a:endParaRPr lang="de-DE"/>
           </a:p>
@@ -9148,7 +9340,7 @@
 </p:sld>
 </file>
 
-<file path=ppt/slides/slide18.xml><?xml version="1.0" encoding="utf-8"?>
+<file path=ppt/slides/slide19.xml><?xml version="1.0" encoding="utf-8"?>
 <p:sld xmlns:a="http://schemas.openxmlformats.org/drawingml/2006/main" xmlns:r="http://schemas.openxmlformats.org/officeDocument/2006/relationships" xmlns:p="http://schemas.openxmlformats.org/presentationml/2006/main">
   <p:cSld>
     <p:spTree>
@@ -9228,7 +9420,7 @@
           <a:p>
             <a:fld id="{4358C9F7-5955-4422-87CA-C4EB28FDAF6D}" type="slidenum">
               <a:rPr lang="de-DE" smtClean="0"/>
-              <a:t>18</a:t>
+              <a:t>19</a:t>
             </a:fld>
             <a:endParaRPr lang="de-DE"/>
           </a:p>
@@ -9936,616 +10128,6 @@
 </p:sld>
 </file>
 
-<file path=ppt/slides/slide19.xml><?xml version="1.0" encoding="utf-8"?>
-<p:sld xmlns:a="http://schemas.openxmlformats.org/drawingml/2006/main" xmlns:r="http://schemas.openxmlformats.org/officeDocument/2006/relationships" xmlns:p="http://schemas.openxmlformats.org/presentationml/2006/main">
-  <p:cSld>
-    <p:spTree>
-      <p:nvGrpSpPr>
-        <p:cNvPr id="1" name=""/>
-        <p:cNvGrpSpPr/>
-        <p:nvPr/>
-      </p:nvGrpSpPr>
-      <p:grpSpPr>
-        <a:xfrm>
-          <a:off x="0" y="0"/>
-          <a:ext cx="0" cy="0"/>
-          <a:chOff x="0" y="0"/>
-          <a:chExt cx="0" cy="0"/>
-        </a:xfrm>
-      </p:grpSpPr>
-      <p:sp>
-        <p:nvSpPr>
-          <p:cNvPr id="2" name="Datumsplatzhalter 1"/>
-          <p:cNvSpPr>
-            <a:spLocks noGrp="1"/>
-          </p:cNvSpPr>
-          <p:nvPr>
-            <p:ph type="dt" sz="half" idx="10"/>
-          </p:nvPr>
-        </p:nvSpPr>
-        <p:spPr/>
-        <p:txBody>
-          <a:bodyPr/>
-          <a:lstStyle/>
-          <a:p>
-            <a:r>
-              <a:rPr lang="de-DE" smtClean="0"/>
-              <a:t>31.05.2016</a:t>
-            </a:r>
-            <a:endParaRPr lang="de-DE"/>
-          </a:p>
-        </p:txBody>
-      </p:sp>
-      <p:sp>
-        <p:nvSpPr>
-          <p:cNvPr id="3" name="Fußzeilenplatzhalter 2"/>
-          <p:cNvSpPr>
-            <a:spLocks noGrp="1"/>
-          </p:cNvSpPr>
-          <p:nvPr>
-            <p:ph type="ftr" sz="quarter" idx="11"/>
-          </p:nvPr>
-        </p:nvSpPr>
-        <p:spPr/>
-        <p:txBody>
-          <a:bodyPr/>
-          <a:lstStyle/>
-          <a:p>
-            <a:r>
-              <a:rPr lang="de-DE" smtClean="0"/>
-              <a:t>Daniel Fritz, HTWG Konstanz</a:t>
-            </a:r>
-            <a:endParaRPr lang="de-DE"/>
-          </a:p>
-        </p:txBody>
-      </p:sp>
-      <p:sp>
-        <p:nvSpPr>
-          <p:cNvPr id="4" name="Foliennummernplatzhalter 3"/>
-          <p:cNvSpPr>
-            <a:spLocks noGrp="1"/>
-          </p:cNvSpPr>
-          <p:nvPr>
-            <p:ph type="sldNum" sz="quarter" idx="12"/>
-          </p:nvPr>
-        </p:nvSpPr>
-        <p:spPr/>
-        <p:txBody>
-          <a:bodyPr/>
-          <a:lstStyle/>
-          <a:p>
-            <a:fld id="{4358C9F7-5955-4422-87CA-C4EB28FDAF6D}" type="slidenum">
-              <a:rPr lang="de-DE" smtClean="0"/>
-              <a:t>19</a:t>
-            </a:fld>
-            <a:endParaRPr lang="de-DE"/>
-          </a:p>
-        </p:txBody>
-      </p:sp>
-      <p:sp>
-        <p:nvSpPr>
-          <p:cNvPr id="5" name="Textplatzhalter 4"/>
-          <p:cNvSpPr>
-            <a:spLocks noGrp="1"/>
-          </p:cNvSpPr>
-          <p:nvPr>
-            <p:ph type="body" sz="quarter" idx="13"/>
-          </p:nvPr>
-        </p:nvSpPr>
-        <p:spPr>
-          <a:xfrm>
-            <a:off x="395536" y="692696"/>
-            <a:ext cx="8568951" cy="5688632"/>
-          </a:xfrm>
-        </p:spPr>
-        <p:txBody>
-          <a:bodyPr>
-            <a:normAutofit/>
-          </a:bodyPr>
-          <a:lstStyle/>
-          <a:p>
-            <a:pPr marL="0" indent="0">
-              <a:buNone/>
-            </a:pPr>
-            <a:endParaRPr lang="de-DE" sz="1800" dirty="0" smtClean="0">
-              <a:latin typeface="Courier New" panose="02070309020205020404" pitchFamily="49" charset="0"/>
-              <a:cs typeface="Courier New" panose="02070309020205020404" pitchFamily="49" charset="0"/>
-            </a:endParaRPr>
-          </a:p>
-          <a:p>
-            <a:pPr marL="0" indent="0">
-              <a:buNone/>
-            </a:pPr>
-            <a:endParaRPr lang="de-DE" sz="1800" dirty="0" smtClean="0">
-              <a:latin typeface="Courier New" panose="02070309020205020404" pitchFamily="49" charset="0"/>
-              <a:cs typeface="Courier New" panose="02070309020205020404" pitchFamily="49" charset="0"/>
-            </a:endParaRPr>
-          </a:p>
-          <a:p>
-            <a:pPr marL="0" indent="0">
-              <a:buNone/>
-            </a:pPr>
-            <a:endParaRPr lang="de-DE" sz="1800" dirty="0" smtClean="0">
-              <a:latin typeface="Courier New" panose="02070309020205020404" pitchFamily="49" charset="0"/>
-              <a:cs typeface="Courier New" panose="02070309020205020404" pitchFamily="49" charset="0"/>
-            </a:endParaRPr>
-          </a:p>
-          <a:p>
-            <a:pPr marL="0" indent="0">
-              <a:buNone/>
-            </a:pPr>
-            <a:endParaRPr lang="de-DE" sz="1800" dirty="0" smtClean="0">
-              <a:latin typeface="Courier New" panose="02070309020205020404" pitchFamily="49" charset="0"/>
-              <a:cs typeface="Courier New" panose="02070309020205020404" pitchFamily="49" charset="0"/>
-            </a:endParaRPr>
-          </a:p>
-          <a:p>
-            <a:pPr marL="0" indent="0">
-              <a:buNone/>
-            </a:pPr>
-            <a:endParaRPr lang="de-DE" sz="1800" dirty="0" smtClean="0">
-              <a:latin typeface="Courier New" panose="02070309020205020404" pitchFamily="49" charset="0"/>
-              <a:cs typeface="Courier New" panose="02070309020205020404" pitchFamily="49" charset="0"/>
-            </a:endParaRPr>
-          </a:p>
-          <a:p>
-            <a:pPr marL="0" indent="0">
-              <a:buNone/>
-            </a:pPr>
-            <a:endParaRPr lang="de-DE" sz="1800" dirty="0" smtClean="0">
-              <a:latin typeface="Courier New" panose="02070309020205020404" pitchFamily="49" charset="0"/>
-              <a:cs typeface="Courier New" panose="02070309020205020404" pitchFamily="49" charset="0"/>
-            </a:endParaRPr>
-          </a:p>
-          <a:p>
-            <a:pPr marL="0" indent="0">
-              <a:buNone/>
-            </a:pPr>
-            <a:endParaRPr lang="de-DE" sz="1800" dirty="0" smtClean="0">
-              <a:latin typeface="Courier New" panose="02070309020205020404" pitchFamily="49" charset="0"/>
-              <a:cs typeface="Courier New" panose="02070309020205020404" pitchFamily="49" charset="0"/>
-            </a:endParaRPr>
-          </a:p>
-          <a:p>
-            <a:pPr marL="0" indent="0">
-              <a:buNone/>
-            </a:pPr>
-            <a:endParaRPr lang="de-DE" sz="1800" dirty="0" smtClean="0">
-              <a:latin typeface="Courier New" panose="02070309020205020404" pitchFamily="49" charset="0"/>
-              <a:cs typeface="Courier New" panose="02070309020205020404" pitchFamily="49" charset="0"/>
-            </a:endParaRPr>
-          </a:p>
-          <a:p>
-            <a:pPr marL="0" indent="0">
-              <a:buNone/>
-            </a:pPr>
-            <a:endParaRPr lang="de-DE" sz="1800" dirty="0" smtClean="0">
-              <a:latin typeface="Courier New" panose="02070309020205020404" pitchFamily="49" charset="0"/>
-              <a:cs typeface="Courier New" panose="02070309020205020404" pitchFamily="49" charset="0"/>
-            </a:endParaRPr>
-          </a:p>
-          <a:p>
-            <a:pPr marL="0" indent="0">
-              <a:buNone/>
-            </a:pPr>
-            <a:r>
-              <a:rPr lang="de-DE" sz="1800" dirty="0" smtClean="0">
-                <a:latin typeface="Courier New" panose="02070309020205020404" pitchFamily="49" charset="0"/>
-                <a:cs typeface="Courier New" panose="02070309020205020404" pitchFamily="49" charset="0"/>
-              </a:rPr>
-              <a:t>    </a:t>
-            </a:r>
-            <a:r>
-              <a:rPr lang="de-DE" sz="1800" b="1" dirty="0" err="1" smtClean="0">
-                <a:solidFill>
-                  <a:srgbClr val="2A00FF"/>
-                </a:solidFill>
-                <a:latin typeface="Courier New" panose="02070309020205020404" pitchFamily="49" charset="0"/>
-                <a:cs typeface="Courier New" panose="02070309020205020404" pitchFamily="49" charset="0"/>
-              </a:rPr>
-              <a:t>public</a:t>
-            </a:r>
-            <a:r>
-              <a:rPr lang="de-DE" sz="1800" b="1" dirty="0" smtClean="0">
-                <a:solidFill>
-                  <a:srgbClr val="2A00FF"/>
-                </a:solidFill>
-                <a:latin typeface="Courier New" panose="02070309020205020404" pitchFamily="49" charset="0"/>
-                <a:cs typeface="Courier New" panose="02070309020205020404" pitchFamily="49" charset="0"/>
-              </a:rPr>
-              <a:t> final </a:t>
-            </a:r>
-            <a:r>
-              <a:rPr lang="de-DE" sz="1800" b="1" dirty="0" err="1" smtClean="0">
-                <a:solidFill>
-                  <a:srgbClr val="2A00FF"/>
-                </a:solidFill>
-                <a:latin typeface="Courier New" panose="02070309020205020404" pitchFamily="49" charset="0"/>
-                <a:cs typeface="Courier New" panose="02070309020205020404" pitchFamily="49" charset="0"/>
-              </a:rPr>
-              <a:t>class</a:t>
-            </a:r>
-            <a:r>
-              <a:rPr lang="de-DE" sz="1800" b="1" dirty="0" smtClean="0">
-                <a:solidFill>
-                  <a:srgbClr val="2A00FF"/>
-                </a:solidFill>
-                <a:latin typeface="Courier New" panose="02070309020205020404" pitchFamily="49" charset="0"/>
-                <a:cs typeface="Courier New" panose="02070309020205020404" pitchFamily="49" charset="0"/>
-              </a:rPr>
-              <a:t> </a:t>
-            </a:r>
-            <a:r>
-              <a:rPr lang="de-DE" sz="1800" dirty="0" err="1" smtClean="0">
-                <a:latin typeface="Courier New" panose="02070309020205020404" pitchFamily="49" charset="0"/>
-                <a:cs typeface="Courier New" panose="02070309020205020404" pitchFamily="49" charset="0"/>
-              </a:rPr>
-              <a:t>StartScope</a:t>
-            </a:r>
-            <a:r>
-              <a:rPr lang="de-DE" sz="1800" dirty="0" smtClean="0">
-                <a:latin typeface="Courier New" panose="02070309020205020404" pitchFamily="49" charset="0"/>
-                <a:cs typeface="Courier New" panose="02070309020205020404" pitchFamily="49" charset="0"/>
-              </a:rPr>
-              <a:t> </a:t>
-            </a:r>
-            <a:r>
-              <a:rPr lang="de-DE" sz="1800" b="1" dirty="0" err="1" smtClean="0">
-                <a:solidFill>
-                  <a:srgbClr val="2A00FF"/>
-                </a:solidFill>
-                <a:latin typeface="Courier New" panose="02070309020205020404" pitchFamily="49" charset="0"/>
-                <a:cs typeface="Courier New" panose="02070309020205020404" pitchFamily="49" charset="0"/>
-              </a:rPr>
-              <a:t>implements</a:t>
-            </a:r>
-            <a:r>
-              <a:rPr lang="de-DE" sz="1800" dirty="0" smtClean="0">
-                <a:solidFill>
-                  <a:srgbClr val="2A00FF"/>
-                </a:solidFill>
-                <a:latin typeface="Courier New" panose="02070309020205020404" pitchFamily="49" charset="0"/>
-                <a:cs typeface="Courier New" panose="02070309020205020404" pitchFamily="49" charset="0"/>
-              </a:rPr>
-              <a:t> </a:t>
-            </a:r>
-            <a:r>
-              <a:rPr lang="de-DE" sz="1800" dirty="0" smtClean="0">
-                <a:latin typeface="Courier New" panose="02070309020205020404" pitchFamily="49" charset="0"/>
-                <a:cs typeface="Courier New" panose="02070309020205020404" pitchFamily="49" charset="0"/>
-              </a:rPr>
-              <a:t>Start&lt;T&gt; {</a:t>
-            </a:r>
-          </a:p>
-          <a:p>
-            <a:pPr marL="0" indent="0">
-              <a:buNone/>
-            </a:pPr>
-            <a:endParaRPr lang="de-DE" sz="1800" dirty="0" smtClean="0">
-              <a:latin typeface="Courier New" panose="02070309020205020404" pitchFamily="49" charset="0"/>
-              <a:cs typeface="Courier New" panose="02070309020205020404" pitchFamily="49" charset="0"/>
-            </a:endParaRPr>
-          </a:p>
-          <a:p>
-            <a:pPr marL="0" indent="0">
-              <a:buNone/>
-            </a:pPr>
-            <a:endParaRPr lang="de-DE" sz="1800" dirty="0" smtClean="0">
-              <a:latin typeface="Courier New" panose="02070309020205020404" pitchFamily="49" charset="0"/>
-              <a:cs typeface="Courier New" panose="02070309020205020404" pitchFamily="49" charset="0"/>
-            </a:endParaRPr>
-          </a:p>
-          <a:p>
-            <a:pPr marL="0" indent="0">
-              <a:buNone/>
-            </a:pPr>
-            <a:r>
-              <a:rPr lang="de-DE" sz="1800" dirty="0" smtClean="0">
-                <a:latin typeface="Courier New" panose="02070309020205020404" pitchFamily="49" charset="0"/>
-                <a:cs typeface="Courier New" panose="02070309020205020404" pitchFamily="49" charset="0"/>
-              </a:rPr>
-              <a:t>        </a:t>
-            </a:r>
-            <a:r>
-              <a:rPr lang="de-DE" sz="1800" b="1" dirty="0" err="1" smtClean="0">
-                <a:solidFill>
-                  <a:srgbClr val="2A00FF"/>
-                </a:solidFill>
-                <a:latin typeface="Courier New" panose="02070309020205020404" pitchFamily="49" charset="0"/>
-                <a:cs typeface="Courier New" panose="02070309020205020404" pitchFamily="49" charset="0"/>
-              </a:rPr>
-              <a:t>public</a:t>
-            </a:r>
-            <a:r>
-              <a:rPr lang="de-DE" sz="1800" dirty="0" smtClean="0">
-                <a:solidFill>
-                  <a:srgbClr val="2A00FF"/>
-                </a:solidFill>
-                <a:latin typeface="Courier New" panose="02070309020205020404" pitchFamily="49" charset="0"/>
-                <a:cs typeface="Courier New" panose="02070309020205020404" pitchFamily="49" charset="0"/>
-              </a:rPr>
-              <a:t> </a:t>
-            </a:r>
-            <a:r>
-              <a:rPr lang="de-DE" sz="1800" dirty="0" err="1" smtClean="0">
-                <a:latin typeface="Courier New" panose="02070309020205020404" pitchFamily="49" charset="0"/>
-                <a:cs typeface="Courier New" panose="02070309020205020404" pitchFamily="49" charset="0"/>
-              </a:rPr>
-              <a:t>OperatorScope</a:t>
-            </a:r>
-            <a:r>
-              <a:rPr lang="de-DE" sz="1800" dirty="0" smtClean="0">
-                <a:latin typeface="Courier New" panose="02070309020205020404" pitchFamily="49" charset="0"/>
-                <a:cs typeface="Courier New" panose="02070309020205020404" pitchFamily="49" charset="0"/>
-              </a:rPr>
-              <a:t> </a:t>
-            </a:r>
-            <a:r>
-              <a:rPr lang="de-DE" sz="1800" dirty="0" err="1" smtClean="0">
-                <a:latin typeface="Courier New" panose="02070309020205020404" pitchFamily="49" charset="0"/>
-                <a:cs typeface="Courier New" panose="02070309020205020404" pitchFamily="49" charset="0"/>
-              </a:rPr>
-              <a:t>expr</a:t>
-            </a:r>
-            <a:r>
-              <a:rPr lang="de-DE" sz="1800" dirty="0" smtClean="0">
-                <a:latin typeface="Courier New" panose="02070309020205020404" pitchFamily="49" charset="0"/>
-                <a:cs typeface="Courier New" panose="02070309020205020404" pitchFamily="49" charset="0"/>
-              </a:rPr>
-              <a:t>(</a:t>
-            </a:r>
-            <a:r>
-              <a:rPr lang="de-DE" sz="1800" b="1" dirty="0" smtClean="0">
-                <a:solidFill>
-                  <a:srgbClr val="2A00FF"/>
-                </a:solidFill>
-                <a:latin typeface="Courier New" panose="02070309020205020404" pitchFamily="49" charset="0"/>
-                <a:cs typeface="Courier New" panose="02070309020205020404" pitchFamily="49" charset="0"/>
-              </a:rPr>
-              <a:t>final</a:t>
-            </a:r>
-            <a:r>
-              <a:rPr lang="de-DE" sz="1800" b="1" dirty="0" smtClean="0">
-                <a:solidFill>
-                  <a:srgbClr val="0070C0"/>
-                </a:solidFill>
-                <a:latin typeface="Courier New" panose="02070309020205020404" pitchFamily="49" charset="0"/>
-                <a:cs typeface="Courier New" panose="02070309020205020404" pitchFamily="49" charset="0"/>
-              </a:rPr>
-              <a:t> </a:t>
-            </a:r>
-            <a:r>
-              <a:rPr lang="de-DE" sz="1800" b="1" dirty="0" err="1" smtClean="0">
-                <a:solidFill>
-                  <a:srgbClr val="2A00FF"/>
-                </a:solidFill>
-                <a:latin typeface="Courier New" panose="02070309020205020404" pitchFamily="49" charset="0"/>
-                <a:cs typeface="Courier New" panose="02070309020205020404" pitchFamily="49" charset="0"/>
-              </a:rPr>
-              <a:t>int</a:t>
-            </a:r>
-            <a:r>
-              <a:rPr lang="de-DE" sz="1800" dirty="0" smtClean="0">
-                <a:solidFill>
-                  <a:srgbClr val="2A00FF"/>
-                </a:solidFill>
-                <a:latin typeface="Courier New" panose="02070309020205020404" pitchFamily="49" charset="0"/>
-                <a:cs typeface="Courier New" panose="02070309020205020404" pitchFamily="49" charset="0"/>
-              </a:rPr>
-              <a:t> </a:t>
-            </a:r>
-            <a:r>
-              <a:rPr lang="de-DE" sz="1800" dirty="0" err="1" smtClean="0">
-                <a:latin typeface="Courier New" panose="02070309020205020404" pitchFamily="49" charset="0"/>
-                <a:cs typeface="Courier New" panose="02070309020205020404" pitchFamily="49" charset="0"/>
-              </a:rPr>
-              <a:t>value</a:t>
-            </a:r>
-            <a:r>
-              <a:rPr lang="de-DE" sz="1800" dirty="0" smtClean="0">
-                <a:latin typeface="Courier New" panose="02070309020205020404" pitchFamily="49" charset="0"/>
-                <a:cs typeface="Courier New" panose="02070309020205020404" pitchFamily="49" charset="0"/>
-              </a:rPr>
-              <a:t>) {</a:t>
-            </a:r>
-            <a:r>
-              <a:rPr lang="de-DE" sz="1800" dirty="0" smtClean="0">
-                <a:solidFill>
-                  <a:srgbClr val="00B050"/>
-                </a:solidFill>
-                <a:latin typeface="Courier New" panose="02070309020205020404" pitchFamily="49" charset="0"/>
-                <a:cs typeface="Courier New" panose="02070309020205020404" pitchFamily="49" charset="0"/>
-              </a:rPr>
-              <a:t>//Code</a:t>
-            </a:r>
-            <a:r>
-              <a:rPr lang="de-DE" sz="1800" dirty="0" smtClean="0">
-                <a:latin typeface="Courier New" panose="02070309020205020404" pitchFamily="49" charset="0"/>
-                <a:cs typeface="Courier New" panose="02070309020205020404" pitchFamily="49" charset="0"/>
-              </a:rPr>
-              <a:t>}</a:t>
-            </a:r>
-          </a:p>
-          <a:p>
-            <a:pPr marL="0" indent="0">
-              <a:buNone/>
-            </a:pPr>
-            <a:r>
-              <a:rPr lang="de-DE" sz="1800" dirty="0" smtClean="0">
-                <a:latin typeface="Courier New" panose="02070309020205020404" pitchFamily="49" charset="0"/>
-                <a:cs typeface="Courier New" panose="02070309020205020404" pitchFamily="49" charset="0"/>
-              </a:rPr>
-              <a:t>    }</a:t>
-            </a:r>
-          </a:p>
-          <a:p>
-            <a:pPr marL="0" indent="0">
-              <a:buNone/>
-            </a:pPr>
-            <a:r>
-              <a:rPr lang="de-DE" sz="1800" dirty="0" smtClean="0">
-                <a:latin typeface="Courier New" panose="02070309020205020404" pitchFamily="49" charset="0"/>
-                <a:cs typeface="Courier New" panose="02070309020205020404" pitchFamily="49" charset="0"/>
-              </a:rPr>
-              <a:t>    </a:t>
-            </a:r>
-            <a:r>
-              <a:rPr lang="de-DE" sz="1800" b="1" dirty="0" err="1" smtClean="0">
-                <a:solidFill>
-                  <a:srgbClr val="2A00FF"/>
-                </a:solidFill>
-                <a:latin typeface="Courier New" panose="02070309020205020404" pitchFamily="49" charset="0"/>
-                <a:cs typeface="Courier New" panose="02070309020205020404" pitchFamily="49" charset="0"/>
-              </a:rPr>
-              <a:t>public</a:t>
-            </a:r>
-            <a:r>
-              <a:rPr lang="de-DE" sz="1800" b="1" dirty="0" smtClean="0">
-                <a:solidFill>
-                  <a:srgbClr val="2A00FF"/>
-                </a:solidFill>
-                <a:latin typeface="Courier New" panose="02070309020205020404" pitchFamily="49" charset="0"/>
-                <a:cs typeface="Courier New" panose="02070309020205020404" pitchFamily="49" charset="0"/>
-              </a:rPr>
-              <a:t> final </a:t>
-            </a:r>
-            <a:r>
-              <a:rPr lang="de-DE" sz="1800" b="1" dirty="0" err="1" smtClean="0">
-                <a:solidFill>
-                  <a:srgbClr val="2A00FF"/>
-                </a:solidFill>
-                <a:latin typeface="Courier New" panose="02070309020205020404" pitchFamily="49" charset="0"/>
-                <a:cs typeface="Courier New" panose="02070309020205020404" pitchFamily="49" charset="0"/>
-              </a:rPr>
-              <a:t>class</a:t>
-            </a:r>
-            <a:r>
-              <a:rPr lang="de-DE" sz="1800" dirty="0" smtClean="0">
-                <a:latin typeface="Courier New" panose="02070309020205020404" pitchFamily="49" charset="0"/>
-                <a:cs typeface="Courier New" panose="02070309020205020404" pitchFamily="49" charset="0"/>
-              </a:rPr>
-              <a:t> </a:t>
-            </a:r>
-            <a:r>
-              <a:rPr lang="de-DE" sz="1800" dirty="0" err="1" smtClean="0">
-                <a:latin typeface="Courier New" panose="02070309020205020404" pitchFamily="49" charset="0"/>
-                <a:cs typeface="Courier New" panose="02070309020205020404" pitchFamily="49" charset="0"/>
-              </a:rPr>
-              <a:t>OperatorScope</a:t>
-            </a:r>
-            <a:r>
-              <a:rPr lang="de-DE" sz="1800" dirty="0" smtClean="0">
-                <a:latin typeface="Courier New" panose="02070309020205020404" pitchFamily="49" charset="0"/>
-                <a:cs typeface="Courier New" panose="02070309020205020404" pitchFamily="49" charset="0"/>
-              </a:rPr>
-              <a:t> </a:t>
-            </a:r>
-            <a:r>
-              <a:rPr lang="de-DE" sz="1800" b="1" dirty="0" err="1" smtClean="0">
-                <a:solidFill>
-                  <a:srgbClr val="2A00FF"/>
-                </a:solidFill>
-                <a:latin typeface="Courier New" panose="02070309020205020404" pitchFamily="49" charset="0"/>
-                <a:cs typeface="Courier New" panose="02070309020205020404" pitchFamily="49" charset="0"/>
-              </a:rPr>
-              <a:t>implements</a:t>
-            </a:r>
-            <a:r>
-              <a:rPr lang="de-DE" sz="1800" dirty="0" smtClean="0">
-                <a:solidFill>
-                  <a:srgbClr val="2A00FF"/>
-                </a:solidFill>
-                <a:latin typeface="Courier New" panose="02070309020205020404" pitchFamily="49" charset="0"/>
-                <a:cs typeface="Courier New" panose="02070309020205020404" pitchFamily="49" charset="0"/>
-              </a:rPr>
-              <a:t> </a:t>
-            </a:r>
-            <a:r>
-              <a:rPr lang="de-DE" sz="1800" dirty="0" smtClean="0">
-                <a:latin typeface="Courier New" panose="02070309020205020404" pitchFamily="49" charset="0"/>
-                <a:cs typeface="Courier New" panose="02070309020205020404" pitchFamily="49" charset="0"/>
-              </a:rPr>
-              <a:t>Operator&lt;T&gt; {</a:t>
-            </a:r>
-          </a:p>
-          <a:p>
-            <a:pPr marL="0" indent="0">
-              <a:buNone/>
-            </a:pPr>
-            <a:r>
-              <a:rPr lang="de-DE" sz="1800" dirty="0" smtClean="0">
-                <a:latin typeface="Courier New" panose="02070309020205020404" pitchFamily="49" charset="0"/>
-                <a:cs typeface="Courier New" panose="02070309020205020404" pitchFamily="49" charset="0"/>
-              </a:rPr>
-              <a:t>    }</a:t>
-            </a:r>
-          </a:p>
-          <a:p>
-            <a:pPr marL="0" indent="0">
-              <a:buNone/>
-            </a:pPr>
-            <a:endParaRPr lang="de-DE" sz="1800" dirty="0" smtClean="0">
-              <a:latin typeface="Courier New" panose="02070309020205020404" pitchFamily="49" charset="0"/>
-              <a:cs typeface="Courier New" panose="02070309020205020404" pitchFamily="49" charset="0"/>
-            </a:endParaRPr>
-          </a:p>
-        </p:txBody>
-      </p:sp>
-      <p:sp>
-        <p:nvSpPr>
-          <p:cNvPr id="6" name="Textplatzhalter 5"/>
-          <p:cNvSpPr>
-            <a:spLocks noGrp="1"/>
-          </p:cNvSpPr>
-          <p:nvPr>
-            <p:ph type="body" sz="quarter" idx="14"/>
-          </p:nvPr>
-        </p:nvSpPr>
-        <p:spPr/>
-        <p:txBody>
-          <a:bodyPr>
-            <a:normAutofit lnSpcReduction="10000"/>
-          </a:bodyPr>
-          <a:lstStyle/>
-          <a:p>
-            <a:r>
-              <a:rPr lang="de-DE" dirty="0" smtClean="0"/>
-              <a:t>2. Implementierungstechniken – </a:t>
-            </a:r>
-            <a:r>
-              <a:rPr lang="de-DE" dirty="0" err="1" smtClean="0"/>
-              <a:t>TreeBuilder</a:t>
-            </a:r>
-            <a:r>
-              <a:rPr lang="de-DE" dirty="0" smtClean="0"/>
-              <a:t> und Scopes</a:t>
-            </a:r>
-          </a:p>
-          <a:p>
-            <a:endParaRPr lang="de-DE" dirty="0"/>
-          </a:p>
-        </p:txBody>
-      </p:sp>
-    </p:spTree>
-    <p:extLst>
-      <p:ext uri="{BB962C8B-B14F-4D97-AF65-F5344CB8AC3E}">
-        <p14:creationId xmlns:p14="http://schemas.microsoft.com/office/powerpoint/2010/main" val="1811210042"/>
-      </p:ext>
-    </p:extLst>
-  </p:cSld>
-  <p:clrMapOvr>
-    <a:masterClrMapping/>
-  </p:clrMapOvr>
-  <p:timing>
-    <p:tnLst>
-      <p:par>
-        <p:cTn id="1" dur="indefinite" restart="never" nodeType="tmRoot"/>
-      </p:par>
-    </p:tnLst>
-  </p:timing>
-</p:sld>
-</file>
-
 <file path=ppt/slides/slide2.xml><?xml version="1.0" encoding="utf-8"?>
 <p:sld xmlns:a="http://schemas.openxmlformats.org/drawingml/2006/main" xmlns:r="http://schemas.openxmlformats.org/officeDocument/2006/relationships" xmlns:p="http://schemas.openxmlformats.org/presentationml/2006/main">
   <p:cSld>
@@ -11298,6 +10880,616 @@
             <a:pPr marL="0" indent="0">
               <a:buNone/>
             </a:pPr>
+            <a:endParaRPr lang="de-DE" sz="1800" dirty="0" smtClean="0">
+              <a:latin typeface="Courier New" panose="02070309020205020404" pitchFamily="49" charset="0"/>
+              <a:cs typeface="Courier New" panose="02070309020205020404" pitchFamily="49" charset="0"/>
+            </a:endParaRPr>
+          </a:p>
+          <a:p>
+            <a:pPr marL="0" indent="0">
+              <a:buNone/>
+            </a:pPr>
+            <a:endParaRPr lang="de-DE" sz="1800" dirty="0" smtClean="0">
+              <a:latin typeface="Courier New" panose="02070309020205020404" pitchFamily="49" charset="0"/>
+              <a:cs typeface="Courier New" panose="02070309020205020404" pitchFamily="49" charset="0"/>
+            </a:endParaRPr>
+          </a:p>
+          <a:p>
+            <a:pPr marL="0" indent="0">
+              <a:buNone/>
+            </a:pPr>
+            <a:r>
+              <a:rPr lang="de-DE" sz="1800" dirty="0" smtClean="0">
+                <a:latin typeface="Courier New" panose="02070309020205020404" pitchFamily="49" charset="0"/>
+                <a:cs typeface="Courier New" panose="02070309020205020404" pitchFamily="49" charset="0"/>
+              </a:rPr>
+              <a:t>        </a:t>
+            </a:r>
+            <a:r>
+              <a:rPr lang="de-DE" sz="1800" b="1" dirty="0" err="1" smtClean="0">
+                <a:solidFill>
+                  <a:srgbClr val="2A00FF"/>
+                </a:solidFill>
+                <a:latin typeface="Courier New" panose="02070309020205020404" pitchFamily="49" charset="0"/>
+                <a:cs typeface="Courier New" panose="02070309020205020404" pitchFamily="49" charset="0"/>
+              </a:rPr>
+              <a:t>public</a:t>
+            </a:r>
+            <a:r>
+              <a:rPr lang="de-DE" sz="1800" dirty="0" smtClean="0">
+                <a:solidFill>
+                  <a:srgbClr val="2A00FF"/>
+                </a:solidFill>
+                <a:latin typeface="Courier New" panose="02070309020205020404" pitchFamily="49" charset="0"/>
+                <a:cs typeface="Courier New" panose="02070309020205020404" pitchFamily="49" charset="0"/>
+              </a:rPr>
+              <a:t> </a:t>
+            </a:r>
+            <a:r>
+              <a:rPr lang="de-DE" sz="1800" dirty="0" err="1" smtClean="0">
+                <a:latin typeface="Courier New" panose="02070309020205020404" pitchFamily="49" charset="0"/>
+                <a:cs typeface="Courier New" panose="02070309020205020404" pitchFamily="49" charset="0"/>
+              </a:rPr>
+              <a:t>OperatorScope</a:t>
+            </a:r>
+            <a:r>
+              <a:rPr lang="de-DE" sz="1800" dirty="0" smtClean="0">
+                <a:latin typeface="Courier New" panose="02070309020205020404" pitchFamily="49" charset="0"/>
+                <a:cs typeface="Courier New" panose="02070309020205020404" pitchFamily="49" charset="0"/>
+              </a:rPr>
+              <a:t> </a:t>
+            </a:r>
+            <a:r>
+              <a:rPr lang="de-DE" sz="1800" dirty="0" err="1" smtClean="0">
+                <a:latin typeface="Courier New" panose="02070309020205020404" pitchFamily="49" charset="0"/>
+                <a:cs typeface="Courier New" panose="02070309020205020404" pitchFamily="49" charset="0"/>
+              </a:rPr>
+              <a:t>expr</a:t>
+            </a:r>
+            <a:r>
+              <a:rPr lang="de-DE" sz="1800" dirty="0" smtClean="0">
+                <a:latin typeface="Courier New" panose="02070309020205020404" pitchFamily="49" charset="0"/>
+                <a:cs typeface="Courier New" panose="02070309020205020404" pitchFamily="49" charset="0"/>
+              </a:rPr>
+              <a:t>(</a:t>
+            </a:r>
+            <a:r>
+              <a:rPr lang="de-DE" sz="1800" b="1" dirty="0" smtClean="0">
+                <a:solidFill>
+                  <a:srgbClr val="2A00FF"/>
+                </a:solidFill>
+                <a:latin typeface="Courier New" panose="02070309020205020404" pitchFamily="49" charset="0"/>
+                <a:cs typeface="Courier New" panose="02070309020205020404" pitchFamily="49" charset="0"/>
+              </a:rPr>
+              <a:t>final</a:t>
+            </a:r>
+            <a:r>
+              <a:rPr lang="de-DE" sz="1800" b="1" dirty="0" smtClean="0">
+                <a:solidFill>
+                  <a:srgbClr val="0070C0"/>
+                </a:solidFill>
+                <a:latin typeface="Courier New" panose="02070309020205020404" pitchFamily="49" charset="0"/>
+                <a:cs typeface="Courier New" panose="02070309020205020404" pitchFamily="49" charset="0"/>
+              </a:rPr>
+              <a:t> </a:t>
+            </a:r>
+            <a:r>
+              <a:rPr lang="de-DE" sz="1800" b="1" dirty="0" err="1" smtClean="0">
+                <a:solidFill>
+                  <a:srgbClr val="2A00FF"/>
+                </a:solidFill>
+                <a:latin typeface="Courier New" panose="02070309020205020404" pitchFamily="49" charset="0"/>
+                <a:cs typeface="Courier New" panose="02070309020205020404" pitchFamily="49" charset="0"/>
+              </a:rPr>
+              <a:t>int</a:t>
+            </a:r>
+            <a:r>
+              <a:rPr lang="de-DE" sz="1800" dirty="0" smtClean="0">
+                <a:solidFill>
+                  <a:srgbClr val="2A00FF"/>
+                </a:solidFill>
+                <a:latin typeface="Courier New" panose="02070309020205020404" pitchFamily="49" charset="0"/>
+                <a:cs typeface="Courier New" panose="02070309020205020404" pitchFamily="49" charset="0"/>
+              </a:rPr>
+              <a:t> </a:t>
+            </a:r>
+            <a:r>
+              <a:rPr lang="de-DE" sz="1800" dirty="0" err="1" smtClean="0">
+                <a:latin typeface="Courier New" panose="02070309020205020404" pitchFamily="49" charset="0"/>
+                <a:cs typeface="Courier New" panose="02070309020205020404" pitchFamily="49" charset="0"/>
+              </a:rPr>
+              <a:t>value</a:t>
+            </a:r>
+            <a:r>
+              <a:rPr lang="de-DE" sz="1800" dirty="0" smtClean="0">
+                <a:latin typeface="Courier New" panose="02070309020205020404" pitchFamily="49" charset="0"/>
+                <a:cs typeface="Courier New" panose="02070309020205020404" pitchFamily="49" charset="0"/>
+              </a:rPr>
+              <a:t>) {</a:t>
+            </a:r>
+            <a:r>
+              <a:rPr lang="de-DE" sz="1800" dirty="0" smtClean="0">
+                <a:solidFill>
+                  <a:srgbClr val="00B050"/>
+                </a:solidFill>
+                <a:latin typeface="Courier New" panose="02070309020205020404" pitchFamily="49" charset="0"/>
+                <a:cs typeface="Courier New" panose="02070309020205020404" pitchFamily="49" charset="0"/>
+              </a:rPr>
+              <a:t>//Code</a:t>
+            </a:r>
+            <a:r>
+              <a:rPr lang="de-DE" sz="1800" dirty="0" smtClean="0">
+                <a:latin typeface="Courier New" panose="02070309020205020404" pitchFamily="49" charset="0"/>
+                <a:cs typeface="Courier New" panose="02070309020205020404" pitchFamily="49" charset="0"/>
+              </a:rPr>
+              <a:t>}</a:t>
+            </a:r>
+          </a:p>
+          <a:p>
+            <a:pPr marL="0" indent="0">
+              <a:buNone/>
+            </a:pPr>
+            <a:r>
+              <a:rPr lang="de-DE" sz="1800" dirty="0" smtClean="0">
+                <a:latin typeface="Courier New" panose="02070309020205020404" pitchFamily="49" charset="0"/>
+                <a:cs typeface="Courier New" panose="02070309020205020404" pitchFamily="49" charset="0"/>
+              </a:rPr>
+              <a:t>    }</a:t>
+            </a:r>
+          </a:p>
+          <a:p>
+            <a:pPr marL="0" indent="0">
+              <a:buNone/>
+            </a:pPr>
+            <a:r>
+              <a:rPr lang="de-DE" sz="1800" dirty="0" smtClean="0">
+                <a:latin typeface="Courier New" panose="02070309020205020404" pitchFamily="49" charset="0"/>
+                <a:cs typeface="Courier New" panose="02070309020205020404" pitchFamily="49" charset="0"/>
+              </a:rPr>
+              <a:t>    </a:t>
+            </a:r>
+            <a:r>
+              <a:rPr lang="de-DE" sz="1800" b="1" dirty="0" err="1" smtClean="0">
+                <a:solidFill>
+                  <a:srgbClr val="2A00FF"/>
+                </a:solidFill>
+                <a:latin typeface="Courier New" panose="02070309020205020404" pitchFamily="49" charset="0"/>
+                <a:cs typeface="Courier New" panose="02070309020205020404" pitchFamily="49" charset="0"/>
+              </a:rPr>
+              <a:t>public</a:t>
+            </a:r>
+            <a:r>
+              <a:rPr lang="de-DE" sz="1800" b="1" dirty="0" smtClean="0">
+                <a:solidFill>
+                  <a:srgbClr val="2A00FF"/>
+                </a:solidFill>
+                <a:latin typeface="Courier New" panose="02070309020205020404" pitchFamily="49" charset="0"/>
+                <a:cs typeface="Courier New" panose="02070309020205020404" pitchFamily="49" charset="0"/>
+              </a:rPr>
+              <a:t> final </a:t>
+            </a:r>
+            <a:r>
+              <a:rPr lang="de-DE" sz="1800" b="1" dirty="0" err="1" smtClean="0">
+                <a:solidFill>
+                  <a:srgbClr val="2A00FF"/>
+                </a:solidFill>
+                <a:latin typeface="Courier New" panose="02070309020205020404" pitchFamily="49" charset="0"/>
+                <a:cs typeface="Courier New" panose="02070309020205020404" pitchFamily="49" charset="0"/>
+              </a:rPr>
+              <a:t>class</a:t>
+            </a:r>
+            <a:r>
+              <a:rPr lang="de-DE" sz="1800" dirty="0" smtClean="0">
+                <a:latin typeface="Courier New" panose="02070309020205020404" pitchFamily="49" charset="0"/>
+                <a:cs typeface="Courier New" panose="02070309020205020404" pitchFamily="49" charset="0"/>
+              </a:rPr>
+              <a:t> </a:t>
+            </a:r>
+            <a:r>
+              <a:rPr lang="de-DE" sz="1800" dirty="0" err="1" smtClean="0">
+                <a:latin typeface="Courier New" panose="02070309020205020404" pitchFamily="49" charset="0"/>
+                <a:cs typeface="Courier New" panose="02070309020205020404" pitchFamily="49" charset="0"/>
+              </a:rPr>
+              <a:t>OperatorScope</a:t>
+            </a:r>
+            <a:r>
+              <a:rPr lang="de-DE" sz="1800" dirty="0" smtClean="0">
+                <a:latin typeface="Courier New" panose="02070309020205020404" pitchFamily="49" charset="0"/>
+                <a:cs typeface="Courier New" panose="02070309020205020404" pitchFamily="49" charset="0"/>
+              </a:rPr>
+              <a:t> </a:t>
+            </a:r>
+            <a:r>
+              <a:rPr lang="de-DE" sz="1800" b="1" dirty="0" err="1" smtClean="0">
+                <a:solidFill>
+                  <a:srgbClr val="2A00FF"/>
+                </a:solidFill>
+                <a:latin typeface="Courier New" panose="02070309020205020404" pitchFamily="49" charset="0"/>
+                <a:cs typeface="Courier New" panose="02070309020205020404" pitchFamily="49" charset="0"/>
+              </a:rPr>
+              <a:t>implements</a:t>
+            </a:r>
+            <a:r>
+              <a:rPr lang="de-DE" sz="1800" dirty="0" smtClean="0">
+                <a:solidFill>
+                  <a:srgbClr val="2A00FF"/>
+                </a:solidFill>
+                <a:latin typeface="Courier New" panose="02070309020205020404" pitchFamily="49" charset="0"/>
+                <a:cs typeface="Courier New" panose="02070309020205020404" pitchFamily="49" charset="0"/>
+              </a:rPr>
+              <a:t> </a:t>
+            </a:r>
+            <a:r>
+              <a:rPr lang="de-DE" sz="1800" dirty="0" smtClean="0">
+                <a:latin typeface="Courier New" panose="02070309020205020404" pitchFamily="49" charset="0"/>
+                <a:cs typeface="Courier New" panose="02070309020205020404" pitchFamily="49" charset="0"/>
+              </a:rPr>
+              <a:t>Operator&lt;T&gt; {</a:t>
+            </a:r>
+          </a:p>
+          <a:p>
+            <a:pPr marL="0" indent="0">
+              <a:buNone/>
+            </a:pPr>
+            <a:r>
+              <a:rPr lang="de-DE" sz="1800" dirty="0" smtClean="0">
+                <a:latin typeface="Courier New" panose="02070309020205020404" pitchFamily="49" charset="0"/>
+                <a:cs typeface="Courier New" panose="02070309020205020404" pitchFamily="49" charset="0"/>
+              </a:rPr>
+              <a:t>    }</a:t>
+            </a:r>
+          </a:p>
+          <a:p>
+            <a:pPr marL="0" indent="0">
+              <a:buNone/>
+            </a:pPr>
+            <a:endParaRPr lang="de-DE" sz="1800" dirty="0" smtClean="0">
+              <a:latin typeface="Courier New" panose="02070309020205020404" pitchFamily="49" charset="0"/>
+              <a:cs typeface="Courier New" panose="02070309020205020404" pitchFamily="49" charset="0"/>
+            </a:endParaRPr>
+          </a:p>
+        </p:txBody>
+      </p:sp>
+      <p:sp>
+        <p:nvSpPr>
+          <p:cNvPr id="6" name="Textplatzhalter 5"/>
+          <p:cNvSpPr>
+            <a:spLocks noGrp="1"/>
+          </p:cNvSpPr>
+          <p:nvPr>
+            <p:ph type="body" sz="quarter" idx="14"/>
+          </p:nvPr>
+        </p:nvSpPr>
+        <p:spPr/>
+        <p:txBody>
+          <a:bodyPr>
+            <a:normAutofit lnSpcReduction="10000"/>
+          </a:bodyPr>
+          <a:lstStyle/>
+          <a:p>
+            <a:r>
+              <a:rPr lang="de-DE" dirty="0" smtClean="0"/>
+              <a:t>2. Implementierungstechniken – </a:t>
+            </a:r>
+            <a:r>
+              <a:rPr lang="de-DE" dirty="0" err="1" smtClean="0"/>
+              <a:t>TreeBuilder</a:t>
+            </a:r>
+            <a:r>
+              <a:rPr lang="de-DE" dirty="0" smtClean="0"/>
+              <a:t> und Scopes</a:t>
+            </a:r>
+          </a:p>
+          <a:p>
+            <a:endParaRPr lang="de-DE" dirty="0"/>
+          </a:p>
+        </p:txBody>
+      </p:sp>
+    </p:spTree>
+    <p:extLst>
+      <p:ext uri="{BB962C8B-B14F-4D97-AF65-F5344CB8AC3E}">
+        <p14:creationId xmlns:p14="http://schemas.microsoft.com/office/powerpoint/2010/main" val="1811210042"/>
+      </p:ext>
+    </p:extLst>
+  </p:cSld>
+  <p:clrMapOvr>
+    <a:masterClrMapping/>
+  </p:clrMapOvr>
+  <p:timing>
+    <p:tnLst>
+      <p:par>
+        <p:cTn id="1" dur="indefinite" restart="never" nodeType="tmRoot"/>
+      </p:par>
+    </p:tnLst>
+  </p:timing>
+</p:sld>
+</file>
+
+<file path=ppt/slides/slide21.xml><?xml version="1.0" encoding="utf-8"?>
+<p:sld xmlns:a="http://schemas.openxmlformats.org/drawingml/2006/main" xmlns:r="http://schemas.openxmlformats.org/officeDocument/2006/relationships" xmlns:p="http://schemas.openxmlformats.org/presentationml/2006/main">
+  <p:cSld>
+    <p:spTree>
+      <p:nvGrpSpPr>
+        <p:cNvPr id="1" name=""/>
+        <p:cNvGrpSpPr/>
+        <p:nvPr/>
+      </p:nvGrpSpPr>
+      <p:grpSpPr>
+        <a:xfrm>
+          <a:off x="0" y="0"/>
+          <a:ext cx="0" cy="0"/>
+          <a:chOff x="0" y="0"/>
+          <a:chExt cx="0" cy="0"/>
+        </a:xfrm>
+      </p:grpSpPr>
+      <p:sp>
+        <p:nvSpPr>
+          <p:cNvPr id="2" name="Datumsplatzhalter 1"/>
+          <p:cNvSpPr>
+            <a:spLocks noGrp="1"/>
+          </p:cNvSpPr>
+          <p:nvPr>
+            <p:ph type="dt" sz="half" idx="10"/>
+          </p:nvPr>
+        </p:nvSpPr>
+        <p:spPr/>
+        <p:txBody>
+          <a:bodyPr/>
+          <a:lstStyle/>
+          <a:p>
+            <a:r>
+              <a:rPr lang="de-DE" smtClean="0"/>
+              <a:t>31.05.2016</a:t>
+            </a:r>
+            <a:endParaRPr lang="de-DE"/>
+          </a:p>
+        </p:txBody>
+      </p:sp>
+      <p:sp>
+        <p:nvSpPr>
+          <p:cNvPr id="3" name="Fußzeilenplatzhalter 2"/>
+          <p:cNvSpPr>
+            <a:spLocks noGrp="1"/>
+          </p:cNvSpPr>
+          <p:nvPr>
+            <p:ph type="ftr" sz="quarter" idx="11"/>
+          </p:nvPr>
+        </p:nvSpPr>
+        <p:spPr/>
+        <p:txBody>
+          <a:bodyPr/>
+          <a:lstStyle/>
+          <a:p>
+            <a:r>
+              <a:rPr lang="de-DE" smtClean="0"/>
+              <a:t>Daniel Fritz, HTWG Konstanz</a:t>
+            </a:r>
+            <a:endParaRPr lang="de-DE"/>
+          </a:p>
+        </p:txBody>
+      </p:sp>
+      <p:sp>
+        <p:nvSpPr>
+          <p:cNvPr id="4" name="Foliennummernplatzhalter 3"/>
+          <p:cNvSpPr>
+            <a:spLocks noGrp="1"/>
+          </p:cNvSpPr>
+          <p:nvPr>
+            <p:ph type="sldNum" sz="quarter" idx="12"/>
+          </p:nvPr>
+        </p:nvSpPr>
+        <p:spPr/>
+        <p:txBody>
+          <a:bodyPr/>
+          <a:lstStyle/>
+          <a:p>
+            <a:fld id="{4358C9F7-5955-4422-87CA-C4EB28FDAF6D}" type="slidenum">
+              <a:rPr lang="de-DE" smtClean="0"/>
+              <a:t>21</a:t>
+            </a:fld>
+            <a:endParaRPr lang="de-DE"/>
+          </a:p>
+        </p:txBody>
+      </p:sp>
+      <p:sp>
+        <p:nvSpPr>
+          <p:cNvPr id="5" name="Textplatzhalter 4"/>
+          <p:cNvSpPr>
+            <a:spLocks noGrp="1"/>
+          </p:cNvSpPr>
+          <p:nvPr>
+            <p:ph type="body" sz="quarter" idx="13"/>
+          </p:nvPr>
+        </p:nvSpPr>
+        <p:spPr>
+          <a:xfrm>
+            <a:off x="395536" y="692696"/>
+            <a:ext cx="8568951" cy="5688632"/>
+          </a:xfrm>
+        </p:spPr>
+        <p:txBody>
+          <a:bodyPr>
+            <a:normAutofit/>
+          </a:bodyPr>
+          <a:lstStyle/>
+          <a:p>
+            <a:pPr marL="0" indent="0">
+              <a:buNone/>
+            </a:pPr>
+            <a:endParaRPr lang="de-DE" sz="1800" dirty="0" smtClean="0">
+              <a:latin typeface="Courier New" panose="02070309020205020404" pitchFamily="49" charset="0"/>
+              <a:cs typeface="Courier New" panose="02070309020205020404" pitchFamily="49" charset="0"/>
+            </a:endParaRPr>
+          </a:p>
+          <a:p>
+            <a:pPr marL="0" indent="0">
+              <a:buNone/>
+            </a:pPr>
+            <a:endParaRPr lang="de-DE" sz="1800" dirty="0" smtClean="0">
+              <a:latin typeface="Courier New" panose="02070309020205020404" pitchFamily="49" charset="0"/>
+              <a:cs typeface="Courier New" panose="02070309020205020404" pitchFamily="49" charset="0"/>
+            </a:endParaRPr>
+          </a:p>
+          <a:p>
+            <a:pPr marL="0" indent="0">
+              <a:buNone/>
+            </a:pPr>
+            <a:endParaRPr lang="de-DE" sz="1800" dirty="0" smtClean="0">
+              <a:latin typeface="Courier New" panose="02070309020205020404" pitchFamily="49" charset="0"/>
+              <a:cs typeface="Courier New" panose="02070309020205020404" pitchFamily="49" charset="0"/>
+            </a:endParaRPr>
+          </a:p>
+          <a:p>
+            <a:pPr marL="0" indent="0">
+              <a:buNone/>
+            </a:pPr>
+            <a:endParaRPr lang="de-DE" sz="1800" dirty="0" smtClean="0">
+              <a:latin typeface="Courier New" panose="02070309020205020404" pitchFamily="49" charset="0"/>
+              <a:cs typeface="Courier New" panose="02070309020205020404" pitchFamily="49" charset="0"/>
+            </a:endParaRPr>
+          </a:p>
+          <a:p>
+            <a:pPr marL="0" indent="0">
+              <a:buNone/>
+            </a:pPr>
+            <a:endParaRPr lang="de-DE" sz="1800" dirty="0" smtClean="0">
+              <a:latin typeface="Courier New" panose="02070309020205020404" pitchFamily="49" charset="0"/>
+              <a:cs typeface="Courier New" panose="02070309020205020404" pitchFamily="49" charset="0"/>
+            </a:endParaRPr>
+          </a:p>
+          <a:p>
+            <a:pPr marL="0" indent="0">
+              <a:buNone/>
+            </a:pPr>
+            <a:endParaRPr lang="de-DE" sz="1800" dirty="0" smtClean="0">
+              <a:latin typeface="Courier New" panose="02070309020205020404" pitchFamily="49" charset="0"/>
+              <a:cs typeface="Courier New" panose="02070309020205020404" pitchFamily="49" charset="0"/>
+            </a:endParaRPr>
+          </a:p>
+          <a:p>
+            <a:pPr marL="0" indent="0">
+              <a:buNone/>
+            </a:pPr>
+            <a:endParaRPr lang="de-DE" sz="1800" dirty="0" smtClean="0">
+              <a:latin typeface="Courier New" panose="02070309020205020404" pitchFamily="49" charset="0"/>
+              <a:cs typeface="Courier New" panose="02070309020205020404" pitchFamily="49" charset="0"/>
+            </a:endParaRPr>
+          </a:p>
+          <a:p>
+            <a:pPr marL="0" indent="0">
+              <a:buNone/>
+            </a:pPr>
+            <a:endParaRPr lang="de-DE" sz="1800" dirty="0" smtClean="0">
+              <a:latin typeface="Courier New" panose="02070309020205020404" pitchFamily="49" charset="0"/>
+              <a:cs typeface="Courier New" panose="02070309020205020404" pitchFamily="49" charset="0"/>
+            </a:endParaRPr>
+          </a:p>
+          <a:p>
+            <a:pPr marL="0" indent="0">
+              <a:buNone/>
+            </a:pPr>
+            <a:endParaRPr lang="de-DE" sz="1800" dirty="0" smtClean="0">
+              <a:latin typeface="Courier New" panose="02070309020205020404" pitchFamily="49" charset="0"/>
+              <a:cs typeface="Courier New" panose="02070309020205020404" pitchFamily="49" charset="0"/>
+            </a:endParaRPr>
+          </a:p>
+          <a:p>
+            <a:pPr marL="0" indent="0">
+              <a:buNone/>
+            </a:pPr>
+            <a:r>
+              <a:rPr lang="de-DE" sz="1800" dirty="0" smtClean="0">
+                <a:latin typeface="Courier New" panose="02070309020205020404" pitchFamily="49" charset="0"/>
+                <a:cs typeface="Courier New" panose="02070309020205020404" pitchFamily="49" charset="0"/>
+              </a:rPr>
+              <a:t>    </a:t>
+            </a:r>
+            <a:r>
+              <a:rPr lang="de-DE" sz="1800" b="1" dirty="0" err="1" smtClean="0">
+                <a:solidFill>
+                  <a:srgbClr val="2A00FF"/>
+                </a:solidFill>
+                <a:latin typeface="Courier New" panose="02070309020205020404" pitchFamily="49" charset="0"/>
+                <a:cs typeface="Courier New" panose="02070309020205020404" pitchFamily="49" charset="0"/>
+              </a:rPr>
+              <a:t>public</a:t>
+            </a:r>
+            <a:r>
+              <a:rPr lang="de-DE" sz="1800" b="1" dirty="0" smtClean="0">
+                <a:solidFill>
+                  <a:srgbClr val="2A00FF"/>
+                </a:solidFill>
+                <a:latin typeface="Courier New" panose="02070309020205020404" pitchFamily="49" charset="0"/>
+                <a:cs typeface="Courier New" panose="02070309020205020404" pitchFamily="49" charset="0"/>
+              </a:rPr>
+              <a:t> final </a:t>
+            </a:r>
+            <a:r>
+              <a:rPr lang="de-DE" sz="1800" b="1" dirty="0" err="1" smtClean="0">
+                <a:solidFill>
+                  <a:srgbClr val="2A00FF"/>
+                </a:solidFill>
+                <a:latin typeface="Courier New" panose="02070309020205020404" pitchFamily="49" charset="0"/>
+                <a:cs typeface="Courier New" panose="02070309020205020404" pitchFamily="49" charset="0"/>
+              </a:rPr>
+              <a:t>class</a:t>
+            </a:r>
+            <a:r>
+              <a:rPr lang="de-DE" sz="1800" b="1" dirty="0" smtClean="0">
+                <a:solidFill>
+                  <a:srgbClr val="2A00FF"/>
+                </a:solidFill>
+                <a:latin typeface="Courier New" panose="02070309020205020404" pitchFamily="49" charset="0"/>
+                <a:cs typeface="Courier New" panose="02070309020205020404" pitchFamily="49" charset="0"/>
+              </a:rPr>
+              <a:t> </a:t>
+            </a:r>
+            <a:r>
+              <a:rPr lang="de-DE" sz="1800" dirty="0" err="1" smtClean="0">
+                <a:latin typeface="Courier New" panose="02070309020205020404" pitchFamily="49" charset="0"/>
+                <a:cs typeface="Courier New" panose="02070309020205020404" pitchFamily="49" charset="0"/>
+              </a:rPr>
+              <a:t>StartScope</a:t>
+            </a:r>
+            <a:r>
+              <a:rPr lang="de-DE" sz="1800" dirty="0" smtClean="0">
+                <a:latin typeface="Courier New" panose="02070309020205020404" pitchFamily="49" charset="0"/>
+                <a:cs typeface="Courier New" panose="02070309020205020404" pitchFamily="49" charset="0"/>
+              </a:rPr>
+              <a:t> </a:t>
+            </a:r>
+            <a:r>
+              <a:rPr lang="de-DE" sz="1800" b="1" dirty="0" err="1" smtClean="0">
+                <a:solidFill>
+                  <a:srgbClr val="2A00FF"/>
+                </a:solidFill>
+                <a:latin typeface="Courier New" panose="02070309020205020404" pitchFamily="49" charset="0"/>
+                <a:cs typeface="Courier New" panose="02070309020205020404" pitchFamily="49" charset="0"/>
+              </a:rPr>
+              <a:t>implements</a:t>
+            </a:r>
+            <a:r>
+              <a:rPr lang="de-DE" sz="1800" dirty="0" smtClean="0">
+                <a:solidFill>
+                  <a:srgbClr val="2A00FF"/>
+                </a:solidFill>
+                <a:latin typeface="Courier New" panose="02070309020205020404" pitchFamily="49" charset="0"/>
+                <a:cs typeface="Courier New" panose="02070309020205020404" pitchFamily="49" charset="0"/>
+              </a:rPr>
+              <a:t> </a:t>
+            </a:r>
+            <a:r>
+              <a:rPr lang="de-DE" sz="1800" dirty="0" smtClean="0">
+                <a:latin typeface="Courier New" panose="02070309020205020404" pitchFamily="49" charset="0"/>
+                <a:cs typeface="Courier New" panose="02070309020205020404" pitchFamily="49" charset="0"/>
+              </a:rPr>
+              <a:t>Start&lt;T&gt; {</a:t>
+            </a:r>
+          </a:p>
+          <a:p>
+            <a:pPr marL="0" indent="0">
+              <a:buNone/>
+            </a:pPr>
             <a:r>
               <a:rPr lang="de-DE" sz="1800" dirty="0" smtClean="0">
                 <a:latin typeface="Courier New" panose="02070309020205020404" pitchFamily="49" charset="0"/>
@@ -11710,7 +11902,7 @@
 </p:sld>
 </file>
 
-<file path=ppt/slides/slide21.xml><?xml version="1.0" encoding="utf-8"?>
+<file path=ppt/slides/slide22.xml><?xml version="1.0" encoding="utf-8"?>
 <p:sld xmlns:a="http://schemas.openxmlformats.org/drawingml/2006/main" xmlns:r="http://schemas.openxmlformats.org/officeDocument/2006/relationships" xmlns:p="http://schemas.openxmlformats.org/presentationml/2006/main">
   <p:cSld>
     <p:spTree>
@@ -11790,7 +11982,7 @@
           <a:p>
             <a:fld id="{4358C9F7-5955-4422-87CA-C4EB28FDAF6D}" type="slidenum">
               <a:rPr lang="de-DE" smtClean="0"/>
-              <a:t>21</a:t>
+              <a:t>22</a:t>
             </a:fld>
             <a:endParaRPr lang="de-DE"/>
           </a:p>
@@ -12530,847 +12722,6 @@
 </p:sld>
 </file>
 
-<file path=ppt/slides/slide22.xml><?xml version="1.0" encoding="utf-8"?>
-<p:sld xmlns:a="http://schemas.openxmlformats.org/drawingml/2006/main" xmlns:r="http://schemas.openxmlformats.org/officeDocument/2006/relationships" xmlns:p="http://schemas.openxmlformats.org/presentationml/2006/main">
-  <p:cSld>
-    <p:spTree>
-      <p:nvGrpSpPr>
-        <p:cNvPr id="1" name=""/>
-        <p:cNvGrpSpPr/>
-        <p:nvPr/>
-      </p:nvGrpSpPr>
-      <p:grpSpPr>
-        <a:xfrm>
-          <a:off x="0" y="0"/>
-          <a:ext cx="0" cy="0"/>
-          <a:chOff x="0" y="0"/>
-          <a:chExt cx="0" cy="0"/>
-        </a:xfrm>
-      </p:grpSpPr>
-      <p:sp>
-        <p:nvSpPr>
-          <p:cNvPr id="2" name="Datumsplatzhalter 1"/>
-          <p:cNvSpPr>
-            <a:spLocks noGrp="1"/>
-          </p:cNvSpPr>
-          <p:nvPr>
-            <p:ph type="dt" sz="half" idx="10"/>
-          </p:nvPr>
-        </p:nvSpPr>
-        <p:spPr/>
-        <p:txBody>
-          <a:bodyPr/>
-          <a:lstStyle/>
-          <a:p>
-            <a:r>
-              <a:rPr lang="de-DE" smtClean="0"/>
-              <a:t>31.05.2016</a:t>
-            </a:r>
-            <a:endParaRPr lang="de-DE"/>
-          </a:p>
-        </p:txBody>
-      </p:sp>
-      <p:sp>
-        <p:nvSpPr>
-          <p:cNvPr id="3" name="Fußzeilenplatzhalter 2"/>
-          <p:cNvSpPr>
-            <a:spLocks noGrp="1"/>
-          </p:cNvSpPr>
-          <p:nvPr>
-            <p:ph type="ftr" sz="quarter" idx="11"/>
-          </p:nvPr>
-        </p:nvSpPr>
-        <p:spPr/>
-        <p:txBody>
-          <a:bodyPr/>
-          <a:lstStyle/>
-          <a:p>
-            <a:r>
-              <a:rPr lang="de-DE" smtClean="0"/>
-              <a:t>Daniel Fritz, HTWG Konstanz</a:t>
-            </a:r>
-            <a:endParaRPr lang="de-DE"/>
-          </a:p>
-        </p:txBody>
-      </p:sp>
-      <p:sp>
-        <p:nvSpPr>
-          <p:cNvPr id="4" name="Foliennummernplatzhalter 3"/>
-          <p:cNvSpPr>
-            <a:spLocks noGrp="1"/>
-          </p:cNvSpPr>
-          <p:nvPr>
-            <p:ph type="sldNum" sz="quarter" idx="12"/>
-          </p:nvPr>
-        </p:nvSpPr>
-        <p:spPr/>
-        <p:txBody>
-          <a:bodyPr/>
-          <a:lstStyle/>
-          <a:p>
-            <a:fld id="{4358C9F7-5955-4422-87CA-C4EB28FDAF6D}" type="slidenum">
-              <a:rPr lang="de-DE" smtClean="0"/>
-              <a:t>22</a:t>
-            </a:fld>
-            <a:endParaRPr lang="de-DE"/>
-          </a:p>
-        </p:txBody>
-      </p:sp>
-      <p:sp>
-        <p:nvSpPr>
-          <p:cNvPr id="5" name="Textplatzhalter 4"/>
-          <p:cNvSpPr>
-            <a:spLocks noGrp="1"/>
-          </p:cNvSpPr>
-          <p:nvPr>
-            <p:ph type="body" sz="quarter" idx="13"/>
-          </p:nvPr>
-        </p:nvSpPr>
-        <p:spPr>
-          <a:xfrm>
-            <a:off x="395536" y="692696"/>
-            <a:ext cx="8568951" cy="5688631"/>
-          </a:xfrm>
-        </p:spPr>
-        <p:txBody>
-          <a:bodyPr>
-            <a:normAutofit/>
-          </a:bodyPr>
-          <a:lstStyle/>
-          <a:p>
-            <a:pPr marL="0" indent="0">
-              <a:buNone/>
-            </a:pPr>
-            <a:r>
-              <a:rPr lang="de-DE" sz="1800" b="1" dirty="0" err="1" smtClean="0">
-                <a:solidFill>
-                  <a:srgbClr val="2A00FF"/>
-                </a:solidFill>
-                <a:latin typeface="Courier New" panose="02070309020205020404" pitchFamily="49" charset="0"/>
-                <a:cs typeface="Courier New" panose="02070309020205020404" pitchFamily="49" charset="0"/>
-              </a:rPr>
-              <a:t>public</a:t>
-            </a:r>
-            <a:r>
-              <a:rPr lang="de-DE" sz="1800" dirty="0" smtClean="0">
-                <a:solidFill>
-                  <a:srgbClr val="2A00FF"/>
-                </a:solidFill>
-                <a:latin typeface="Courier New" panose="02070309020205020404" pitchFamily="49" charset="0"/>
-                <a:cs typeface="Courier New" panose="02070309020205020404" pitchFamily="49" charset="0"/>
-              </a:rPr>
-              <a:t> </a:t>
-            </a:r>
-            <a:r>
-              <a:rPr lang="de-DE" sz="1800" b="1" dirty="0" smtClean="0">
-                <a:solidFill>
-                  <a:srgbClr val="2A00FF"/>
-                </a:solidFill>
-                <a:latin typeface="Courier New" panose="02070309020205020404" pitchFamily="49" charset="0"/>
-                <a:cs typeface="Courier New" panose="02070309020205020404" pitchFamily="49" charset="0"/>
-              </a:rPr>
-              <a:t>final</a:t>
-            </a:r>
-            <a:r>
-              <a:rPr lang="de-DE" sz="1800" dirty="0" smtClean="0">
-                <a:solidFill>
-                  <a:srgbClr val="2A00FF"/>
-                </a:solidFill>
-                <a:latin typeface="Courier New" panose="02070309020205020404" pitchFamily="49" charset="0"/>
-                <a:cs typeface="Courier New" panose="02070309020205020404" pitchFamily="49" charset="0"/>
-              </a:rPr>
-              <a:t> </a:t>
-            </a:r>
-            <a:r>
-              <a:rPr lang="de-DE" sz="1800" b="1" dirty="0" err="1" smtClean="0">
-                <a:solidFill>
-                  <a:srgbClr val="2A00FF"/>
-                </a:solidFill>
-                <a:latin typeface="Courier New" panose="02070309020205020404" pitchFamily="49" charset="0"/>
-                <a:cs typeface="Courier New" panose="02070309020205020404" pitchFamily="49" charset="0"/>
-              </a:rPr>
-              <a:t>class</a:t>
-            </a:r>
-            <a:r>
-              <a:rPr lang="de-DE" sz="1800" dirty="0" smtClean="0">
-                <a:solidFill>
-                  <a:srgbClr val="0070C0"/>
-                </a:solidFill>
-                <a:latin typeface="Courier New" panose="02070309020205020404" pitchFamily="49" charset="0"/>
-                <a:cs typeface="Courier New" panose="02070309020205020404" pitchFamily="49" charset="0"/>
-              </a:rPr>
-              <a:t> </a:t>
-            </a:r>
-            <a:r>
-              <a:rPr lang="de-DE" sz="1800" dirty="0" err="1" smtClean="0">
-                <a:latin typeface="Courier New" panose="02070309020205020404" pitchFamily="49" charset="0"/>
-                <a:cs typeface="Courier New" panose="02070309020205020404" pitchFamily="49" charset="0"/>
-              </a:rPr>
-              <a:t>TreeBuilder</a:t>
-            </a:r>
-            <a:r>
-              <a:rPr lang="de-DE" sz="1800" dirty="0" smtClean="0">
-                <a:latin typeface="Courier New" panose="02070309020205020404" pitchFamily="49" charset="0"/>
-                <a:cs typeface="Courier New" panose="02070309020205020404" pitchFamily="49" charset="0"/>
-              </a:rPr>
-              <a:t> {</a:t>
-            </a:r>
-          </a:p>
-          <a:p>
-            <a:pPr marL="0" indent="0">
-              <a:buNone/>
-            </a:pPr>
-            <a:r>
-              <a:rPr lang="de-DE" sz="1800" dirty="0" smtClean="0">
-                <a:latin typeface="Courier New" panose="02070309020205020404" pitchFamily="49" charset="0"/>
-                <a:cs typeface="Courier New" panose="02070309020205020404" pitchFamily="49" charset="0"/>
-              </a:rPr>
-              <a:t>    </a:t>
-            </a:r>
-            <a:r>
-              <a:rPr lang="de-DE" sz="1800" b="1" dirty="0" smtClean="0">
-                <a:solidFill>
-                  <a:srgbClr val="2A00FF"/>
-                </a:solidFill>
-                <a:latin typeface="Courier New" panose="02070309020205020404" pitchFamily="49" charset="0"/>
-                <a:cs typeface="Courier New" panose="02070309020205020404" pitchFamily="49" charset="0"/>
-              </a:rPr>
-              <a:t>private</a:t>
-            </a:r>
-            <a:r>
-              <a:rPr lang="de-DE" sz="1800" dirty="0" smtClean="0">
-                <a:solidFill>
-                  <a:srgbClr val="2A00FF"/>
-                </a:solidFill>
-                <a:latin typeface="Courier New" panose="02070309020205020404" pitchFamily="49" charset="0"/>
-                <a:cs typeface="Courier New" panose="02070309020205020404" pitchFamily="49" charset="0"/>
-              </a:rPr>
-              <a:t> </a:t>
-            </a:r>
-            <a:r>
-              <a:rPr lang="de-DE" sz="1800" b="1" dirty="0" smtClean="0">
-                <a:solidFill>
-                  <a:srgbClr val="2A00FF"/>
-                </a:solidFill>
-                <a:latin typeface="Courier New" panose="02070309020205020404" pitchFamily="49" charset="0"/>
-                <a:cs typeface="Courier New" panose="02070309020205020404" pitchFamily="49" charset="0"/>
-              </a:rPr>
-              <a:t>final</a:t>
-            </a:r>
-            <a:r>
-              <a:rPr lang="de-DE" sz="1800" dirty="0" smtClean="0">
-                <a:solidFill>
-                  <a:srgbClr val="2A00FF"/>
-                </a:solidFill>
-                <a:latin typeface="Courier New" panose="02070309020205020404" pitchFamily="49" charset="0"/>
-                <a:cs typeface="Courier New" panose="02070309020205020404" pitchFamily="49" charset="0"/>
-              </a:rPr>
-              <a:t> </a:t>
-            </a:r>
-            <a:r>
-              <a:rPr lang="de-DE" sz="1800" dirty="0" err="1" smtClean="0">
-                <a:latin typeface="Courier New" panose="02070309020205020404" pitchFamily="49" charset="0"/>
-                <a:cs typeface="Courier New" panose="02070309020205020404" pitchFamily="49" charset="0"/>
-              </a:rPr>
-              <a:t>OperatorScope</a:t>
-            </a:r>
-            <a:r>
-              <a:rPr lang="de-DE" sz="1800" dirty="0" smtClean="0">
-                <a:latin typeface="Courier New" panose="02070309020205020404" pitchFamily="49" charset="0"/>
-                <a:cs typeface="Courier New" panose="02070309020205020404" pitchFamily="49" charset="0"/>
-              </a:rPr>
-              <a:t> </a:t>
-            </a:r>
-            <a:r>
-              <a:rPr lang="de-DE" sz="1800" dirty="0" err="1" smtClean="0">
-                <a:latin typeface="Courier New" panose="02070309020205020404" pitchFamily="49" charset="0"/>
-                <a:cs typeface="Courier New" panose="02070309020205020404" pitchFamily="49" charset="0"/>
-              </a:rPr>
-              <a:t>operatorScope</a:t>
-            </a:r>
-            <a:r>
-              <a:rPr lang="de-DE" sz="1800" dirty="0" smtClean="0">
-                <a:latin typeface="Courier New" panose="02070309020205020404" pitchFamily="49" charset="0"/>
-                <a:cs typeface="Courier New" panose="02070309020205020404" pitchFamily="49" charset="0"/>
-              </a:rPr>
-              <a:t>;</a:t>
-            </a:r>
-          </a:p>
-          <a:p>
-            <a:pPr marL="0" indent="0">
-              <a:buNone/>
-            </a:pPr>
-            <a:endParaRPr lang="de-DE" sz="1800" dirty="0" smtClean="0">
-              <a:latin typeface="Courier New" panose="02070309020205020404" pitchFamily="49" charset="0"/>
-              <a:cs typeface="Courier New" panose="02070309020205020404" pitchFamily="49" charset="0"/>
-            </a:endParaRPr>
-          </a:p>
-          <a:p>
-            <a:pPr marL="0" indent="0">
-              <a:buNone/>
-            </a:pPr>
-            <a:endParaRPr lang="de-DE" sz="1800" dirty="0">
-              <a:latin typeface="Courier New" panose="02070309020205020404" pitchFamily="49" charset="0"/>
-              <a:cs typeface="Courier New" panose="02070309020205020404" pitchFamily="49" charset="0"/>
-            </a:endParaRPr>
-          </a:p>
-          <a:p>
-            <a:pPr marL="0" indent="0">
-              <a:buNone/>
-            </a:pPr>
-            <a:endParaRPr lang="de-DE" sz="1800" dirty="0" smtClean="0">
-              <a:latin typeface="Courier New" panose="02070309020205020404" pitchFamily="49" charset="0"/>
-              <a:cs typeface="Courier New" panose="02070309020205020404" pitchFamily="49" charset="0"/>
-            </a:endParaRPr>
-          </a:p>
-          <a:p>
-            <a:pPr marL="0" indent="0">
-              <a:buNone/>
-            </a:pPr>
-            <a:endParaRPr lang="de-DE" sz="1800" dirty="0" smtClean="0">
-              <a:latin typeface="Courier New" panose="02070309020205020404" pitchFamily="49" charset="0"/>
-              <a:cs typeface="Courier New" panose="02070309020205020404" pitchFamily="49" charset="0"/>
-            </a:endParaRPr>
-          </a:p>
-          <a:p>
-            <a:pPr marL="0" indent="0">
-              <a:buNone/>
-            </a:pPr>
-            <a:endParaRPr lang="de-DE" sz="1800" dirty="0" smtClean="0">
-              <a:latin typeface="Courier New" panose="02070309020205020404" pitchFamily="49" charset="0"/>
-              <a:cs typeface="Courier New" panose="02070309020205020404" pitchFamily="49" charset="0"/>
-            </a:endParaRPr>
-          </a:p>
-          <a:p>
-            <a:pPr marL="0" indent="0">
-              <a:buNone/>
-            </a:pPr>
-            <a:endParaRPr lang="de-DE" sz="1800" dirty="0" smtClean="0">
-              <a:latin typeface="Courier New" panose="02070309020205020404" pitchFamily="49" charset="0"/>
-              <a:cs typeface="Courier New" panose="02070309020205020404" pitchFamily="49" charset="0"/>
-            </a:endParaRPr>
-          </a:p>
-          <a:p>
-            <a:pPr marL="0" indent="0">
-              <a:buNone/>
-            </a:pPr>
-            <a:endParaRPr lang="de-DE" sz="1800" dirty="0" smtClean="0">
-              <a:latin typeface="Courier New" panose="02070309020205020404" pitchFamily="49" charset="0"/>
-              <a:cs typeface="Courier New" panose="02070309020205020404" pitchFamily="49" charset="0"/>
-            </a:endParaRPr>
-          </a:p>
-          <a:p>
-            <a:pPr marL="0" indent="0">
-              <a:buNone/>
-            </a:pPr>
-            <a:r>
-              <a:rPr lang="de-DE" sz="1800" dirty="0" smtClean="0">
-                <a:latin typeface="Courier New" panose="02070309020205020404" pitchFamily="49" charset="0"/>
-                <a:cs typeface="Courier New" panose="02070309020205020404" pitchFamily="49" charset="0"/>
-              </a:rPr>
-              <a:t>    </a:t>
-            </a:r>
-            <a:r>
-              <a:rPr lang="de-DE" sz="1800" b="1" dirty="0" err="1" smtClean="0">
-                <a:solidFill>
-                  <a:srgbClr val="2A00FF"/>
-                </a:solidFill>
-                <a:latin typeface="Courier New" panose="02070309020205020404" pitchFamily="49" charset="0"/>
-                <a:cs typeface="Courier New" panose="02070309020205020404" pitchFamily="49" charset="0"/>
-              </a:rPr>
-              <a:t>public</a:t>
-            </a:r>
-            <a:r>
-              <a:rPr lang="de-DE" sz="1800" b="1" dirty="0" smtClean="0">
-                <a:solidFill>
-                  <a:srgbClr val="2A00FF"/>
-                </a:solidFill>
-                <a:latin typeface="Courier New" panose="02070309020205020404" pitchFamily="49" charset="0"/>
-                <a:cs typeface="Courier New" panose="02070309020205020404" pitchFamily="49" charset="0"/>
-              </a:rPr>
-              <a:t> final </a:t>
-            </a:r>
-            <a:r>
-              <a:rPr lang="de-DE" sz="1800" b="1" dirty="0" err="1" smtClean="0">
-                <a:solidFill>
-                  <a:srgbClr val="2A00FF"/>
-                </a:solidFill>
-                <a:latin typeface="Courier New" panose="02070309020205020404" pitchFamily="49" charset="0"/>
-                <a:cs typeface="Courier New" panose="02070309020205020404" pitchFamily="49" charset="0"/>
-              </a:rPr>
-              <a:t>class</a:t>
-            </a:r>
-            <a:r>
-              <a:rPr lang="de-DE" sz="1800" b="1" dirty="0" smtClean="0">
-                <a:solidFill>
-                  <a:srgbClr val="2A00FF"/>
-                </a:solidFill>
-                <a:latin typeface="Courier New" panose="02070309020205020404" pitchFamily="49" charset="0"/>
-                <a:cs typeface="Courier New" panose="02070309020205020404" pitchFamily="49" charset="0"/>
-              </a:rPr>
-              <a:t> </a:t>
-            </a:r>
-            <a:r>
-              <a:rPr lang="de-DE" sz="1800" dirty="0" err="1" smtClean="0">
-                <a:latin typeface="Courier New" panose="02070309020205020404" pitchFamily="49" charset="0"/>
-                <a:cs typeface="Courier New" panose="02070309020205020404" pitchFamily="49" charset="0"/>
-              </a:rPr>
-              <a:t>StartScope</a:t>
-            </a:r>
-            <a:r>
-              <a:rPr lang="de-DE" sz="1800" dirty="0" smtClean="0">
-                <a:latin typeface="Courier New" panose="02070309020205020404" pitchFamily="49" charset="0"/>
-                <a:cs typeface="Courier New" panose="02070309020205020404" pitchFamily="49" charset="0"/>
-              </a:rPr>
-              <a:t> </a:t>
-            </a:r>
-            <a:r>
-              <a:rPr lang="de-DE" sz="1800" b="1" dirty="0" err="1" smtClean="0">
-                <a:solidFill>
-                  <a:srgbClr val="2A00FF"/>
-                </a:solidFill>
-                <a:latin typeface="Courier New" panose="02070309020205020404" pitchFamily="49" charset="0"/>
-                <a:cs typeface="Courier New" panose="02070309020205020404" pitchFamily="49" charset="0"/>
-              </a:rPr>
-              <a:t>implements</a:t>
-            </a:r>
-            <a:r>
-              <a:rPr lang="de-DE" sz="1800" dirty="0" smtClean="0">
-                <a:solidFill>
-                  <a:srgbClr val="2A00FF"/>
-                </a:solidFill>
-                <a:latin typeface="Courier New" panose="02070309020205020404" pitchFamily="49" charset="0"/>
-                <a:cs typeface="Courier New" panose="02070309020205020404" pitchFamily="49" charset="0"/>
-              </a:rPr>
-              <a:t> </a:t>
-            </a:r>
-            <a:r>
-              <a:rPr lang="de-DE" sz="1800" dirty="0" smtClean="0">
-                <a:latin typeface="Courier New" panose="02070309020205020404" pitchFamily="49" charset="0"/>
-                <a:cs typeface="Courier New" panose="02070309020205020404" pitchFamily="49" charset="0"/>
-              </a:rPr>
-              <a:t>Start&lt;T&gt; {</a:t>
-            </a:r>
-          </a:p>
-          <a:p>
-            <a:pPr marL="0" indent="0">
-              <a:buNone/>
-            </a:pPr>
-            <a:r>
-              <a:rPr lang="de-DE" sz="1800" dirty="0" smtClean="0">
-                <a:latin typeface="Courier New" panose="02070309020205020404" pitchFamily="49" charset="0"/>
-                <a:cs typeface="Courier New" panose="02070309020205020404" pitchFamily="49" charset="0"/>
-              </a:rPr>
-              <a:t>        </a:t>
-            </a:r>
-            <a:r>
-              <a:rPr lang="de-DE" sz="1800" b="1" dirty="0" smtClean="0">
-                <a:solidFill>
-                  <a:srgbClr val="2A00FF"/>
-                </a:solidFill>
-                <a:latin typeface="Courier New" panose="02070309020205020404" pitchFamily="49" charset="0"/>
-                <a:cs typeface="Courier New" panose="02070309020205020404" pitchFamily="49" charset="0"/>
-              </a:rPr>
-              <a:t>private</a:t>
-            </a:r>
-            <a:r>
-              <a:rPr lang="de-DE" sz="1800" dirty="0" smtClean="0">
-                <a:solidFill>
-                  <a:srgbClr val="2A00FF"/>
-                </a:solidFill>
-                <a:latin typeface="Courier New" panose="02070309020205020404" pitchFamily="49" charset="0"/>
-                <a:cs typeface="Courier New" panose="02070309020205020404" pitchFamily="49" charset="0"/>
-              </a:rPr>
-              <a:t> </a:t>
-            </a:r>
-            <a:r>
-              <a:rPr lang="de-DE" sz="1800" dirty="0" err="1" smtClean="0">
-                <a:latin typeface="Courier New" panose="02070309020205020404" pitchFamily="49" charset="0"/>
-                <a:cs typeface="Courier New" panose="02070309020205020404" pitchFamily="49" charset="0"/>
-              </a:rPr>
-              <a:t>StartScope</a:t>
-            </a:r>
-            <a:r>
-              <a:rPr lang="de-DE" sz="1800" dirty="0" smtClean="0">
-                <a:latin typeface="Courier New" panose="02070309020205020404" pitchFamily="49" charset="0"/>
-                <a:cs typeface="Courier New" panose="02070309020205020404" pitchFamily="49" charset="0"/>
-              </a:rPr>
-              <a:t> {}</a:t>
-            </a:r>
-          </a:p>
-          <a:p>
-            <a:pPr marL="0" indent="0">
-              <a:buNone/>
-            </a:pPr>
-            <a:endParaRPr lang="de-DE" sz="1800" dirty="0" smtClean="0">
-              <a:latin typeface="Courier New" panose="02070309020205020404" pitchFamily="49" charset="0"/>
-              <a:cs typeface="Courier New" panose="02070309020205020404" pitchFamily="49" charset="0"/>
-            </a:endParaRPr>
-          </a:p>
-          <a:p>
-            <a:pPr marL="0" indent="0">
-              <a:buNone/>
-            </a:pPr>
-            <a:r>
-              <a:rPr lang="de-DE" sz="1800" dirty="0" smtClean="0">
-                <a:latin typeface="Courier New" panose="02070309020205020404" pitchFamily="49" charset="0"/>
-                <a:cs typeface="Courier New" panose="02070309020205020404" pitchFamily="49" charset="0"/>
-              </a:rPr>
-              <a:t>        </a:t>
-            </a:r>
-            <a:r>
-              <a:rPr lang="de-DE" sz="1800" b="1" dirty="0" err="1" smtClean="0">
-                <a:solidFill>
-                  <a:srgbClr val="2A00FF"/>
-                </a:solidFill>
-                <a:latin typeface="Courier New" panose="02070309020205020404" pitchFamily="49" charset="0"/>
-                <a:cs typeface="Courier New" panose="02070309020205020404" pitchFamily="49" charset="0"/>
-              </a:rPr>
-              <a:t>public</a:t>
-            </a:r>
-            <a:r>
-              <a:rPr lang="de-DE" sz="1800" dirty="0" smtClean="0">
-                <a:solidFill>
-                  <a:srgbClr val="2A00FF"/>
-                </a:solidFill>
-                <a:latin typeface="Courier New" panose="02070309020205020404" pitchFamily="49" charset="0"/>
-                <a:cs typeface="Courier New" panose="02070309020205020404" pitchFamily="49" charset="0"/>
-              </a:rPr>
-              <a:t> </a:t>
-            </a:r>
-            <a:r>
-              <a:rPr lang="de-DE" sz="1800" dirty="0" err="1" smtClean="0">
-                <a:latin typeface="Courier New" panose="02070309020205020404" pitchFamily="49" charset="0"/>
-                <a:cs typeface="Courier New" panose="02070309020205020404" pitchFamily="49" charset="0"/>
-              </a:rPr>
-              <a:t>OperatorScope</a:t>
-            </a:r>
-            <a:r>
-              <a:rPr lang="de-DE" sz="1800" dirty="0" smtClean="0">
-                <a:latin typeface="Courier New" panose="02070309020205020404" pitchFamily="49" charset="0"/>
-                <a:cs typeface="Courier New" panose="02070309020205020404" pitchFamily="49" charset="0"/>
-              </a:rPr>
-              <a:t> </a:t>
-            </a:r>
-            <a:r>
-              <a:rPr lang="de-DE" sz="1800" dirty="0" err="1" smtClean="0">
-                <a:latin typeface="Courier New" panose="02070309020205020404" pitchFamily="49" charset="0"/>
-                <a:cs typeface="Courier New" panose="02070309020205020404" pitchFamily="49" charset="0"/>
-              </a:rPr>
-              <a:t>expr</a:t>
-            </a:r>
-            <a:r>
-              <a:rPr lang="de-DE" sz="1800" dirty="0" smtClean="0">
-                <a:latin typeface="Courier New" panose="02070309020205020404" pitchFamily="49" charset="0"/>
-                <a:cs typeface="Courier New" panose="02070309020205020404" pitchFamily="49" charset="0"/>
-              </a:rPr>
-              <a:t>(</a:t>
-            </a:r>
-            <a:r>
-              <a:rPr lang="de-DE" sz="1800" b="1" dirty="0" smtClean="0">
-                <a:solidFill>
-                  <a:srgbClr val="2A00FF"/>
-                </a:solidFill>
-                <a:latin typeface="Courier New" panose="02070309020205020404" pitchFamily="49" charset="0"/>
-                <a:cs typeface="Courier New" panose="02070309020205020404" pitchFamily="49" charset="0"/>
-              </a:rPr>
-              <a:t>final</a:t>
-            </a:r>
-            <a:r>
-              <a:rPr lang="de-DE" sz="1800" b="1" dirty="0" smtClean="0">
-                <a:solidFill>
-                  <a:srgbClr val="0070C0"/>
-                </a:solidFill>
-                <a:latin typeface="Courier New" panose="02070309020205020404" pitchFamily="49" charset="0"/>
-                <a:cs typeface="Courier New" panose="02070309020205020404" pitchFamily="49" charset="0"/>
-              </a:rPr>
-              <a:t> </a:t>
-            </a:r>
-            <a:r>
-              <a:rPr lang="de-DE" sz="1800" b="1" dirty="0" err="1" smtClean="0">
-                <a:solidFill>
-                  <a:srgbClr val="2A00FF"/>
-                </a:solidFill>
-                <a:latin typeface="Courier New" panose="02070309020205020404" pitchFamily="49" charset="0"/>
-                <a:cs typeface="Courier New" panose="02070309020205020404" pitchFamily="49" charset="0"/>
-              </a:rPr>
-              <a:t>int</a:t>
-            </a:r>
-            <a:r>
-              <a:rPr lang="de-DE" sz="1800" dirty="0" smtClean="0">
-                <a:solidFill>
-                  <a:srgbClr val="2A00FF"/>
-                </a:solidFill>
-                <a:latin typeface="Courier New" panose="02070309020205020404" pitchFamily="49" charset="0"/>
-                <a:cs typeface="Courier New" panose="02070309020205020404" pitchFamily="49" charset="0"/>
-              </a:rPr>
-              <a:t> </a:t>
-            </a:r>
-            <a:r>
-              <a:rPr lang="de-DE" sz="1800" dirty="0" err="1" smtClean="0">
-                <a:latin typeface="Courier New" panose="02070309020205020404" pitchFamily="49" charset="0"/>
-                <a:cs typeface="Courier New" panose="02070309020205020404" pitchFamily="49" charset="0"/>
-              </a:rPr>
-              <a:t>value</a:t>
-            </a:r>
-            <a:r>
-              <a:rPr lang="de-DE" sz="1800" dirty="0" smtClean="0">
-                <a:latin typeface="Courier New" panose="02070309020205020404" pitchFamily="49" charset="0"/>
-                <a:cs typeface="Courier New" panose="02070309020205020404" pitchFamily="49" charset="0"/>
-              </a:rPr>
-              <a:t>) {</a:t>
-            </a:r>
-            <a:r>
-              <a:rPr lang="de-DE" sz="1800" dirty="0" smtClean="0">
-                <a:solidFill>
-                  <a:srgbClr val="00B050"/>
-                </a:solidFill>
-                <a:latin typeface="Courier New" panose="02070309020205020404" pitchFamily="49" charset="0"/>
-                <a:cs typeface="Courier New" panose="02070309020205020404" pitchFamily="49" charset="0"/>
-              </a:rPr>
-              <a:t>//Code</a:t>
-            </a:r>
-            <a:r>
-              <a:rPr lang="de-DE" sz="1800" dirty="0" smtClean="0">
-                <a:latin typeface="Courier New" panose="02070309020205020404" pitchFamily="49" charset="0"/>
-                <a:cs typeface="Courier New" panose="02070309020205020404" pitchFamily="49" charset="0"/>
-              </a:rPr>
-              <a:t>}</a:t>
-            </a:r>
-          </a:p>
-          <a:p>
-            <a:pPr marL="0" indent="0">
-              <a:buNone/>
-            </a:pPr>
-            <a:r>
-              <a:rPr lang="de-DE" sz="1800" dirty="0" smtClean="0">
-                <a:latin typeface="Courier New" panose="02070309020205020404" pitchFamily="49" charset="0"/>
-                <a:cs typeface="Courier New" panose="02070309020205020404" pitchFamily="49" charset="0"/>
-              </a:rPr>
-              <a:t>    }</a:t>
-            </a:r>
-          </a:p>
-          <a:p>
-            <a:pPr marL="0" indent="0">
-              <a:buNone/>
-            </a:pPr>
-            <a:r>
-              <a:rPr lang="de-DE" sz="1800" dirty="0" smtClean="0">
-                <a:latin typeface="Courier New" panose="02070309020205020404" pitchFamily="49" charset="0"/>
-                <a:cs typeface="Courier New" panose="02070309020205020404" pitchFamily="49" charset="0"/>
-              </a:rPr>
-              <a:t>    </a:t>
-            </a:r>
-            <a:r>
-              <a:rPr lang="de-DE" sz="1800" b="1" dirty="0" err="1" smtClean="0">
-                <a:solidFill>
-                  <a:srgbClr val="2A00FF"/>
-                </a:solidFill>
-                <a:latin typeface="Courier New" panose="02070309020205020404" pitchFamily="49" charset="0"/>
-                <a:cs typeface="Courier New" panose="02070309020205020404" pitchFamily="49" charset="0"/>
-              </a:rPr>
-              <a:t>public</a:t>
-            </a:r>
-            <a:r>
-              <a:rPr lang="de-DE" sz="1800" b="1" dirty="0" smtClean="0">
-                <a:solidFill>
-                  <a:srgbClr val="2A00FF"/>
-                </a:solidFill>
-                <a:latin typeface="Courier New" panose="02070309020205020404" pitchFamily="49" charset="0"/>
-                <a:cs typeface="Courier New" panose="02070309020205020404" pitchFamily="49" charset="0"/>
-              </a:rPr>
-              <a:t> final </a:t>
-            </a:r>
-            <a:r>
-              <a:rPr lang="de-DE" sz="1800" b="1" dirty="0" err="1" smtClean="0">
-                <a:solidFill>
-                  <a:srgbClr val="2A00FF"/>
-                </a:solidFill>
-                <a:latin typeface="Courier New" panose="02070309020205020404" pitchFamily="49" charset="0"/>
-                <a:cs typeface="Courier New" panose="02070309020205020404" pitchFamily="49" charset="0"/>
-              </a:rPr>
-              <a:t>class</a:t>
-            </a:r>
-            <a:r>
-              <a:rPr lang="de-DE" sz="1800" dirty="0" smtClean="0">
-                <a:latin typeface="Courier New" panose="02070309020205020404" pitchFamily="49" charset="0"/>
-                <a:cs typeface="Courier New" panose="02070309020205020404" pitchFamily="49" charset="0"/>
-              </a:rPr>
-              <a:t> </a:t>
-            </a:r>
-            <a:r>
-              <a:rPr lang="de-DE" sz="1800" dirty="0" err="1" smtClean="0">
-                <a:latin typeface="Courier New" panose="02070309020205020404" pitchFamily="49" charset="0"/>
-                <a:cs typeface="Courier New" panose="02070309020205020404" pitchFamily="49" charset="0"/>
-              </a:rPr>
-              <a:t>OperatorScope</a:t>
-            </a:r>
-            <a:r>
-              <a:rPr lang="de-DE" sz="1800" dirty="0" smtClean="0">
-                <a:latin typeface="Courier New" panose="02070309020205020404" pitchFamily="49" charset="0"/>
-                <a:cs typeface="Courier New" panose="02070309020205020404" pitchFamily="49" charset="0"/>
-              </a:rPr>
-              <a:t> </a:t>
-            </a:r>
-            <a:r>
-              <a:rPr lang="de-DE" sz="1800" b="1" dirty="0" err="1" smtClean="0">
-                <a:solidFill>
-                  <a:srgbClr val="2A00FF"/>
-                </a:solidFill>
-                <a:latin typeface="Courier New" panose="02070309020205020404" pitchFamily="49" charset="0"/>
-                <a:cs typeface="Courier New" panose="02070309020205020404" pitchFamily="49" charset="0"/>
-              </a:rPr>
-              <a:t>implements</a:t>
-            </a:r>
-            <a:r>
-              <a:rPr lang="de-DE" sz="1800" dirty="0" smtClean="0">
-                <a:solidFill>
-                  <a:srgbClr val="2A00FF"/>
-                </a:solidFill>
-                <a:latin typeface="Courier New" panose="02070309020205020404" pitchFamily="49" charset="0"/>
-                <a:cs typeface="Courier New" panose="02070309020205020404" pitchFamily="49" charset="0"/>
-              </a:rPr>
-              <a:t> </a:t>
-            </a:r>
-            <a:r>
-              <a:rPr lang="de-DE" sz="1800" dirty="0" smtClean="0">
-                <a:latin typeface="Courier New" panose="02070309020205020404" pitchFamily="49" charset="0"/>
-                <a:cs typeface="Courier New" panose="02070309020205020404" pitchFamily="49" charset="0"/>
-              </a:rPr>
-              <a:t>Operator&lt;T&gt; {</a:t>
-            </a:r>
-          </a:p>
-          <a:p>
-            <a:pPr marL="0" indent="0">
-              <a:buNone/>
-            </a:pPr>
-            <a:r>
-              <a:rPr lang="de-DE" sz="1800" dirty="0" smtClean="0">
-                <a:latin typeface="Courier New" panose="02070309020205020404" pitchFamily="49" charset="0"/>
-                <a:cs typeface="Courier New" panose="02070309020205020404" pitchFamily="49" charset="0"/>
-              </a:rPr>
-              <a:t>    }</a:t>
-            </a:r>
-          </a:p>
-          <a:p>
-            <a:pPr marL="0" indent="0">
-              <a:buNone/>
-            </a:pPr>
-            <a:r>
-              <a:rPr lang="de-DE" sz="1800" dirty="0" smtClean="0">
-                <a:latin typeface="Courier New" panose="02070309020205020404" pitchFamily="49" charset="0"/>
-                <a:cs typeface="Courier New" panose="02070309020205020404" pitchFamily="49" charset="0"/>
-              </a:rPr>
-              <a:t>}</a:t>
-            </a:r>
-          </a:p>
-        </p:txBody>
-      </p:sp>
-      <p:sp>
-        <p:nvSpPr>
-          <p:cNvPr id="6" name="Textplatzhalter 5"/>
-          <p:cNvSpPr>
-            <a:spLocks noGrp="1"/>
-          </p:cNvSpPr>
-          <p:nvPr>
-            <p:ph type="body" sz="quarter" idx="14"/>
-          </p:nvPr>
-        </p:nvSpPr>
-        <p:spPr/>
-        <p:txBody>
-          <a:bodyPr>
-            <a:normAutofit lnSpcReduction="10000"/>
-          </a:bodyPr>
-          <a:lstStyle/>
-          <a:p>
-            <a:r>
-              <a:rPr lang="de-DE" dirty="0" smtClean="0"/>
-              <a:t>2. Implementierungstechniken – </a:t>
-            </a:r>
-            <a:r>
-              <a:rPr lang="de-DE" dirty="0" err="1" smtClean="0"/>
-              <a:t>TreeBuilder</a:t>
-            </a:r>
-            <a:r>
-              <a:rPr lang="de-DE" dirty="0" smtClean="0"/>
-              <a:t> und Scopes</a:t>
-            </a:r>
-          </a:p>
-          <a:p>
-            <a:endParaRPr lang="de-DE" dirty="0"/>
-          </a:p>
-        </p:txBody>
-      </p:sp>
-      <p:sp>
-        <p:nvSpPr>
-          <p:cNvPr id="7" name="Pfeil nach rechts 6"/>
-          <p:cNvSpPr/>
-          <p:nvPr/>
-        </p:nvSpPr>
-        <p:spPr>
-          <a:xfrm>
-            <a:off x="107504" y="1124744"/>
-            <a:ext cx="288032" cy="144016"/>
-          </a:xfrm>
-          <a:prstGeom prst="rightArrow">
-            <a:avLst/>
-          </a:prstGeom>
-          <a:solidFill>
-            <a:srgbClr val="FF0000"/>
-          </a:solidFill>
-          <a:ln w="19050">
-            <a:solidFill>
-              <a:schemeClr val="accent2">
-                <a:lumMod val="75000"/>
-              </a:schemeClr>
-            </a:solidFill>
-          </a:ln>
-        </p:spPr>
-        <p:style>
-          <a:lnRef idx="2">
-            <a:schemeClr val="accent1">
-              <a:shade val="50000"/>
-            </a:schemeClr>
-          </a:lnRef>
-          <a:fillRef idx="1">
-            <a:schemeClr val="accent1"/>
-          </a:fillRef>
-          <a:effectRef idx="0">
-            <a:schemeClr val="accent1"/>
-          </a:effectRef>
-          <a:fontRef idx="minor">
-            <a:schemeClr val="lt1"/>
-          </a:fontRef>
-        </p:style>
-        <p:txBody>
-          <a:bodyPr rtlCol="0" anchor="ctr"/>
-          <a:lstStyle/>
-          <a:p>
-            <a:pPr algn="ctr"/>
-            <a:endParaRPr lang="de-DE"/>
-          </a:p>
-        </p:txBody>
-      </p:sp>
-    </p:spTree>
-    <p:extLst>
-      <p:ext uri="{BB962C8B-B14F-4D97-AF65-F5344CB8AC3E}">
-        <p14:creationId xmlns:p14="http://schemas.microsoft.com/office/powerpoint/2010/main" val="1432130362"/>
-      </p:ext>
-    </p:extLst>
-  </p:cSld>
-  <p:clrMapOvr>
-    <a:masterClrMapping/>
-  </p:clrMapOvr>
-  <p:timing>
-    <p:tnLst>
-      <p:par>
-        <p:cTn id="1" dur="indefinite" restart="never" nodeType="tmRoot"/>
-      </p:par>
-    </p:tnLst>
-  </p:timing>
-</p:sld>
-</file>
-
 <file path=ppt/slides/slide23.xml><?xml version="1.0" encoding="utf-8"?>
 <p:sld xmlns:a="http://schemas.openxmlformats.org/drawingml/2006/main" xmlns:r="http://schemas.openxmlformats.org/officeDocument/2006/relationships" xmlns:p="http://schemas.openxmlformats.org/presentationml/2006/main">
   <p:cSld>
@@ -13562,20 +12913,33 @@
               <a:buNone/>
             </a:pPr>
             <a:r>
-              <a:rPr lang="de-DE" sz="1800" dirty="0">
+              <a:rPr lang="de-DE" sz="1800" dirty="0" smtClean="0">
+                <a:latin typeface="Courier New" panose="02070309020205020404" pitchFamily="49" charset="0"/>
+                <a:cs typeface="Courier New" panose="02070309020205020404" pitchFamily="49" charset="0"/>
+              </a:rPr>
+              <a:t>    </a:t>
+            </a:r>
+            <a:r>
+              <a:rPr lang="de-DE" sz="1800" b="1" dirty="0" smtClean="0">
+                <a:solidFill>
+                  <a:srgbClr val="2A00FF"/>
+                </a:solidFill>
+                <a:latin typeface="Courier New" panose="02070309020205020404" pitchFamily="49" charset="0"/>
+                <a:cs typeface="Courier New" panose="02070309020205020404" pitchFamily="49" charset="0"/>
+              </a:rPr>
+              <a:t>private</a:t>
+            </a:r>
+            <a:r>
+              <a:rPr lang="de-DE" sz="1800" dirty="0" smtClean="0">
+                <a:solidFill>
+                  <a:srgbClr val="2A00FF"/>
+                </a:solidFill>
                 <a:latin typeface="Courier New" panose="02070309020205020404" pitchFamily="49" charset="0"/>
                 <a:cs typeface="Courier New" panose="02070309020205020404" pitchFamily="49" charset="0"/>
               </a:rPr>
               <a:t> </a:t>
             </a:r>
             <a:r>
-              <a:rPr lang="de-DE" sz="1800" dirty="0" smtClean="0">
-                <a:latin typeface="Courier New" panose="02070309020205020404" pitchFamily="49" charset="0"/>
-                <a:cs typeface="Courier New" panose="02070309020205020404" pitchFamily="49" charset="0"/>
-              </a:rPr>
-              <a:t>   </a:t>
-            </a:r>
-            <a:r>
               <a:rPr lang="de-DE" sz="1800" b="1" dirty="0" smtClean="0">
                 <a:solidFill>
                   <a:srgbClr val="2A00FF"/>
@@ -13583,7 +12947,7 @@
                 <a:latin typeface="Courier New" panose="02070309020205020404" pitchFamily="49" charset="0"/>
                 <a:cs typeface="Courier New" panose="02070309020205020404" pitchFamily="49" charset="0"/>
               </a:rPr>
-              <a:t>private</a:t>
+              <a:t>final</a:t>
             </a:r>
             <a:r>
               <a:rPr lang="de-DE" sz="1800" dirty="0" smtClean="0">
@@ -13596,20 +12960,14 @@
               <a:t> </a:t>
             </a:r>
             <a:r>
-              <a:rPr lang="de-DE" sz="1800" b="1" dirty="0" smtClean="0">
-                <a:solidFill>
-                  <a:srgbClr val="2A00FF"/>
-                </a:solidFill>
-                <a:latin typeface="Courier New" panose="02070309020205020404" pitchFamily="49" charset="0"/>
-                <a:cs typeface="Courier New" panose="02070309020205020404" pitchFamily="49" charset="0"/>
-              </a:rPr>
-              <a:t>final</a:t>
-            </a:r>
-            <a:r>
-              <a:rPr lang="de-DE" sz="1800" dirty="0" smtClean="0">
-                <a:solidFill>
-                  <a:srgbClr val="2A00FF"/>
-                </a:solidFill>
+              <a:rPr lang="de-DE" sz="1800" dirty="0" err="1" smtClean="0">
+                <a:latin typeface="Courier New" panose="02070309020205020404" pitchFamily="49" charset="0"/>
+                <a:cs typeface="Courier New" panose="02070309020205020404" pitchFamily="49" charset="0"/>
+              </a:rPr>
+              <a:t>OperatorScope</a:t>
+            </a:r>
+            <a:r>
+              <a:rPr lang="de-DE" sz="1800" dirty="0" smtClean="0">
                 <a:latin typeface="Courier New" panose="02070309020205020404" pitchFamily="49" charset="0"/>
                 <a:cs typeface="Courier New" panose="02070309020205020404" pitchFamily="49" charset="0"/>
               </a:rPr>
@@ -13620,20 +12978,6 @@
                 <a:latin typeface="Courier New" panose="02070309020205020404" pitchFamily="49" charset="0"/>
                 <a:cs typeface="Courier New" panose="02070309020205020404" pitchFamily="49" charset="0"/>
               </a:rPr>
-              <a:t>OperatorScope</a:t>
-            </a:r>
-            <a:r>
-              <a:rPr lang="de-DE" sz="1800" dirty="0" smtClean="0">
-                <a:latin typeface="Courier New" panose="02070309020205020404" pitchFamily="49" charset="0"/>
-                <a:cs typeface="Courier New" panose="02070309020205020404" pitchFamily="49" charset="0"/>
-              </a:rPr>
-              <a:t> </a:t>
-            </a:r>
-            <a:r>
-              <a:rPr lang="de-DE" sz="1800" dirty="0" err="1" smtClean="0">
-                <a:latin typeface="Courier New" panose="02070309020205020404" pitchFamily="49" charset="0"/>
-                <a:cs typeface="Courier New" panose="02070309020205020404" pitchFamily="49" charset="0"/>
-              </a:rPr>
               <a:t>operatorScope</a:t>
             </a:r>
             <a:r>
@@ -13643,10 +12987,6 @@
               </a:rPr>
               <a:t>;</a:t>
             </a:r>
-            <a:endParaRPr lang="de-DE" sz="1800" dirty="0">
-              <a:latin typeface="Courier New" panose="02070309020205020404" pitchFamily="49" charset="0"/>
-              <a:cs typeface="Courier New" panose="02070309020205020404" pitchFamily="49" charset="0"/>
-            </a:endParaRPr>
           </a:p>
           <a:p>
             <a:pPr marL="0" indent="0">
@@ -13661,145 +13001,10 @@
             <a:pPr marL="0" indent="0">
               <a:buNone/>
             </a:pPr>
-            <a:r>
-              <a:rPr lang="de-DE" sz="1800" dirty="0">
-                <a:latin typeface="Courier New" panose="02070309020205020404" pitchFamily="49" charset="0"/>
-                <a:cs typeface="Courier New" panose="02070309020205020404" pitchFamily="49" charset="0"/>
-              </a:rPr>
-              <a:t> </a:t>
-            </a:r>
-            <a:r>
-              <a:rPr lang="de-DE" sz="1800" dirty="0" smtClean="0">
-                <a:latin typeface="Courier New" panose="02070309020205020404" pitchFamily="49" charset="0"/>
-                <a:cs typeface="Courier New" panose="02070309020205020404" pitchFamily="49" charset="0"/>
-              </a:rPr>
-              <a:t>   </a:t>
-            </a:r>
-            <a:r>
-              <a:rPr lang="de-DE" sz="1800" b="1" dirty="0" smtClean="0">
-                <a:solidFill>
-                  <a:srgbClr val="2A00FF"/>
-                </a:solidFill>
-                <a:latin typeface="Courier New" panose="02070309020205020404" pitchFamily="49" charset="0"/>
-                <a:cs typeface="Courier New" panose="02070309020205020404" pitchFamily="49" charset="0"/>
-              </a:rPr>
-              <a:t>private</a:t>
-            </a:r>
-            <a:r>
-              <a:rPr lang="de-DE" sz="1800" dirty="0" smtClean="0">
-                <a:solidFill>
-                  <a:srgbClr val="2A00FF"/>
-                </a:solidFill>
-                <a:latin typeface="Courier New" panose="02070309020205020404" pitchFamily="49" charset="0"/>
-                <a:cs typeface="Courier New" panose="02070309020205020404" pitchFamily="49" charset="0"/>
-              </a:rPr>
-              <a:t> </a:t>
-            </a:r>
-            <a:r>
-              <a:rPr lang="de-DE" sz="1800" dirty="0" err="1" smtClean="0">
-                <a:latin typeface="Courier New" panose="02070309020205020404" pitchFamily="49" charset="0"/>
-                <a:cs typeface="Courier New" panose="02070309020205020404" pitchFamily="49" charset="0"/>
-              </a:rPr>
-              <a:t>TreeBuilder</a:t>
-            </a:r>
-            <a:r>
-              <a:rPr lang="de-DE" sz="1800" dirty="0" smtClean="0">
-                <a:latin typeface="Courier New" panose="02070309020205020404" pitchFamily="49" charset="0"/>
-                <a:cs typeface="Courier New" panose="02070309020205020404" pitchFamily="49" charset="0"/>
-              </a:rPr>
-              <a:t>() {</a:t>
-            </a:r>
-          </a:p>
-          <a:p>
-            <a:pPr marL="0" indent="0">
-              <a:buNone/>
-            </a:pPr>
-            <a:r>
-              <a:rPr lang="de-DE" sz="1800" dirty="0">
-                <a:latin typeface="Courier New" panose="02070309020205020404" pitchFamily="49" charset="0"/>
-                <a:cs typeface="Courier New" panose="02070309020205020404" pitchFamily="49" charset="0"/>
-              </a:rPr>
-              <a:t> </a:t>
-            </a:r>
-            <a:r>
-              <a:rPr lang="de-DE" sz="1800" dirty="0" smtClean="0">
-                <a:latin typeface="Courier New" panose="02070309020205020404" pitchFamily="49" charset="0"/>
-                <a:cs typeface="Courier New" panose="02070309020205020404" pitchFamily="49" charset="0"/>
-              </a:rPr>
-              <a:t>       </a:t>
-            </a:r>
-            <a:r>
-              <a:rPr lang="de-DE" sz="1800" b="1" dirty="0" err="1" smtClean="0">
-                <a:solidFill>
-                  <a:srgbClr val="2A00FF"/>
-                </a:solidFill>
-                <a:latin typeface="Courier New" panose="02070309020205020404" pitchFamily="49" charset="0"/>
-                <a:cs typeface="Courier New" panose="02070309020205020404" pitchFamily="49" charset="0"/>
-              </a:rPr>
-              <a:t>this</a:t>
-            </a:r>
-            <a:r>
-              <a:rPr lang="de-DE" sz="1800" dirty="0" err="1" smtClean="0">
-                <a:latin typeface="Courier New" panose="02070309020205020404" pitchFamily="49" charset="0"/>
-                <a:cs typeface="Courier New" panose="02070309020205020404" pitchFamily="49" charset="0"/>
-              </a:rPr>
-              <a:t>.operatorScope</a:t>
-            </a:r>
-            <a:r>
-              <a:rPr lang="de-DE" sz="1800" dirty="0" smtClean="0">
-                <a:latin typeface="Courier New" panose="02070309020205020404" pitchFamily="49" charset="0"/>
-                <a:cs typeface="Courier New" panose="02070309020205020404" pitchFamily="49" charset="0"/>
-              </a:rPr>
-              <a:t> = </a:t>
-            </a:r>
-            <a:r>
-              <a:rPr lang="de-DE" sz="1800" b="1" dirty="0" err="1" smtClean="0">
-                <a:solidFill>
-                  <a:srgbClr val="2A00FF"/>
-                </a:solidFill>
-                <a:latin typeface="Courier New" panose="02070309020205020404" pitchFamily="49" charset="0"/>
-                <a:cs typeface="Courier New" panose="02070309020205020404" pitchFamily="49" charset="0"/>
-              </a:rPr>
-              <a:t>this</a:t>
-            </a:r>
-            <a:r>
-              <a:rPr lang="de-DE" sz="1800" dirty="0" err="1" smtClean="0">
-                <a:latin typeface="Courier New" panose="02070309020205020404" pitchFamily="49" charset="0"/>
-                <a:cs typeface="Courier New" panose="02070309020205020404" pitchFamily="49" charset="0"/>
-              </a:rPr>
-              <a:t>.</a:t>
-            </a:r>
-            <a:r>
-              <a:rPr lang="de-DE" sz="1800" b="1" dirty="0" err="1" smtClean="0">
-                <a:solidFill>
-                  <a:srgbClr val="2A00FF"/>
-                </a:solidFill>
-                <a:latin typeface="Courier New" panose="02070309020205020404" pitchFamily="49" charset="0"/>
-                <a:cs typeface="Courier New" panose="02070309020205020404" pitchFamily="49" charset="0"/>
-              </a:rPr>
-              <a:t>new</a:t>
-            </a:r>
-            <a:r>
-              <a:rPr lang="de-DE" sz="1800" dirty="0" smtClean="0">
-                <a:latin typeface="Courier New" panose="02070309020205020404" pitchFamily="49" charset="0"/>
-                <a:cs typeface="Courier New" panose="02070309020205020404" pitchFamily="49" charset="0"/>
-              </a:rPr>
-              <a:t> </a:t>
-            </a:r>
-            <a:r>
-              <a:rPr lang="de-DE" sz="1800" dirty="0" err="1" smtClean="0">
-                <a:latin typeface="Courier New" panose="02070309020205020404" pitchFamily="49" charset="0"/>
-                <a:cs typeface="Courier New" panose="02070309020205020404" pitchFamily="49" charset="0"/>
-              </a:rPr>
-              <a:t>OperatorScope</a:t>
-            </a:r>
-            <a:r>
-              <a:rPr lang="de-DE" sz="1800" dirty="0" smtClean="0">
-                <a:latin typeface="Courier New" panose="02070309020205020404" pitchFamily="49" charset="0"/>
-                <a:cs typeface="Courier New" panose="02070309020205020404" pitchFamily="49" charset="0"/>
-              </a:rPr>
-              <a:t>(); }</a:t>
-            </a:r>
+            <a:endParaRPr lang="de-DE" sz="1800" dirty="0">
+              <a:latin typeface="Courier New" panose="02070309020205020404" pitchFamily="49" charset="0"/>
+              <a:cs typeface="Courier New" panose="02070309020205020404" pitchFamily="49" charset="0"/>
+            </a:endParaRPr>
           </a:p>
           <a:p>
             <a:pPr marL="0" indent="0">
@@ -13814,7 +13019,7 @@
             <a:pPr marL="0" indent="0">
               <a:buNone/>
             </a:pPr>
-            <a:endParaRPr lang="de-DE" sz="1800" dirty="0">
+            <a:endParaRPr lang="de-DE" sz="1800" dirty="0" smtClean="0">
               <a:latin typeface="Courier New" panose="02070309020205020404" pitchFamily="49" charset="0"/>
               <a:cs typeface="Courier New" panose="02070309020205020404" pitchFamily="49" charset="0"/>
             </a:endParaRPr>
@@ -13832,447 +13037,424 @@
             <a:pPr marL="0" indent="0">
               <a:buNone/>
             </a:pPr>
-            <a:endParaRPr lang="de-DE" sz="1800" dirty="0">
-              <a:latin typeface="Courier New" panose="02070309020205020404" pitchFamily="49" charset="0"/>
-              <a:cs typeface="Courier New" panose="02070309020205020404" pitchFamily="49" charset="0"/>
-            </a:endParaRPr>
-          </a:p>
-          <a:p>
-            <a:pPr marL="0" indent="0">
-              <a:buNone/>
-            </a:pPr>
-            <a:r>
-              <a:rPr lang="de-DE" sz="1800" dirty="0" smtClean="0">
-                <a:latin typeface="Courier New" panose="02070309020205020404" pitchFamily="49" charset="0"/>
-                <a:cs typeface="Courier New" panose="02070309020205020404" pitchFamily="49" charset="0"/>
-              </a:rPr>
-              <a:t>    </a:t>
-            </a:r>
-            <a:r>
-              <a:rPr lang="de-DE" sz="1800" b="1" dirty="0" err="1" smtClean="0">
-                <a:solidFill>
-                  <a:srgbClr val="2A00FF"/>
-                </a:solidFill>
-                <a:latin typeface="Courier New" panose="02070309020205020404" pitchFamily="49" charset="0"/>
-                <a:cs typeface="Courier New" panose="02070309020205020404" pitchFamily="49" charset="0"/>
-              </a:rPr>
-              <a:t>public</a:t>
-            </a:r>
-            <a:r>
-              <a:rPr lang="de-DE" sz="1800" b="1" dirty="0" smtClean="0">
-                <a:solidFill>
-                  <a:srgbClr val="2A00FF"/>
-                </a:solidFill>
-                <a:latin typeface="Courier New" panose="02070309020205020404" pitchFamily="49" charset="0"/>
-                <a:cs typeface="Courier New" panose="02070309020205020404" pitchFamily="49" charset="0"/>
-              </a:rPr>
-              <a:t> final </a:t>
-            </a:r>
-            <a:r>
-              <a:rPr lang="de-DE" sz="1800" b="1" dirty="0" err="1" smtClean="0">
-                <a:solidFill>
-                  <a:srgbClr val="2A00FF"/>
-                </a:solidFill>
-                <a:latin typeface="Courier New" panose="02070309020205020404" pitchFamily="49" charset="0"/>
-                <a:cs typeface="Courier New" panose="02070309020205020404" pitchFamily="49" charset="0"/>
-              </a:rPr>
-              <a:t>class</a:t>
-            </a:r>
-            <a:r>
-              <a:rPr lang="de-DE" sz="1800" b="1" dirty="0" smtClean="0">
-                <a:solidFill>
-                  <a:srgbClr val="2A00FF"/>
-                </a:solidFill>
-                <a:latin typeface="Courier New" panose="02070309020205020404" pitchFamily="49" charset="0"/>
-                <a:cs typeface="Courier New" panose="02070309020205020404" pitchFamily="49" charset="0"/>
-              </a:rPr>
-              <a:t> </a:t>
-            </a:r>
-            <a:r>
-              <a:rPr lang="de-DE" sz="1800" dirty="0" err="1" smtClean="0">
-                <a:latin typeface="Courier New" panose="02070309020205020404" pitchFamily="49" charset="0"/>
-                <a:cs typeface="Courier New" panose="02070309020205020404" pitchFamily="49" charset="0"/>
-              </a:rPr>
-              <a:t>StartScope</a:t>
-            </a:r>
-            <a:r>
-              <a:rPr lang="de-DE" sz="1800" dirty="0" smtClean="0">
-                <a:latin typeface="Courier New" panose="02070309020205020404" pitchFamily="49" charset="0"/>
-                <a:cs typeface="Courier New" panose="02070309020205020404" pitchFamily="49" charset="0"/>
-              </a:rPr>
-              <a:t> </a:t>
-            </a:r>
-            <a:r>
-              <a:rPr lang="de-DE" sz="1800" b="1" dirty="0" err="1" smtClean="0">
-                <a:solidFill>
-                  <a:srgbClr val="2A00FF"/>
-                </a:solidFill>
-                <a:latin typeface="Courier New" panose="02070309020205020404" pitchFamily="49" charset="0"/>
-                <a:cs typeface="Courier New" panose="02070309020205020404" pitchFamily="49" charset="0"/>
-              </a:rPr>
-              <a:t>implements</a:t>
-            </a:r>
-            <a:r>
-              <a:rPr lang="de-DE" sz="1800" dirty="0" smtClean="0">
-                <a:solidFill>
-                  <a:srgbClr val="2A00FF"/>
-                </a:solidFill>
-                <a:latin typeface="Courier New" panose="02070309020205020404" pitchFamily="49" charset="0"/>
-                <a:cs typeface="Courier New" panose="02070309020205020404" pitchFamily="49" charset="0"/>
-              </a:rPr>
-              <a:t> </a:t>
-            </a:r>
-            <a:r>
-              <a:rPr lang="de-DE" sz="1800" dirty="0" smtClean="0">
-                <a:latin typeface="Courier New" panose="02070309020205020404" pitchFamily="49" charset="0"/>
-                <a:cs typeface="Courier New" panose="02070309020205020404" pitchFamily="49" charset="0"/>
-              </a:rPr>
-              <a:t>Start&lt;T&gt; {</a:t>
-            </a:r>
-          </a:p>
-          <a:p>
-            <a:pPr marL="0" indent="0">
-              <a:buNone/>
-            </a:pPr>
-            <a:r>
-              <a:rPr lang="de-DE" sz="1800" dirty="0">
-                <a:latin typeface="Courier New" panose="02070309020205020404" pitchFamily="49" charset="0"/>
-                <a:cs typeface="Courier New" panose="02070309020205020404" pitchFamily="49" charset="0"/>
-              </a:rPr>
-              <a:t> </a:t>
-            </a:r>
-            <a:r>
-              <a:rPr lang="de-DE" sz="1800" dirty="0" smtClean="0">
-                <a:latin typeface="Courier New" panose="02070309020205020404" pitchFamily="49" charset="0"/>
-                <a:cs typeface="Courier New" panose="02070309020205020404" pitchFamily="49" charset="0"/>
-              </a:rPr>
-              <a:t>       </a:t>
-            </a:r>
-            <a:r>
-              <a:rPr lang="de-DE" sz="1800" b="1" dirty="0" smtClean="0">
-                <a:solidFill>
-                  <a:srgbClr val="2A00FF"/>
-                </a:solidFill>
-                <a:latin typeface="Courier New" panose="02070309020205020404" pitchFamily="49" charset="0"/>
-                <a:cs typeface="Courier New" panose="02070309020205020404" pitchFamily="49" charset="0"/>
-              </a:rPr>
-              <a:t>private</a:t>
-            </a:r>
-            <a:r>
-              <a:rPr lang="de-DE" sz="1800" dirty="0" smtClean="0">
-                <a:solidFill>
-                  <a:srgbClr val="2A00FF"/>
-                </a:solidFill>
-                <a:latin typeface="Courier New" panose="02070309020205020404" pitchFamily="49" charset="0"/>
-                <a:cs typeface="Courier New" panose="02070309020205020404" pitchFamily="49" charset="0"/>
-              </a:rPr>
-              <a:t> </a:t>
-            </a:r>
-            <a:r>
-              <a:rPr lang="de-DE" sz="1800" dirty="0" err="1" smtClean="0">
-                <a:latin typeface="Courier New" panose="02070309020205020404" pitchFamily="49" charset="0"/>
-                <a:cs typeface="Courier New" panose="02070309020205020404" pitchFamily="49" charset="0"/>
-              </a:rPr>
-              <a:t>StartScope</a:t>
-            </a:r>
-            <a:r>
-              <a:rPr lang="de-DE" sz="1800" dirty="0" smtClean="0">
-                <a:latin typeface="Courier New" panose="02070309020205020404" pitchFamily="49" charset="0"/>
-                <a:cs typeface="Courier New" panose="02070309020205020404" pitchFamily="49" charset="0"/>
-              </a:rPr>
-              <a:t> {}</a:t>
-            </a:r>
-          </a:p>
-          <a:p>
-            <a:pPr marL="0" indent="0">
-              <a:buNone/>
-            </a:pPr>
-            <a:endParaRPr lang="de-DE" sz="1800" dirty="0">
-              <a:latin typeface="Courier New" panose="02070309020205020404" pitchFamily="49" charset="0"/>
-              <a:cs typeface="Courier New" panose="02070309020205020404" pitchFamily="49" charset="0"/>
-            </a:endParaRPr>
-          </a:p>
-          <a:p>
-            <a:pPr marL="0" indent="0">
-              <a:buNone/>
-            </a:pPr>
-            <a:r>
-              <a:rPr lang="de-DE" sz="1800" dirty="0" smtClean="0">
-                <a:latin typeface="Courier New" panose="02070309020205020404" pitchFamily="49" charset="0"/>
-                <a:cs typeface="Courier New" panose="02070309020205020404" pitchFamily="49" charset="0"/>
-              </a:rPr>
-              <a:t>        </a:t>
-            </a:r>
-            <a:r>
-              <a:rPr lang="de-DE" sz="1800" b="1" dirty="0" err="1" smtClean="0">
-                <a:solidFill>
-                  <a:srgbClr val="2A00FF"/>
-                </a:solidFill>
-                <a:latin typeface="Courier New" panose="02070309020205020404" pitchFamily="49" charset="0"/>
-                <a:cs typeface="Courier New" panose="02070309020205020404" pitchFamily="49" charset="0"/>
-              </a:rPr>
-              <a:t>public</a:t>
-            </a:r>
-            <a:r>
-              <a:rPr lang="de-DE" sz="1800" dirty="0" smtClean="0">
-                <a:solidFill>
-                  <a:srgbClr val="2A00FF"/>
-                </a:solidFill>
-                <a:latin typeface="Courier New" panose="02070309020205020404" pitchFamily="49" charset="0"/>
-                <a:cs typeface="Courier New" panose="02070309020205020404" pitchFamily="49" charset="0"/>
-              </a:rPr>
-              <a:t> </a:t>
-            </a:r>
-            <a:r>
-              <a:rPr lang="de-DE" sz="1800" dirty="0" err="1" smtClean="0">
-                <a:latin typeface="Courier New" panose="02070309020205020404" pitchFamily="49" charset="0"/>
-                <a:cs typeface="Courier New" panose="02070309020205020404" pitchFamily="49" charset="0"/>
-              </a:rPr>
-              <a:t>OperatorScope</a:t>
-            </a:r>
-            <a:r>
-              <a:rPr lang="de-DE" sz="1800" dirty="0" smtClean="0">
-                <a:latin typeface="Courier New" panose="02070309020205020404" pitchFamily="49" charset="0"/>
-                <a:cs typeface="Courier New" panose="02070309020205020404" pitchFamily="49" charset="0"/>
-              </a:rPr>
-              <a:t> </a:t>
-            </a:r>
-            <a:r>
-              <a:rPr lang="de-DE" sz="1800" dirty="0" err="1" smtClean="0">
-                <a:latin typeface="Courier New" panose="02070309020205020404" pitchFamily="49" charset="0"/>
-                <a:cs typeface="Courier New" panose="02070309020205020404" pitchFamily="49" charset="0"/>
-              </a:rPr>
-              <a:t>expr</a:t>
-            </a:r>
-            <a:r>
-              <a:rPr lang="de-DE" sz="1800" dirty="0" smtClean="0">
-                <a:latin typeface="Courier New" panose="02070309020205020404" pitchFamily="49" charset="0"/>
-                <a:cs typeface="Courier New" panose="02070309020205020404" pitchFamily="49" charset="0"/>
-              </a:rPr>
-              <a:t>(</a:t>
-            </a:r>
-            <a:r>
-              <a:rPr lang="de-DE" sz="1800" b="1" dirty="0" smtClean="0">
-                <a:solidFill>
-                  <a:srgbClr val="2A00FF"/>
-                </a:solidFill>
-                <a:latin typeface="Courier New" panose="02070309020205020404" pitchFamily="49" charset="0"/>
-                <a:cs typeface="Courier New" panose="02070309020205020404" pitchFamily="49" charset="0"/>
-              </a:rPr>
-              <a:t>final</a:t>
-            </a:r>
-            <a:r>
-              <a:rPr lang="de-DE" sz="1800" b="1" dirty="0" smtClean="0">
-                <a:solidFill>
-                  <a:srgbClr val="0070C0"/>
-                </a:solidFill>
-                <a:latin typeface="Courier New" panose="02070309020205020404" pitchFamily="49" charset="0"/>
-                <a:cs typeface="Courier New" panose="02070309020205020404" pitchFamily="49" charset="0"/>
-              </a:rPr>
-              <a:t> </a:t>
-            </a:r>
-            <a:r>
-              <a:rPr lang="de-DE" sz="1800" b="1" dirty="0" err="1" smtClean="0">
-                <a:solidFill>
-                  <a:srgbClr val="2A00FF"/>
-                </a:solidFill>
-                <a:latin typeface="Courier New" panose="02070309020205020404" pitchFamily="49" charset="0"/>
-                <a:cs typeface="Courier New" panose="02070309020205020404" pitchFamily="49" charset="0"/>
-              </a:rPr>
-              <a:t>int</a:t>
-            </a:r>
-            <a:r>
-              <a:rPr lang="de-DE" sz="1800" dirty="0" smtClean="0">
-                <a:solidFill>
-                  <a:srgbClr val="2A00FF"/>
-                </a:solidFill>
-                <a:latin typeface="Courier New" panose="02070309020205020404" pitchFamily="49" charset="0"/>
-                <a:cs typeface="Courier New" panose="02070309020205020404" pitchFamily="49" charset="0"/>
-              </a:rPr>
-              <a:t> </a:t>
-            </a:r>
-            <a:r>
-              <a:rPr lang="de-DE" sz="1800" dirty="0" err="1" smtClean="0">
-                <a:latin typeface="Courier New" panose="02070309020205020404" pitchFamily="49" charset="0"/>
-                <a:cs typeface="Courier New" panose="02070309020205020404" pitchFamily="49" charset="0"/>
-              </a:rPr>
-              <a:t>value</a:t>
-            </a:r>
-            <a:r>
-              <a:rPr lang="de-DE" sz="1800" dirty="0" smtClean="0">
-                <a:latin typeface="Courier New" panose="02070309020205020404" pitchFamily="49" charset="0"/>
-                <a:cs typeface="Courier New" panose="02070309020205020404" pitchFamily="49" charset="0"/>
-              </a:rPr>
-              <a:t>) {</a:t>
-            </a:r>
-            <a:r>
-              <a:rPr lang="de-DE" sz="1800" dirty="0" smtClean="0">
-                <a:solidFill>
-                  <a:srgbClr val="00B050"/>
-                </a:solidFill>
-                <a:latin typeface="Courier New" panose="02070309020205020404" pitchFamily="49" charset="0"/>
-                <a:cs typeface="Courier New" panose="02070309020205020404" pitchFamily="49" charset="0"/>
-              </a:rPr>
-              <a:t>//Code</a:t>
-            </a:r>
-            <a:r>
-              <a:rPr lang="de-DE" sz="1800" dirty="0" smtClean="0">
-                <a:latin typeface="Courier New" panose="02070309020205020404" pitchFamily="49" charset="0"/>
-                <a:cs typeface="Courier New" panose="02070309020205020404" pitchFamily="49" charset="0"/>
-              </a:rPr>
-              <a:t>}</a:t>
-            </a:r>
-          </a:p>
-          <a:p>
-            <a:pPr marL="0" indent="0">
-              <a:buNone/>
-            </a:pPr>
-            <a:r>
-              <a:rPr lang="de-DE" sz="1800" dirty="0">
-                <a:latin typeface="Courier New" panose="02070309020205020404" pitchFamily="49" charset="0"/>
-                <a:cs typeface="Courier New" panose="02070309020205020404" pitchFamily="49" charset="0"/>
-              </a:rPr>
-              <a:t> </a:t>
-            </a:r>
-            <a:r>
-              <a:rPr lang="de-DE" sz="1800" dirty="0" smtClean="0">
-                <a:latin typeface="Courier New" panose="02070309020205020404" pitchFamily="49" charset="0"/>
-                <a:cs typeface="Courier New" panose="02070309020205020404" pitchFamily="49" charset="0"/>
-              </a:rPr>
-              <a:t>   }</a:t>
-            </a:r>
-          </a:p>
-          <a:p>
-            <a:pPr marL="0" indent="0">
-              <a:buNone/>
-            </a:pPr>
-            <a:r>
-              <a:rPr lang="de-DE" sz="1800" dirty="0">
-                <a:latin typeface="Courier New" panose="02070309020205020404" pitchFamily="49" charset="0"/>
-                <a:cs typeface="Courier New" panose="02070309020205020404" pitchFamily="49" charset="0"/>
-              </a:rPr>
-              <a:t> </a:t>
-            </a:r>
-            <a:r>
-              <a:rPr lang="de-DE" sz="1800" dirty="0" smtClean="0">
-                <a:latin typeface="Courier New" panose="02070309020205020404" pitchFamily="49" charset="0"/>
-                <a:cs typeface="Courier New" panose="02070309020205020404" pitchFamily="49" charset="0"/>
-              </a:rPr>
-              <a:t>   </a:t>
-            </a:r>
-            <a:r>
-              <a:rPr lang="de-DE" sz="1800" b="1" dirty="0" err="1" smtClean="0">
-                <a:solidFill>
-                  <a:srgbClr val="2A00FF"/>
-                </a:solidFill>
-                <a:latin typeface="Courier New" panose="02070309020205020404" pitchFamily="49" charset="0"/>
-                <a:cs typeface="Courier New" panose="02070309020205020404" pitchFamily="49" charset="0"/>
-              </a:rPr>
-              <a:t>public</a:t>
-            </a:r>
-            <a:r>
-              <a:rPr lang="de-DE" sz="1800" b="1" dirty="0" smtClean="0">
-                <a:solidFill>
-                  <a:srgbClr val="2A00FF"/>
-                </a:solidFill>
-                <a:latin typeface="Courier New" panose="02070309020205020404" pitchFamily="49" charset="0"/>
-                <a:cs typeface="Courier New" panose="02070309020205020404" pitchFamily="49" charset="0"/>
-              </a:rPr>
-              <a:t> final </a:t>
-            </a:r>
-            <a:r>
-              <a:rPr lang="de-DE" sz="1800" b="1" dirty="0" err="1" smtClean="0">
-                <a:solidFill>
-                  <a:srgbClr val="2A00FF"/>
-                </a:solidFill>
-                <a:latin typeface="Courier New" panose="02070309020205020404" pitchFamily="49" charset="0"/>
-                <a:cs typeface="Courier New" panose="02070309020205020404" pitchFamily="49" charset="0"/>
-              </a:rPr>
-              <a:t>class</a:t>
-            </a:r>
-            <a:r>
-              <a:rPr lang="de-DE" sz="1800" dirty="0" smtClean="0">
-                <a:latin typeface="Courier New" panose="02070309020205020404" pitchFamily="49" charset="0"/>
-                <a:cs typeface="Courier New" panose="02070309020205020404" pitchFamily="49" charset="0"/>
-              </a:rPr>
-              <a:t> </a:t>
-            </a:r>
-            <a:r>
-              <a:rPr lang="de-DE" sz="1800" dirty="0" err="1" smtClean="0">
-                <a:latin typeface="Courier New" panose="02070309020205020404" pitchFamily="49" charset="0"/>
-                <a:cs typeface="Courier New" panose="02070309020205020404" pitchFamily="49" charset="0"/>
-              </a:rPr>
-              <a:t>OperatorScope</a:t>
-            </a:r>
-            <a:r>
-              <a:rPr lang="de-DE" sz="1800" dirty="0" smtClean="0">
-                <a:latin typeface="Courier New" panose="02070309020205020404" pitchFamily="49" charset="0"/>
-                <a:cs typeface="Courier New" panose="02070309020205020404" pitchFamily="49" charset="0"/>
-              </a:rPr>
-              <a:t> </a:t>
-            </a:r>
-            <a:r>
-              <a:rPr lang="de-DE" sz="1800" b="1" dirty="0" err="1" smtClean="0">
-                <a:solidFill>
-                  <a:srgbClr val="2A00FF"/>
-                </a:solidFill>
-                <a:latin typeface="Courier New" panose="02070309020205020404" pitchFamily="49" charset="0"/>
-                <a:cs typeface="Courier New" panose="02070309020205020404" pitchFamily="49" charset="0"/>
-              </a:rPr>
-              <a:t>implements</a:t>
-            </a:r>
-            <a:r>
-              <a:rPr lang="de-DE" sz="1800" dirty="0" smtClean="0">
-                <a:solidFill>
-                  <a:srgbClr val="2A00FF"/>
-                </a:solidFill>
-                <a:latin typeface="Courier New" panose="02070309020205020404" pitchFamily="49" charset="0"/>
-                <a:cs typeface="Courier New" panose="02070309020205020404" pitchFamily="49" charset="0"/>
-              </a:rPr>
-              <a:t> </a:t>
-            </a:r>
-            <a:r>
-              <a:rPr lang="de-DE" sz="1800" dirty="0" smtClean="0">
-                <a:latin typeface="Courier New" panose="02070309020205020404" pitchFamily="49" charset="0"/>
-                <a:cs typeface="Courier New" panose="02070309020205020404" pitchFamily="49" charset="0"/>
-              </a:rPr>
-              <a:t>Operator&lt;T&gt; {</a:t>
-            </a:r>
-          </a:p>
-          <a:p>
-            <a:pPr marL="0" indent="0">
-              <a:buNone/>
-            </a:pPr>
-            <a:r>
-              <a:rPr lang="de-DE" sz="1800" dirty="0">
-                <a:latin typeface="Courier New" panose="02070309020205020404" pitchFamily="49" charset="0"/>
-                <a:cs typeface="Courier New" panose="02070309020205020404" pitchFamily="49" charset="0"/>
-              </a:rPr>
-              <a:t> </a:t>
-            </a:r>
-            <a:r>
-              <a:rPr lang="de-DE" sz="1800" dirty="0" smtClean="0">
-                <a:latin typeface="Courier New" panose="02070309020205020404" pitchFamily="49" charset="0"/>
-                <a:cs typeface="Courier New" panose="02070309020205020404" pitchFamily="49" charset="0"/>
-              </a:rPr>
-              <a:t>   }</a:t>
-            </a:r>
-          </a:p>
-          <a:p>
-            <a:pPr marL="0" indent="0">
-              <a:buNone/>
-            </a:pPr>
-            <a:r>
-              <a:rPr lang="de-DE" sz="1800" dirty="0">
-                <a:latin typeface="Courier New" panose="02070309020205020404" pitchFamily="49" charset="0"/>
-                <a:cs typeface="Courier New" panose="02070309020205020404" pitchFamily="49" charset="0"/>
-              </a:rPr>
-              <a:t>}</a:t>
-            </a:r>
             <a:endParaRPr lang="de-DE" sz="1800" dirty="0" smtClean="0">
               <a:latin typeface="Courier New" panose="02070309020205020404" pitchFamily="49" charset="0"/>
               <a:cs typeface="Courier New" panose="02070309020205020404" pitchFamily="49" charset="0"/>
             </a:endParaRPr>
+          </a:p>
+          <a:p>
+            <a:pPr marL="0" indent="0">
+              <a:buNone/>
+            </a:pPr>
+            <a:endParaRPr lang="de-DE" sz="1800" dirty="0" smtClean="0">
+              <a:latin typeface="Courier New" panose="02070309020205020404" pitchFamily="49" charset="0"/>
+              <a:cs typeface="Courier New" panose="02070309020205020404" pitchFamily="49" charset="0"/>
+            </a:endParaRPr>
+          </a:p>
+          <a:p>
+            <a:pPr marL="0" indent="0">
+              <a:buNone/>
+            </a:pPr>
+            <a:r>
+              <a:rPr lang="de-DE" sz="1800" dirty="0" smtClean="0">
+                <a:latin typeface="Courier New" panose="02070309020205020404" pitchFamily="49" charset="0"/>
+                <a:cs typeface="Courier New" panose="02070309020205020404" pitchFamily="49" charset="0"/>
+              </a:rPr>
+              <a:t>    </a:t>
+            </a:r>
+            <a:r>
+              <a:rPr lang="de-DE" sz="1800" b="1" dirty="0" err="1" smtClean="0">
+                <a:solidFill>
+                  <a:srgbClr val="2A00FF"/>
+                </a:solidFill>
+                <a:latin typeface="Courier New" panose="02070309020205020404" pitchFamily="49" charset="0"/>
+                <a:cs typeface="Courier New" panose="02070309020205020404" pitchFamily="49" charset="0"/>
+              </a:rPr>
+              <a:t>public</a:t>
+            </a:r>
+            <a:r>
+              <a:rPr lang="de-DE" sz="1800" b="1" dirty="0" smtClean="0">
+                <a:solidFill>
+                  <a:srgbClr val="2A00FF"/>
+                </a:solidFill>
+                <a:latin typeface="Courier New" panose="02070309020205020404" pitchFamily="49" charset="0"/>
+                <a:cs typeface="Courier New" panose="02070309020205020404" pitchFamily="49" charset="0"/>
+              </a:rPr>
+              <a:t> final </a:t>
+            </a:r>
+            <a:r>
+              <a:rPr lang="de-DE" sz="1800" b="1" dirty="0" err="1" smtClean="0">
+                <a:solidFill>
+                  <a:srgbClr val="2A00FF"/>
+                </a:solidFill>
+                <a:latin typeface="Courier New" panose="02070309020205020404" pitchFamily="49" charset="0"/>
+                <a:cs typeface="Courier New" panose="02070309020205020404" pitchFamily="49" charset="0"/>
+              </a:rPr>
+              <a:t>class</a:t>
+            </a:r>
+            <a:r>
+              <a:rPr lang="de-DE" sz="1800" b="1" dirty="0" smtClean="0">
+                <a:solidFill>
+                  <a:srgbClr val="2A00FF"/>
+                </a:solidFill>
+                <a:latin typeface="Courier New" panose="02070309020205020404" pitchFamily="49" charset="0"/>
+                <a:cs typeface="Courier New" panose="02070309020205020404" pitchFamily="49" charset="0"/>
+              </a:rPr>
+              <a:t> </a:t>
+            </a:r>
+            <a:r>
+              <a:rPr lang="de-DE" sz="1800" dirty="0" err="1" smtClean="0">
+                <a:latin typeface="Courier New" panose="02070309020205020404" pitchFamily="49" charset="0"/>
+                <a:cs typeface="Courier New" panose="02070309020205020404" pitchFamily="49" charset="0"/>
+              </a:rPr>
+              <a:t>StartScope</a:t>
+            </a:r>
+            <a:r>
+              <a:rPr lang="de-DE" sz="1800" dirty="0" smtClean="0">
+                <a:latin typeface="Courier New" panose="02070309020205020404" pitchFamily="49" charset="0"/>
+                <a:cs typeface="Courier New" panose="02070309020205020404" pitchFamily="49" charset="0"/>
+              </a:rPr>
+              <a:t> </a:t>
+            </a:r>
+            <a:r>
+              <a:rPr lang="de-DE" sz="1800" b="1" dirty="0" err="1" smtClean="0">
+                <a:solidFill>
+                  <a:srgbClr val="2A00FF"/>
+                </a:solidFill>
+                <a:latin typeface="Courier New" panose="02070309020205020404" pitchFamily="49" charset="0"/>
+                <a:cs typeface="Courier New" panose="02070309020205020404" pitchFamily="49" charset="0"/>
+              </a:rPr>
+              <a:t>implements</a:t>
+            </a:r>
+            <a:r>
+              <a:rPr lang="de-DE" sz="1800" dirty="0" smtClean="0">
+                <a:solidFill>
+                  <a:srgbClr val="2A00FF"/>
+                </a:solidFill>
+                <a:latin typeface="Courier New" panose="02070309020205020404" pitchFamily="49" charset="0"/>
+                <a:cs typeface="Courier New" panose="02070309020205020404" pitchFamily="49" charset="0"/>
+              </a:rPr>
+              <a:t> </a:t>
+            </a:r>
+            <a:r>
+              <a:rPr lang="de-DE" sz="1800" dirty="0" smtClean="0">
+                <a:latin typeface="Courier New" panose="02070309020205020404" pitchFamily="49" charset="0"/>
+                <a:cs typeface="Courier New" panose="02070309020205020404" pitchFamily="49" charset="0"/>
+              </a:rPr>
+              <a:t>Start&lt;T&gt; {</a:t>
+            </a:r>
+          </a:p>
+          <a:p>
+            <a:pPr marL="0" indent="0">
+              <a:buNone/>
+            </a:pPr>
+            <a:r>
+              <a:rPr lang="de-DE" sz="1800" dirty="0" smtClean="0">
+                <a:latin typeface="Courier New" panose="02070309020205020404" pitchFamily="49" charset="0"/>
+                <a:cs typeface="Courier New" panose="02070309020205020404" pitchFamily="49" charset="0"/>
+              </a:rPr>
+              <a:t>        </a:t>
+            </a:r>
+            <a:r>
+              <a:rPr lang="de-DE" sz="1800" b="1" dirty="0" smtClean="0">
+                <a:solidFill>
+                  <a:srgbClr val="2A00FF"/>
+                </a:solidFill>
+                <a:latin typeface="Courier New" panose="02070309020205020404" pitchFamily="49" charset="0"/>
+                <a:cs typeface="Courier New" panose="02070309020205020404" pitchFamily="49" charset="0"/>
+              </a:rPr>
+              <a:t>private</a:t>
+            </a:r>
+            <a:r>
+              <a:rPr lang="de-DE" sz="1800" dirty="0" smtClean="0">
+                <a:solidFill>
+                  <a:srgbClr val="2A00FF"/>
+                </a:solidFill>
+                <a:latin typeface="Courier New" panose="02070309020205020404" pitchFamily="49" charset="0"/>
+                <a:cs typeface="Courier New" panose="02070309020205020404" pitchFamily="49" charset="0"/>
+              </a:rPr>
+              <a:t> </a:t>
+            </a:r>
+            <a:r>
+              <a:rPr lang="de-DE" sz="1800" dirty="0" err="1" smtClean="0">
+                <a:latin typeface="Courier New" panose="02070309020205020404" pitchFamily="49" charset="0"/>
+                <a:cs typeface="Courier New" panose="02070309020205020404" pitchFamily="49" charset="0"/>
+              </a:rPr>
+              <a:t>StartScope</a:t>
+            </a:r>
+            <a:r>
+              <a:rPr lang="de-DE" sz="1800" dirty="0" smtClean="0">
+                <a:latin typeface="Courier New" panose="02070309020205020404" pitchFamily="49" charset="0"/>
+                <a:cs typeface="Courier New" panose="02070309020205020404" pitchFamily="49" charset="0"/>
+              </a:rPr>
+              <a:t> {}</a:t>
+            </a:r>
+          </a:p>
+          <a:p>
+            <a:pPr marL="0" indent="0">
+              <a:buNone/>
+            </a:pPr>
+            <a:endParaRPr lang="de-DE" sz="1800" dirty="0" smtClean="0">
+              <a:latin typeface="Courier New" panose="02070309020205020404" pitchFamily="49" charset="0"/>
+              <a:cs typeface="Courier New" panose="02070309020205020404" pitchFamily="49" charset="0"/>
+            </a:endParaRPr>
+          </a:p>
+          <a:p>
+            <a:pPr marL="0" indent="0">
+              <a:buNone/>
+            </a:pPr>
+            <a:r>
+              <a:rPr lang="de-DE" sz="1800" dirty="0" smtClean="0">
+                <a:latin typeface="Courier New" panose="02070309020205020404" pitchFamily="49" charset="0"/>
+                <a:cs typeface="Courier New" panose="02070309020205020404" pitchFamily="49" charset="0"/>
+              </a:rPr>
+              <a:t>        </a:t>
+            </a:r>
+            <a:r>
+              <a:rPr lang="de-DE" sz="1800" b="1" dirty="0" err="1" smtClean="0">
+                <a:solidFill>
+                  <a:srgbClr val="2A00FF"/>
+                </a:solidFill>
+                <a:latin typeface="Courier New" panose="02070309020205020404" pitchFamily="49" charset="0"/>
+                <a:cs typeface="Courier New" panose="02070309020205020404" pitchFamily="49" charset="0"/>
+              </a:rPr>
+              <a:t>public</a:t>
+            </a:r>
+            <a:r>
+              <a:rPr lang="de-DE" sz="1800" dirty="0" smtClean="0">
+                <a:solidFill>
+                  <a:srgbClr val="2A00FF"/>
+                </a:solidFill>
+                <a:latin typeface="Courier New" panose="02070309020205020404" pitchFamily="49" charset="0"/>
+                <a:cs typeface="Courier New" panose="02070309020205020404" pitchFamily="49" charset="0"/>
+              </a:rPr>
+              <a:t> </a:t>
+            </a:r>
+            <a:r>
+              <a:rPr lang="de-DE" sz="1800" dirty="0" err="1" smtClean="0">
+                <a:latin typeface="Courier New" panose="02070309020205020404" pitchFamily="49" charset="0"/>
+                <a:cs typeface="Courier New" panose="02070309020205020404" pitchFamily="49" charset="0"/>
+              </a:rPr>
+              <a:t>OperatorScope</a:t>
+            </a:r>
+            <a:r>
+              <a:rPr lang="de-DE" sz="1800" dirty="0" smtClean="0">
+                <a:latin typeface="Courier New" panose="02070309020205020404" pitchFamily="49" charset="0"/>
+                <a:cs typeface="Courier New" panose="02070309020205020404" pitchFamily="49" charset="0"/>
+              </a:rPr>
+              <a:t> </a:t>
+            </a:r>
+            <a:r>
+              <a:rPr lang="de-DE" sz="1800" dirty="0" err="1" smtClean="0">
+                <a:latin typeface="Courier New" panose="02070309020205020404" pitchFamily="49" charset="0"/>
+                <a:cs typeface="Courier New" panose="02070309020205020404" pitchFamily="49" charset="0"/>
+              </a:rPr>
+              <a:t>expr</a:t>
+            </a:r>
+            <a:r>
+              <a:rPr lang="de-DE" sz="1800" dirty="0" smtClean="0">
+                <a:latin typeface="Courier New" panose="02070309020205020404" pitchFamily="49" charset="0"/>
+                <a:cs typeface="Courier New" panose="02070309020205020404" pitchFamily="49" charset="0"/>
+              </a:rPr>
+              <a:t>(</a:t>
+            </a:r>
+            <a:r>
+              <a:rPr lang="de-DE" sz="1800" b="1" dirty="0" smtClean="0">
+                <a:solidFill>
+                  <a:srgbClr val="2A00FF"/>
+                </a:solidFill>
+                <a:latin typeface="Courier New" panose="02070309020205020404" pitchFamily="49" charset="0"/>
+                <a:cs typeface="Courier New" panose="02070309020205020404" pitchFamily="49" charset="0"/>
+              </a:rPr>
+              <a:t>final</a:t>
+            </a:r>
+            <a:r>
+              <a:rPr lang="de-DE" sz="1800" b="1" dirty="0" smtClean="0">
+                <a:solidFill>
+                  <a:srgbClr val="0070C0"/>
+                </a:solidFill>
+                <a:latin typeface="Courier New" panose="02070309020205020404" pitchFamily="49" charset="0"/>
+                <a:cs typeface="Courier New" panose="02070309020205020404" pitchFamily="49" charset="0"/>
+              </a:rPr>
+              <a:t> </a:t>
+            </a:r>
+            <a:r>
+              <a:rPr lang="de-DE" sz="1800" b="1" dirty="0" err="1" smtClean="0">
+                <a:solidFill>
+                  <a:srgbClr val="2A00FF"/>
+                </a:solidFill>
+                <a:latin typeface="Courier New" panose="02070309020205020404" pitchFamily="49" charset="0"/>
+                <a:cs typeface="Courier New" panose="02070309020205020404" pitchFamily="49" charset="0"/>
+              </a:rPr>
+              <a:t>int</a:t>
+            </a:r>
+            <a:r>
+              <a:rPr lang="de-DE" sz="1800" dirty="0" smtClean="0">
+                <a:solidFill>
+                  <a:srgbClr val="2A00FF"/>
+                </a:solidFill>
+                <a:latin typeface="Courier New" panose="02070309020205020404" pitchFamily="49" charset="0"/>
+                <a:cs typeface="Courier New" panose="02070309020205020404" pitchFamily="49" charset="0"/>
+              </a:rPr>
+              <a:t> </a:t>
+            </a:r>
+            <a:r>
+              <a:rPr lang="de-DE" sz="1800" dirty="0" err="1" smtClean="0">
+                <a:latin typeface="Courier New" panose="02070309020205020404" pitchFamily="49" charset="0"/>
+                <a:cs typeface="Courier New" panose="02070309020205020404" pitchFamily="49" charset="0"/>
+              </a:rPr>
+              <a:t>value</a:t>
+            </a:r>
+            <a:r>
+              <a:rPr lang="de-DE" sz="1800" dirty="0" smtClean="0">
+                <a:latin typeface="Courier New" panose="02070309020205020404" pitchFamily="49" charset="0"/>
+                <a:cs typeface="Courier New" panose="02070309020205020404" pitchFamily="49" charset="0"/>
+              </a:rPr>
+              <a:t>) {</a:t>
+            </a:r>
+            <a:r>
+              <a:rPr lang="de-DE" sz="1800" dirty="0" smtClean="0">
+                <a:solidFill>
+                  <a:srgbClr val="00B050"/>
+                </a:solidFill>
+                <a:latin typeface="Courier New" panose="02070309020205020404" pitchFamily="49" charset="0"/>
+                <a:cs typeface="Courier New" panose="02070309020205020404" pitchFamily="49" charset="0"/>
+              </a:rPr>
+              <a:t>//Code</a:t>
+            </a:r>
+            <a:r>
+              <a:rPr lang="de-DE" sz="1800" dirty="0" smtClean="0">
+                <a:latin typeface="Courier New" panose="02070309020205020404" pitchFamily="49" charset="0"/>
+                <a:cs typeface="Courier New" panose="02070309020205020404" pitchFamily="49" charset="0"/>
+              </a:rPr>
+              <a:t>}</a:t>
+            </a:r>
+          </a:p>
+          <a:p>
+            <a:pPr marL="0" indent="0">
+              <a:buNone/>
+            </a:pPr>
+            <a:r>
+              <a:rPr lang="de-DE" sz="1800" dirty="0" smtClean="0">
+                <a:latin typeface="Courier New" panose="02070309020205020404" pitchFamily="49" charset="0"/>
+                <a:cs typeface="Courier New" panose="02070309020205020404" pitchFamily="49" charset="0"/>
+              </a:rPr>
+              <a:t>    }</a:t>
+            </a:r>
+          </a:p>
+          <a:p>
+            <a:pPr marL="0" indent="0">
+              <a:buNone/>
+            </a:pPr>
+            <a:r>
+              <a:rPr lang="de-DE" sz="1800" dirty="0" smtClean="0">
+                <a:latin typeface="Courier New" panose="02070309020205020404" pitchFamily="49" charset="0"/>
+                <a:cs typeface="Courier New" panose="02070309020205020404" pitchFamily="49" charset="0"/>
+              </a:rPr>
+              <a:t>    </a:t>
+            </a:r>
+            <a:r>
+              <a:rPr lang="de-DE" sz="1800" b="1" dirty="0" err="1" smtClean="0">
+                <a:solidFill>
+                  <a:srgbClr val="2A00FF"/>
+                </a:solidFill>
+                <a:latin typeface="Courier New" panose="02070309020205020404" pitchFamily="49" charset="0"/>
+                <a:cs typeface="Courier New" panose="02070309020205020404" pitchFamily="49" charset="0"/>
+              </a:rPr>
+              <a:t>public</a:t>
+            </a:r>
+            <a:r>
+              <a:rPr lang="de-DE" sz="1800" b="1" dirty="0" smtClean="0">
+                <a:solidFill>
+                  <a:srgbClr val="2A00FF"/>
+                </a:solidFill>
+                <a:latin typeface="Courier New" panose="02070309020205020404" pitchFamily="49" charset="0"/>
+                <a:cs typeface="Courier New" panose="02070309020205020404" pitchFamily="49" charset="0"/>
+              </a:rPr>
+              <a:t> final </a:t>
+            </a:r>
+            <a:r>
+              <a:rPr lang="de-DE" sz="1800" b="1" dirty="0" err="1" smtClean="0">
+                <a:solidFill>
+                  <a:srgbClr val="2A00FF"/>
+                </a:solidFill>
+                <a:latin typeface="Courier New" panose="02070309020205020404" pitchFamily="49" charset="0"/>
+                <a:cs typeface="Courier New" panose="02070309020205020404" pitchFamily="49" charset="0"/>
+              </a:rPr>
+              <a:t>class</a:t>
+            </a:r>
+            <a:r>
+              <a:rPr lang="de-DE" sz="1800" dirty="0" smtClean="0">
+                <a:latin typeface="Courier New" panose="02070309020205020404" pitchFamily="49" charset="0"/>
+                <a:cs typeface="Courier New" panose="02070309020205020404" pitchFamily="49" charset="0"/>
+              </a:rPr>
+              <a:t> </a:t>
+            </a:r>
+            <a:r>
+              <a:rPr lang="de-DE" sz="1800" dirty="0" err="1" smtClean="0">
+                <a:latin typeface="Courier New" panose="02070309020205020404" pitchFamily="49" charset="0"/>
+                <a:cs typeface="Courier New" panose="02070309020205020404" pitchFamily="49" charset="0"/>
+              </a:rPr>
+              <a:t>OperatorScope</a:t>
+            </a:r>
+            <a:r>
+              <a:rPr lang="de-DE" sz="1800" dirty="0" smtClean="0">
+                <a:latin typeface="Courier New" panose="02070309020205020404" pitchFamily="49" charset="0"/>
+                <a:cs typeface="Courier New" panose="02070309020205020404" pitchFamily="49" charset="0"/>
+              </a:rPr>
+              <a:t> </a:t>
+            </a:r>
+            <a:r>
+              <a:rPr lang="de-DE" sz="1800" b="1" dirty="0" err="1" smtClean="0">
+                <a:solidFill>
+                  <a:srgbClr val="2A00FF"/>
+                </a:solidFill>
+                <a:latin typeface="Courier New" panose="02070309020205020404" pitchFamily="49" charset="0"/>
+                <a:cs typeface="Courier New" panose="02070309020205020404" pitchFamily="49" charset="0"/>
+              </a:rPr>
+              <a:t>implements</a:t>
+            </a:r>
+            <a:r>
+              <a:rPr lang="de-DE" sz="1800" dirty="0" smtClean="0">
+                <a:solidFill>
+                  <a:srgbClr val="2A00FF"/>
+                </a:solidFill>
+                <a:latin typeface="Courier New" panose="02070309020205020404" pitchFamily="49" charset="0"/>
+                <a:cs typeface="Courier New" panose="02070309020205020404" pitchFamily="49" charset="0"/>
+              </a:rPr>
+              <a:t> </a:t>
+            </a:r>
+            <a:r>
+              <a:rPr lang="de-DE" sz="1800" dirty="0" smtClean="0">
+                <a:latin typeface="Courier New" panose="02070309020205020404" pitchFamily="49" charset="0"/>
+                <a:cs typeface="Courier New" panose="02070309020205020404" pitchFamily="49" charset="0"/>
+              </a:rPr>
+              <a:t>Operator&lt;T&gt; {</a:t>
+            </a:r>
+          </a:p>
+          <a:p>
+            <a:pPr marL="0" indent="0">
+              <a:buNone/>
+            </a:pPr>
+            <a:r>
+              <a:rPr lang="de-DE" sz="1800" dirty="0" smtClean="0">
+                <a:latin typeface="Courier New" panose="02070309020205020404" pitchFamily="49" charset="0"/>
+                <a:cs typeface="Courier New" panose="02070309020205020404" pitchFamily="49" charset="0"/>
+              </a:rPr>
+              <a:t>    }</a:t>
+            </a:r>
+          </a:p>
+          <a:p>
+            <a:pPr marL="0" indent="0">
+              <a:buNone/>
+            </a:pPr>
+            <a:r>
+              <a:rPr lang="de-DE" sz="1800" dirty="0" smtClean="0">
+                <a:latin typeface="Courier New" panose="02070309020205020404" pitchFamily="49" charset="0"/>
+                <a:cs typeface="Courier New" panose="02070309020205020404" pitchFamily="49" charset="0"/>
+              </a:rPr>
+              <a:t>}</a:t>
+            </a:r>
           </a:p>
         </p:txBody>
       </p:sp>
@@ -14319,57 +13501,7 @@
         </p:nvSpPr>
         <p:spPr>
           <a:xfrm>
-            <a:off x="107504" y="1772816"/>
-            <a:ext cx="288032" cy="144016"/>
-          </a:xfrm>
-          <a:prstGeom prst="rightArrow">
-            <a:avLst/>
-          </a:prstGeom>
-          <a:solidFill>
-            <a:srgbClr val="FF0000"/>
-          </a:solidFill>
-          <a:ln w="19050">
-            <a:solidFill>
-              <a:schemeClr val="accent2">
-                <a:lumMod val="75000"/>
-              </a:schemeClr>
-            </a:solidFill>
-          </a:ln>
-        </p:spPr>
-        <p:style>
-          <a:lnRef idx="2">
-            <a:schemeClr val="accent1">
-              <a:shade val="50000"/>
-            </a:schemeClr>
-          </a:lnRef>
-          <a:fillRef idx="1">
-            <a:schemeClr val="accent1"/>
-          </a:fillRef>
-          <a:effectRef idx="0">
-            <a:schemeClr val="accent1"/>
-          </a:effectRef>
-          <a:fontRef idx="minor">
-            <a:schemeClr val="lt1"/>
-          </a:fontRef>
-        </p:style>
-        <p:txBody>
-          <a:bodyPr rtlCol="0" anchor="ctr"/>
-          <a:lstStyle/>
-          <a:p>
-            <a:pPr algn="ctr"/>
-            <a:endParaRPr lang="de-DE"/>
-          </a:p>
-        </p:txBody>
-      </p:sp>
-      <p:sp>
-        <p:nvSpPr>
-          <p:cNvPr id="8" name="Pfeil nach rechts 7"/>
-          <p:cNvSpPr/>
-          <p:nvPr/>
-        </p:nvSpPr>
-        <p:spPr>
-          <a:xfrm>
-            <a:off x="107504" y="2132856"/>
+            <a:off x="107504" y="1124744"/>
             <a:ext cx="288032" cy="144016"/>
           </a:xfrm>
           <a:prstGeom prst="rightArrow">
@@ -14530,6 +13662,1066 @@
         <p:spPr>
           <a:xfrm>
             <a:off x="395536" y="692696"/>
+            <a:ext cx="8568951" cy="5688631"/>
+          </a:xfrm>
+        </p:spPr>
+        <p:txBody>
+          <a:bodyPr>
+            <a:normAutofit/>
+          </a:bodyPr>
+          <a:lstStyle/>
+          <a:p>
+            <a:pPr marL="0" indent="0">
+              <a:buNone/>
+            </a:pPr>
+            <a:r>
+              <a:rPr lang="de-DE" sz="1800" b="1" dirty="0" err="1" smtClean="0">
+                <a:solidFill>
+                  <a:srgbClr val="2A00FF"/>
+                </a:solidFill>
+                <a:latin typeface="Courier New" panose="02070309020205020404" pitchFamily="49" charset="0"/>
+                <a:cs typeface="Courier New" panose="02070309020205020404" pitchFamily="49" charset="0"/>
+              </a:rPr>
+              <a:t>public</a:t>
+            </a:r>
+            <a:r>
+              <a:rPr lang="de-DE" sz="1800" dirty="0" smtClean="0">
+                <a:solidFill>
+                  <a:srgbClr val="2A00FF"/>
+                </a:solidFill>
+                <a:latin typeface="Courier New" panose="02070309020205020404" pitchFamily="49" charset="0"/>
+                <a:cs typeface="Courier New" panose="02070309020205020404" pitchFamily="49" charset="0"/>
+              </a:rPr>
+              <a:t> </a:t>
+            </a:r>
+            <a:r>
+              <a:rPr lang="de-DE" sz="1800" b="1" dirty="0" smtClean="0">
+                <a:solidFill>
+                  <a:srgbClr val="2A00FF"/>
+                </a:solidFill>
+                <a:latin typeface="Courier New" panose="02070309020205020404" pitchFamily="49" charset="0"/>
+                <a:cs typeface="Courier New" panose="02070309020205020404" pitchFamily="49" charset="0"/>
+              </a:rPr>
+              <a:t>final</a:t>
+            </a:r>
+            <a:r>
+              <a:rPr lang="de-DE" sz="1800" dirty="0" smtClean="0">
+                <a:solidFill>
+                  <a:srgbClr val="2A00FF"/>
+                </a:solidFill>
+                <a:latin typeface="Courier New" panose="02070309020205020404" pitchFamily="49" charset="0"/>
+                <a:cs typeface="Courier New" panose="02070309020205020404" pitchFamily="49" charset="0"/>
+              </a:rPr>
+              <a:t> </a:t>
+            </a:r>
+            <a:r>
+              <a:rPr lang="de-DE" sz="1800" b="1" dirty="0" err="1" smtClean="0">
+                <a:solidFill>
+                  <a:srgbClr val="2A00FF"/>
+                </a:solidFill>
+                <a:latin typeface="Courier New" panose="02070309020205020404" pitchFamily="49" charset="0"/>
+                <a:cs typeface="Courier New" panose="02070309020205020404" pitchFamily="49" charset="0"/>
+              </a:rPr>
+              <a:t>class</a:t>
+            </a:r>
+            <a:r>
+              <a:rPr lang="de-DE" sz="1800" dirty="0" smtClean="0">
+                <a:solidFill>
+                  <a:srgbClr val="0070C0"/>
+                </a:solidFill>
+                <a:latin typeface="Courier New" panose="02070309020205020404" pitchFamily="49" charset="0"/>
+                <a:cs typeface="Courier New" panose="02070309020205020404" pitchFamily="49" charset="0"/>
+              </a:rPr>
+              <a:t> </a:t>
+            </a:r>
+            <a:r>
+              <a:rPr lang="de-DE" sz="1800" dirty="0" err="1" smtClean="0">
+                <a:latin typeface="Courier New" panose="02070309020205020404" pitchFamily="49" charset="0"/>
+                <a:cs typeface="Courier New" panose="02070309020205020404" pitchFamily="49" charset="0"/>
+              </a:rPr>
+              <a:t>TreeBuilder</a:t>
+            </a:r>
+            <a:r>
+              <a:rPr lang="de-DE" sz="1800" dirty="0" smtClean="0">
+                <a:latin typeface="Courier New" panose="02070309020205020404" pitchFamily="49" charset="0"/>
+                <a:cs typeface="Courier New" panose="02070309020205020404" pitchFamily="49" charset="0"/>
+              </a:rPr>
+              <a:t> {</a:t>
+            </a:r>
+          </a:p>
+          <a:p>
+            <a:pPr marL="0" indent="0">
+              <a:buNone/>
+            </a:pPr>
+            <a:r>
+              <a:rPr lang="de-DE" sz="1800" dirty="0">
+                <a:latin typeface="Courier New" panose="02070309020205020404" pitchFamily="49" charset="0"/>
+                <a:cs typeface="Courier New" panose="02070309020205020404" pitchFamily="49" charset="0"/>
+              </a:rPr>
+              <a:t> </a:t>
+            </a:r>
+            <a:r>
+              <a:rPr lang="de-DE" sz="1800" dirty="0" smtClean="0">
+                <a:latin typeface="Courier New" panose="02070309020205020404" pitchFamily="49" charset="0"/>
+                <a:cs typeface="Courier New" panose="02070309020205020404" pitchFamily="49" charset="0"/>
+              </a:rPr>
+              <a:t>   </a:t>
+            </a:r>
+            <a:r>
+              <a:rPr lang="de-DE" sz="1800" b="1" dirty="0" smtClean="0">
+                <a:solidFill>
+                  <a:srgbClr val="2A00FF"/>
+                </a:solidFill>
+                <a:latin typeface="Courier New" panose="02070309020205020404" pitchFamily="49" charset="0"/>
+                <a:cs typeface="Courier New" panose="02070309020205020404" pitchFamily="49" charset="0"/>
+              </a:rPr>
+              <a:t>private</a:t>
+            </a:r>
+            <a:r>
+              <a:rPr lang="de-DE" sz="1800" dirty="0" smtClean="0">
+                <a:solidFill>
+                  <a:srgbClr val="2A00FF"/>
+                </a:solidFill>
+                <a:latin typeface="Courier New" panose="02070309020205020404" pitchFamily="49" charset="0"/>
+                <a:cs typeface="Courier New" panose="02070309020205020404" pitchFamily="49" charset="0"/>
+              </a:rPr>
+              <a:t> </a:t>
+            </a:r>
+            <a:r>
+              <a:rPr lang="de-DE" sz="1800" b="1" dirty="0" smtClean="0">
+                <a:solidFill>
+                  <a:srgbClr val="2A00FF"/>
+                </a:solidFill>
+                <a:latin typeface="Courier New" panose="02070309020205020404" pitchFamily="49" charset="0"/>
+                <a:cs typeface="Courier New" panose="02070309020205020404" pitchFamily="49" charset="0"/>
+              </a:rPr>
+              <a:t>final</a:t>
+            </a:r>
+            <a:r>
+              <a:rPr lang="de-DE" sz="1800" dirty="0" smtClean="0">
+                <a:solidFill>
+                  <a:srgbClr val="2A00FF"/>
+                </a:solidFill>
+                <a:latin typeface="Courier New" panose="02070309020205020404" pitchFamily="49" charset="0"/>
+                <a:cs typeface="Courier New" panose="02070309020205020404" pitchFamily="49" charset="0"/>
+              </a:rPr>
+              <a:t> </a:t>
+            </a:r>
+            <a:r>
+              <a:rPr lang="de-DE" sz="1800" dirty="0" err="1" smtClean="0">
+                <a:latin typeface="Courier New" panose="02070309020205020404" pitchFamily="49" charset="0"/>
+                <a:cs typeface="Courier New" panose="02070309020205020404" pitchFamily="49" charset="0"/>
+              </a:rPr>
+              <a:t>OperatorScope</a:t>
+            </a:r>
+            <a:r>
+              <a:rPr lang="de-DE" sz="1800" dirty="0" smtClean="0">
+                <a:latin typeface="Courier New" panose="02070309020205020404" pitchFamily="49" charset="0"/>
+                <a:cs typeface="Courier New" panose="02070309020205020404" pitchFamily="49" charset="0"/>
+              </a:rPr>
+              <a:t> </a:t>
+            </a:r>
+            <a:r>
+              <a:rPr lang="de-DE" sz="1800" dirty="0" err="1" smtClean="0">
+                <a:latin typeface="Courier New" panose="02070309020205020404" pitchFamily="49" charset="0"/>
+                <a:cs typeface="Courier New" panose="02070309020205020404" pitchFamily="49" charset="0"/>
+              </a:rPr>
+              <a:t>operatorScope</a:t>
+            </a:r>
+            <a:r>
+              <a:rPr lang="de-DE" sz="1800" dirty="0" smtClean="0">
+                <a:latin typeface="Courier New" panose="02070309020205020404" pitchFamily="49" charset="0"/>
+                <a:cs typeface="Courier New" panose="02070309020205020404" pitchFamily="49" charset="0"/>
+              </a:rPr>
+              <a:t>;</a:t>
+            </a:r>
+            <a:endParaRPr lang="de-DE" sz="1800" dirty="0">
+              <a:latin typeface="Courier New" panose="02070309020205020404" pitchFamily="49" charset="0"/>
+              <a:cs typeface="Courier New" panose="02070309020205020404" pitchFamily="49" charset="0"/>
+            </a:endParaRPr>
+          </a:p>
+          <a:p>
+            <a:pPr marL="0" indent="0">
+              <a:buNone/>
+            </a:pPr>
+            <a:endParaRPr lang="de-DE" sz="1800" dirty="0" smtClean="0">
+              <a:latin typeface="Courier New" panose="02070309020205020404" pitchFamily="49" charset="0"/>
+              <a:cs typeface="Courier New" panose="02070309020205020404" pitchFamily="49" charset="0"/>
+            </a:endParaRPr>
+          </a:p>
+          <a:p>
+            <a:pPr marL="0" indent="0">
+              <a:buNone/>
+            </a:pPr>
+            <a:r>
+              <a:rPr lang="de-DE" sz="1800" dirty="0">
+                <a:latin typeface="Courier New" panose="02070309020205020404" pitchFamily="49" charset="0"/>
+                <a:cs typeface="Courier New" panose="02070309020205020404" pitchFamily="49" charset="0"/>
+              </a:rPr>
+              <a:t> </a:t>
+            </a:r>
+            <a:r>
+              <a:rPr lang="de-DE" sz="1800" dirty="0" smtClean="0">
+                <a:latin typeface="Courier New" panose="02070309020205020404" pitchFamily="49" charset="0"/>
+                <a:cs typeface="Courier New" panose="02070309020205020404" pitchFamily="49" charset="0"/>
+              </a:rPr>
+              <a:t>   </a:t>
+            </a:r>
+            <a:r>
+              <a:rPr lang="de-DE" sz="1800" b="1" dirty="0" smtClean="0">
+                <a:solidFill>
+                  <a:srgbClr val="2A00FF"/>
+                </a:solidFill>
+                <a:latin typeface="Courier New" panose="02070309020205020404" pitchFamily="49" charset="0"/>
+                <a:cs typeface="Courier New" panose="02070309020205020404" pitchFamily="49" charset="0"/>
+              </a:rPr>
+              <a:t>private</a:t>
+            </a:r>
+            <a:r>
+              <a:rPr lang="de-DE" sz="1800" dirty="0" smtClean="0">
+                <a:solidFill>
+                  <a:srgbClr val="2A00FF"/>
+                </a:solidFill>
+                <a:latin typeface="Courier New" panose="02070309020205020404" pitchFamily="49" charset="0"/>
+                <a:cs typeface="Courier New" panose="02070309020205020404" pitchFamily="49" charset="0"/>
+              </a:rPr>
+              <a:t> </a:t>
+            </a:r>
+            <a:r>
+              <a:rPr lang="de-DE" sz="1800" dirty="0" err="1" smtClean="0">
+                <a:latin typeface="Courier New" panose="02070309020205020404" pitchFamily="49" charset="0"/>
+                <a:cs typeface="Courier New" panose="02070309020205020404" pitchFamily="49" charset="0"/>
+              </a:rPr>
+              <a:t>TreeBuilder</a:t>
+            </a:r>
+            <a:r>
+              <a:rPr lang="de-DE" sz="1800" dirty="0" smtClean="0">
+                <a:latin typeface="Courier New" panose="02070309020205020404" pitchFamily="49" charset="0"/>
+                <a:cs typeface="Courier New" panose="02070309020205020404" pitchFamily="49" charset="0"/>
+              </a:rPr>
+              <a:t>() {</a:t>
+            </a:r>
+          </a:p>
+          <a:p>
+            <a:pPr marL="0" indent="0">
+              <a:buNone/>
+            </a:pPr>
+            <a:r>
+              <a:rPr lang="de-DE" sz="1800" dirty="0">
+                <a:latin typeface="Courier New" panose="02070309020205020404" pitchFamily="49" charset="0"/>
+                <a:cs typeface="Courier New" panose="02070309020205020404" pitchFamily="49" charset="0"/>
+              </a:rPr>
+              <a:t> </a:t>
+            </a:r>
+            <a:r>
+              <a:rPr lang="de-DE" sz="1800" dirty="0" smtClean="0">
+                <a:latin typeface="Courier New" panose="02070309020205020404" pitchFamily="49" charset="0"/>
+                <a:cs typeface="Courier New" panose="02070309020205020404" pitchFamily="49" charset="0"/>
+              </a:rPr>
+              <a:t>       </a:t>
+            </a:r>
+            <a:r>
+              <a:rPr lang="de-DE" sz="1800" b="1" dirty="0" err="1" smtClean="0">
+                <a:solidFill>
+                  <a:srgbClr val="2A00FF"/>
+                </a:solidFill>
+                <a:latin typeface="Courier New" panose="02070309020205020404" pitchFamily="49" charset="0"/>
+                <a:cs typeface="Courier New" panose="02070309020205020404" pitchFamily="49" charset="0"/>
+              </a:rPr>
+              <a:t>this</a:t>
+            </a:r>
+            <a:r>
+              <a:rPr lang="de-DE" sz="1800" dirty="0" err="1" smtClean="0">
+                <a:latin typeface="Courier New" panose="02070309020205020404" pitchFamily="49" charset="0"/>
+                <a:cs typeface="Courier New" panose="02070309020205020404" pitchFamily="49" charset="0"/>
+              </a:rPr>
+              <a:t>.operatorScope</a:t>
+            </a:r>
+            <a:r>
+              <a:rPr lang="de-DE" sz="1800" dirty="0" smtClean="0">
+                <a:latin typeface="Courier New" panose="02070309020205020404" pitchFamily="49" charset="0"/>
+                <a:cs typeface="Courier New" panose="02070309020205020404" pitchFamily="49" charset="0"/>
+              </a:rPr>
+              <a:t> = </a:t>
+            </a:r>
+            <a:r>
+              <a:rPr lang="de-DE" sz="1800" b="1" dirty="0" err="1" smtClean="0">
+                <a:solidFill>
+                  <a:srgbClr val="2A00FF"/>
+                </a:solidFill>
+                <a:latin typeface="Courier New" panose="02070309020205020404" pitchFamily="49" charset="0"/>
+                <a:cs typeface="Courier New" panose="02070309020205020404" pitchFamily="49" charset="0"/>
+              </a:rPr>
+              <a:t>this</a:t>
+            </a:r>
+            <a:r>
+              <a:rPr lang="de-DE" sz="1800" dirty="0" err="1" smtClean="0">
+                <a:latin typeface="Courier New" panose="02070309020205020404" pitchFamily="49" charset="0"/>
+                <a:cs typeface="Courier New" panose="02070309020205020404" pitchFamily="49" charset="0"/>
+              </a:rPr>
+              <a:t>.</a:t>
+            </a:r>
+            <a:r>
+              <a:rPr lang="de-DE" sz="1800" b="1" dirty="0" err="1" smtClean="0">
+                <a:solidFill>
+                  <a:srgbClr val="2A00FF"/>
+                </a:solidFill>
+                <a:latin typeface="Courier New" panose="02070309020205020404" pitchFamily="49" charset="0"/>
+                <a:cs typeface="Courier New" panose="02070309020205020404" pitchFamily="49" charset="0"/>
+              </a:rPr>
+              <a:t>new</a:t>
+            </a:r>
+            <a:r>
+              <a:rPr lang="de-DE" sz="1800" dirty="0" smtClean="0">
+                <a:latin typeface="Courier New" panose="02070309020205020404" pitchFamily="49" charset="0"/>
+                <a:cs typeface="Courier New" panose="02070309020205020404" pitchFamily="49" charset="0"/>
+              </a:rPr>
+              <a:t> </a:t>
+            </a:r>
+            <a:r>
+              <a:rPr lang="de-DE" sz="1800" dirty="0" err="1" smtClean="0">
+                <a:latin typeface="Courier New" panose="02070309020205020404" pitchFamily="49" charset="0"/>
+                <a:cs typeface="Courier New" panose="02070309020205020404" pitchFamily="49" charset="0"/>
+              </a:rPr>
+              <a:t>OperatorScope</a:t>
+            </a:r>
+            <a:r>
+              <a:rPr lang="de-DE" sz="1800" dirty="0" smtClean="0">
+                <a:latin typeface="Courier New" panose="02070309020205020404" pitchFamily="49" charset="0"/>
+                <a:cs typeface="Courier New" panose="02070309020205020404" pitchFamily="49" charset="0"/>
+              </a:rPr>
+              <a:t>(); }</a:t>
+            </a:r>
+          </a:p>
+          <a:p>
+            <a:pPr marL="0" indent="0">
+              <a:buNone/>
+            </a:pPr>
+            <a:endParaRPr lang="de-DE" sz="1800" dirty="0" smtClean="0">
+              <a:latin typeface="Courier New" panose="02070309020205020404" pitchFamily="49" charset="0"/>
+              <a:cs typeface="Courier New" panose="02070309020205020404" pitchFamily="49" charset="0"/>
+            </a:endParaRPr>
+          </a:p>
+          <a:p>
+            <a:pPr marL="0" indent="0">
+              <a:buNone/>
+            </a:pPr>
+            <a:endParaRPr lang="de-DE" sz="1800" dirty="0">
+              <a:latin typeface="Courier New" panose="02070309020205020404" pitchFamily="49" charset="0"/>
+              <a:cs typeface="Courier New" panose="02070309020205020404" pitchFamily="49" charset="0"/>
+            </a:endParaRPr>
+          </a:p>
+          <a:p>
+            <a:pPr marL="0" indent="0">
+              <a:buNone/>
+            </a:pPr>
+            <a:endParaRPr lang="de-DE" sz="1800" dirty="0" smtClean="0">
+              <a:latin typeface="Courier New" panose="02070309020205020404" pitchFamily="49" charset="0"/>
+              <a:cs typeface="Courier New" panose="02070309020205020404" pitchFamily="49" charset="0"/>
+            </a:endParaRPr>
+          </a:p>
+          <a:p>
+            <a:pPr marL="0" indent="0">
+              <a:buNone/>
+            </a:pPr>
+            <a:endParaRPr lang="de-DE" sz="1800" dirty="0">
+              <a:latin typeface="Courier New" panose="02070309020205020404" pitchFamily="49" charset="0"/>
+              <a:cs typeface="Courier New" panose="02070309020205020404" pitchFamily="49" charset="0"/>
+            </a:endParaRPr>
+          </a:p>
+          <a:p>
+            <a:pPr marL="0" indent="0">
+              <a:buNone/>
+            </a:pPr>
+            <a:r>
+              <a:rPr lang="de-DE" sz="1800" dirty="0" smtClean="0">
+                <a:latin typeface="Courier New" panose="02070309020205020404" pitchFamily="49" charset="0"/>
+                <a:cs typeface="Courier New" panose="02070309020205020404" pitchFamily="49" charset="0"/>
+              </a:rPr>
+              <a:t>    </a:t>
+            </a:r>
+            <a:r>
+              <a:rPr lang="de-DE" sz="1800" b="1" dirty="0" err="1" smtClean="0">
+                <a:solidFill>
+                  <a:srgbClr val="2A00FF"/>
+                </a:solidFill>
+                <a:latin typeface="Courier New" panose="02070309020205020404" pitchFamily="49" charset="0"/>
+                <a:cs typeface="Courier New" panose="02070309020205020404" pitchFamily="49" charset="0"/>
+              </a:rPr>
+              <a:t>public</a:t>
+            </a:r>
+            <a:r>
+              <a:rPr lang="de-DE" sz="1800" b="1" dirty="0" smtClean="0">
+                <a:solidFill>
+                  <a:srgbClr val="2A00FF"/>
+                </a:solidFill>
+                <a:latin typeface="Courier New" panose="02070309020205020404" pitchFamily="49" charset="0"/>
+                <a:cs typeface="Courier New" panose="02070309020205020404" pitchFamily="49" charset="0"/>
+              </a:rPr>
+              <a:t> final </a:t>
+            </a:r>
+            <a:r>
+              <a:rPr lang="de-DE" sz="1800" b="1" dirty="0" err="1" smtClean="0">
+                <a:solidFill>
+                  <a:srgbClr val="2A00FF"/>
+                </a:solidFill>
+                <a:latin typeface="Courier New" panose="02070309020205020404" pitchFamily="49" charset="0"/>
+                <a:cs typeface="Courier New" panose="02070309020205020404" pitchFamily="49" charset="0"/>
+              </a:rPr>
+              <a:t>class</a:t>
+            </a:r>
+            <a:r>
+              <a:rPr lang="de-DE" sz="1800" b="1" dirty="0" smtClean="0">
+                <a:solidFill>
+                  <a:srgbClr val="2A00FF"/>
+                </a:solidFill>
+                <a:latin typeface="Courier New" panose="02070309020205020404" pitchFamily="49" charset="0"/>
+                <a:cs typeface="Courier New" panose="02070309020205020404" pitchFamily="49" charset="0"/>
+              </a:rPr>
+              <a:t> </a:t>
+            </a:r>
+            <a:r>
+              <a:rPr lang="de-DE" sz="1800" dirty="0" err="1" smtClean="0">
+                <a:latin typeface="Courier New" panose="02070309020205020404" pitchFamily="49" charset="0"/>
+                <a:cs typeface="Courier New" panose="02070309020205020404" pitchFamily="49" charset="0"/>
+              </a:rPr>
+              <a:t>StartScope</a:t>
+            </a:r>
+            <a:r>
+              <a:rPr lang="de-DE" sz="1800" dirty="0" smtClean="0">
+                <a:latin typeface="Courier New" panose="02070309020205020404" pitchFamily="49" charset="0"/>
+                <a:cs typeface="Courier New" panose="02070309020205020404" pitchFamily="49" charset="0"/>
+              </a:rPr>
+              <a:t> </a:t>
+            </a:r>
+            <a:r>
+              <a:rPr lang="de-DE" sz="1800" b="1" dirty="0" err="1" smtClean="0">
+                <a:solidFill>
+                  <a:srgbClr val="2A00FF"/>
+                </a:solidFill>
+                <a:latin typeface="Courier New" panose="02070309020205020404" pitchFamily="49" charset="0"/>
+                <a:cs typeface="Courier New" panose="02070309020205020404" pitchFamily="49" charset="0"/>
+              </a:rPr>
+              <a:t>implements</a:t>
+            </a:r>
+            <a:r>
+              <a:rPr lang="de-DE" sz="1800" dirty="0" smtClean="0">
+                <a:solidFill>
+                  <a:srgbClr val="2A00FF"/>
+                </a:solidFill>
+                <a:latin typeface="Courier New" panose="02070309020205020404" pitchFamily="49" charset="0"/>
+                <a:cs typeface="Courier New" panose="02070309020205020404" pitchFamily="49" charset="0"/>
+              </a:rPr>
+              <a:t> </a:t>
+            </a:r>
+            <a:r>
+              <a:rPr lang="de-DE" sz="1800" dirty="0" smtClean="0">
+                <a:latin typeface="Courier New" panose="02070309020205020404" pitchFamily="49" charset="0"/>
+                <a:cs typeface="Courier New" panose="02070309020205020404" pitchFamily="49" charset="0"/>
+              </a:rPr>
+              <a:t>Start&lt;T&gt; {</a:t>
+            </a:r>
+          </a:p>
+          <a:p>
+            <a:pPr marL="0" indent="0">
+              <a:buNone/>
+            </a:pPr>
+            <a:r>
+              <a:rPr lang="de-DE" sz="1800" dirty="0">
+                <a:latin typeface="Courier New" panose="02070309020205020404" pitchFamily="49" charset="0"/>
+                <a:cs typeface="Courier New" panose="02070309020205020404" pitchFamily="49" charset="0"/>
+              </a:rPr>
+              <a:t> </a:t>
+            </a:r>
+            <a:r>
+              <a:rPr lang="de-DE" sz="1800" dirty="0" smtClean="0">
+                <a:latin typeface="Courier New" panose="02070309020205020404" pitchFamily="49" charset="0"/>
+                <a:cs typeface="Courier New" panose="02070309020205020404" pitchFamily="49" charset="0"/>
+              </a:rPr>
+              <a:t>       </a:t>
+            </a:r>
+            <a:r>
+              <a:rPr lang="de-DE" sz="1800" b="1" dirty="0" smtClean="0">
+                <a:solidFill>
+                  <a:srgbClr val="2A00FF"/>
+                </a:solidFill>
+                <a:latin typeface="Courier New" panose="02070309020205020404" pitchFamily="49" charset="0"/>
+                <a:cs typeface="Courier New" panose="02070309020205020404" pitchFamily="49" charset="0"/>
+              </a:rPr>
+              <a:t>private</a:t>
+            </a:r>
+            <a:r>
+              <a:rPr lang="de-DE" sz="1800" dirty="0" smtClean="0">
+                <a:solidFill>
+                  <a:srgbClr val="2A00FF"/>
+                </a:solidFill>
+                <a:latin typeface="Courier New" panose="02070309020205020404" pitchFamily="49" charset="0"/>
+                <a:cs typeface="Courier New" panose="02070309020205020404" pitchFamily="49" charset="0"/>
+              </a:rPr>
+              <a:t> </a:t>
+            </a:r>
+            <a:r>
+              <a:rPr lang="de-DE" sz="1800" dirty="0" err="1" smtClean="0">
+                <a:latin typeface="Courier New" panose="02070309020205020404" pitchFamily="49" charset="0"/>
+                <a:cs typeface="Courier New" panose="02070309020205020404" pitchFamily="49" charset="0"/>
+              </a:rPr>
+              <a:t>StartScope</a:t>
+            </a:r>
+            <a:r>
+              <a:rPr lang="de-DE" sz="1800" dirty="0" smtClean="0">
+                <a:latin typeface="Courier New" panose="02070309020205020404" pitchFamily="49" charset="0"/>
+                <a:cs typeface="Courier New" panose="02070309020205020404" pitchFamily="49" charset="0"/>
+              </a:rPr>
+              <a:t> {}</a:t>
+            </a:r>
+          </a:p>
+          <a:p>
+            <a:pPr marL="0" indent="0">
+              <a:buNone/>
+            </a:pPr>
+            <a:endParaRPr lang="de-DE" sz="1800" dirty="0">
+              <a:latin typeface="Courier New" panose="02070309020205020404" pitchFamily="49" charset="0"/>
+              <a:cs typeface="Courier New" panose="02070309020205020404" pitchFamily="49" charset="0"/>
+            </a:endParaRPr>
+          </a:p>
+          <a:p>
+            <a:pPr marL="0" indent="0">
+              <a:buNone/>
+            </a:pPr>
+            <a:r>
+              <a:rPr lang="de-DE" sz="1800" dirty="0" smtClean="0">
+                <a:latin typeface="Courier New" panose="02070309020205020404" pitchFamily="49" charset="0"/>
+                <a:cs typeface="Courier New" panose="02070309020205020404" pitchFamily="49" charset="0"/>
+              </a:rPr>
+              <a:t>        </a:t>
+            </a:r>
+            <a:r>
+              <a:rPr lang="de-DE" sz="1800" b="1" dirty="0" err="1" smtClean="0">
+                <a:solidFill>
+                  <a:srgbClr val="2A00FF"/>
+                </a:solidFill>
+                <a:latin typeface="Courier New" panose="02070309020205020404" pitchFamily="49" charset="0"/>
+                <a:cs typeface="Courier New" panose="02070309020205020404" pitchFamily="49" charset="0"/>
+              </a:rPr>
+              <a:t>public</a:t>
+            </a:r>
+            <a:r>
+              <a:rPr lang="de-DE" sz="1800" dirty="0" smtClean="0">
+                <a:solidFill>
+                  <a:srgbClr val="2A00FF"/>
+                </a:solidFill>
+                <a:latin typeface="Courier New" panose="02070309020205020404" pitchFamily="49" charset="0"/>
+                <a:cs typeface="Courier New" panose="02070309020205020404" pitchFamily="49" charset="0"/>
+              </a:rPr>
+              <a:t> </a:t>
+            </a:r>
+            <a:r>
+              <a:rPr lang="de-DE" sz="1800" dirty="0" err="1" smtClean="0">
+                <a:latin typeface="Courier New" panose="02070309020205020404" pitchFamily="49" charset="0"/>
+                <a:cs typeface="Courier New" panose="02070309020205020404" pitchFamily="49" charset="0"/>
+              </a:rPr>
+              <a:t>OperatorScope</a:t>
+            </a:r>
+            <a:r>
+              <a:rPr lang="de-DE" sz="1800" dirty="0" smtClean="0">
+                <a:latin typeface="Courier New" panose="02070309020205020404" pitchFamily="49" charset="0"/>
+                <a:cs typeface="Courier New" panose="02070309020205020404" pitchFamily="49" charset="0"/>
+              </a:rPr>
+              <a:t> </a:t>
+            </a:r>
+            <a:r>
+              <a:rPr lang="de-DE" sz="1800" dirty="0" err="1" smtClean="0">
+                <a:latin typeface="Courier New" panose="02070309020205020404" pitchFamily="49" charset="0"/>
+                <a:cs typeface="Courier New" panose="02070309020205020404" pitchFamily="49" charset="0"/>
+              </a:rPr>
+              <a:t>expr</a:t>
+            </a:r>
+            <a:r>
+              <a:rPr lang="de-DE" sz="1800" dirty="0" smtClean="0">
+                <a:latin typeface="Courier New" panose="02070309020205020404" pitchFamily="49" charset="0"/>
+                <a:cs typeface="Courier New" panose="02070309020205020404" pitchFamily="49" charset="0"/>
+              </a:rPr>
+              <a:t>(</a:t>
+            </a:r>
+            <a:r>
+              <a:rPr lang="de-DE" sz="1800" b="1" dirty="0" smtClean="0">
+                <a:solidFill>
+                  <a:srgbClr val="2A00FF"/>
+                </a:solidFill>
+                <a:latin typeface="Courier New" panose="02070309020205020404" pitchFamily="49" charset="0"/>
+                <a:cs typeface="Courier New" panose="02070309020205020404" pitchFamily="49" charset="0"/>
+              </a:rPr>
+              <a:t>final</a:t>
+            </a:r>
+            <a:r>
+              <a:rPr lang="de-DE" sz="1800" b="1" dirty="0" smtClean="0">
+                <a:solidFill>
+                  <a:srgbClr val="0070C0"/>
+                </a:solidFill>
+                <a:latin typeface="Courier New" panose="02070309020205020404" pitchFamily="49" charset="0"/>
+                <a:cs typeface="Courier New" panose="02070309020205020404" pitchFamily="49" charset="0"/>
+              </a:rPr>
+              <a:t> </a:t>
+            </a:r>
+            <a:r>
+              <a:rPr lang="de-DE" sz="1800" b="1" dirty="0" err="1" smtClean="0">
+                <a:solidFill>
+                  <a:srgbClr val="2A00FF"/>
+                </a:solidFill>
+                <a:latin typeface="Courier New" panose="02070309020205020404" pitchFamily="49" charset="0"/>
+                <a:cs typeface="Courier New" panose="02070309020205020404" pitchFamily="49" charset="0"/>
+              </a:rPr>
+              <a:t>int</a:t>
+            </a:r>
+            <a:r>
+              <a:rPr lang="de-DE" sz="1800" dirty="0" smtClean="0">
+                <a:solidFill>
+                  <a:srgbClr val="2A00FF"/>
+                </a:solidFill>
+                <a:latin typeface="Courier New" panose="02070309020205020404" pitchFamily="49" charset="0"/>
+                <a:cs typeface="Courier New" panose="02070309020205020404" pitchFamily="49" charset="0"/>
+              </a:rPr>
+              <a:t> </a:t>
+            </a:r>
+            <a:r>
+              <a:rPr lang="de-DE" sz="1800" dirty="0" err="1" smtClean="0">
+                <a:latin typeface="Courier New" panose="02070309020205020404" pitchFamily="49" charset="0"/>
+                <a:cs typeface="Courier New" panose="02070309020205020404" pitchFamily="49" charset="0"/>
+              </a:rPr>
+              <a:t>value</a:t>
+            </a:r>
+            <a:r>
+              <a:rPr lang="de-DE" sz="1800" dirty="0" smtClean="0">
+                <a:latin typeface="Courier New" panose="02070309020205020404" pitchFamily="49" charset="0"/>
+                <a:cs typeface="Courier New" panose="02070309020205020404" pitchFamily="49" charset="0"/>
+              </a:rPr>
+              <a:t>) {</a:t>
+            </a:r>
+            <a:r>
+              <a:rPr lang="de-DE" sz="1800" dirty="0" smtClean="0">
+                <a:solidFill>
+                  <a:srgbClr val="00B050"/>
+                </a:solidFill>
+                <a:latin typeface="Courier New" panose="02070309020205020404" pitchFamily="49" charset="0"/>
+                <a:cs typeface="Courier New" panose="02070309020205020404" pitchFamily="49" charset="0"/>
+              </a:rPr>
+              <a:t>//Code</a:t>
+            </a:r>
+            <a:r>
+              <a:rPr lang="de-DE" sz="1800" dirty="0" smtClean="0">
+                <a:latin typeface="Courier New" panose="02070309020205020404" pitchFamily="49" charset="0"/>
+                <a:cs typeface="Courier New" panose="02070309020205020404" pitchFamily="49" charset="0"/>
+              </a:rPr>
+              <a:t>}</a:t>
+            </a:r>
+          </a:p>
+          <a:p>
+            <a:pPr marL="0" indent="0">
+              <a:buNone/>
+            </a:pPr>
+            <a:r>
+              <a:rPr lang="de-DE" sz="1800" dirty="0">
+                <a:latin typeface="Courier New" panose="02070309020205020404" pitchFamily="49" charset="0"/>
+                <a:cs typeface="Courier New" panose="02070309020205020404" pitchFamily="49" charset="0"/>
+              </a:rPr>
+              <a:t> </a:t>
+            </a:r>
+            <a:r>
+              <a:rPr lang="de-DE" sz="1800" dirty="0" smtClean="0">
+                <a:latin typeface="Courier New" panose="02070309020205020404" pitchFamily="49" charset="0"/>
+                <a:cs typeface="Courier New" panose="02070309020205020404" pitchFamily="49" charset="0"/>
+              </a:rPr>
+              <a:t>   }</a:t>
+            </a:r>
+          </a:p>
+          <a:p>
+            <a:pPr marL="0" indent="0">
+              <a:buNone/>
+            </a:pPr>
+            <a:r>
+              <a:rPr lang="de-DE" sz="1800" dirty="0">
+                <a:latin typeface="Courier New" panose="02070309020205020404" pitchFamily="49" charset="0"/>
+                <a:cs typeface="Courier New" panose="02070309020205020404" pitchFamily="49" charset="0"/>
+              </a:rPr>
+              <a:t> </a:t>
+            </a:r>
+            <a:r>
+              <a:rPr lang="de-DE" sz="1800" dirty="0" smtClean="0">
+                <a:latin typeface="Courier New" panose="02070309020205020404" pitchFamily="49" charset="0"/>
+                <a:cs typeface="Courier New" panose="02070309020205020404" pitchFamily="49" charset="0"/>
+              </a:rPr>
+              <a:t>   </a:t>
+            </a:r>
+            <a:r>
+              <a:rPr lang="de-DE" sz="1800" b="1" dirty="0" err="1" smtClean="0">
+                <a:solidFill>
+                  <a:srgbClr val="2A00FF"/>
+                </a:solidFill>
+                <a:latin typeface="Courier New" panose="02070309020205020404" pitchFamily="49" charset="0"/>
+                <a:cs typeface="Courier New" panose="02070309020205020404" pitchFamily="49" charset="0"/>
+              </a:rPr>
+              <a:t>public</a:t>
+            </a:r>
+            <a:r>
+              <a:rPr lang="de-DE" sz="1800" b="1" dirty="0" smtClean="0">
+                <a:solidFill>
+                  <a:srgbClr val="2A00FF"/>
+                </a:solidFill>
+                <a:latin typeface="Courier New" panose="02070309020205020404" pitchFamily="49" charset="0"/>
+                <a:cs typeface="Courier New" panose="02070309020205020404" pitchFamily="49" charset="0"/>
+              </a:rPr>
+              <a:t> final </a:t>
+            </a:r>
+            <a:r>
+              <a:rPr lang="de-DE" sz="1800" b="1" dirty="0" err="1" smtClean="0">
+                <a:solidFill>
+                  <a:srgbClr val="2A00FF"/>
+                </a:solidFill>
+                <a:latin typeface="Courier New" panose="02070309020205020404" pitchFamily="49" charset="0"/>
+                <a:cs typeface="Courier New" panose="02070309020205020404" pitchFamily="49" charset="0"/>
+              </a:rPr>
+              <a:t>class</a:t>
+            </a:r>
+            <a:r>
+              <a:rPr lang="de-DE" sz="1800" dirty="0" smtClean="0">
+                <a:latin typeface="Courier New" panose="02070309020205020404" pitchFamily="49" charset="0"/>
+                <a:cs typeface="Courier New" panose="02070309020205020404" pitchFamily="49" charset="0"/>
+              </a:rPr>
+              <a:t> </a:t>
+            </a:r>
+            <a:r>
+              <a:rPr lang="de-DE" sz="1800" dirty="0" err="1" smtClean="0">
+                <a:latin typeface="Courier New" panose="02070309020205020404" pitchFamily="49" charset="0"/>
+                <a:cs typeface="Courier New" panose="02070309020205020404" pitchFamily="49" charset="0"/>
+              </a:rPr>
+              <a:t>OperatorScope</a:t>
+            </a:r>
+            <a:r>
+              <a:rPr lang="de-DE" sz="1800" dirty="0" smtClean="0">
+                <a:latin typeface="Courier New" panose="02070309020205020404" pitchFamily="49" charset="0"/>
+                <a:cs typeface="Courier New" panose="02070309020205020404" pitchFamily="49" charset="0"/>
+              </a:rPr>
+              <a:t> </a:t>
+            </a:r>
+            <a:r>
+              <a:rPr lang="de-DE" sz="1800" b="1" dirty="0" err="1" smtClean="0">
+                <a:solidFill>
+                  <a:srgbClr val="2A00FF"/>
+                </a:solidFill>
+                <a:latin typeface="Courier New" panose="02070309020205020404" pitchFamily="49" charset="0"/>
+                <a:cs typeface="Courier New" panose="02070309020205020404" pitchFamily="49" charset="0"/>
+              </a:rPr>
+              <a:t>implements</a:t>
+            </a:r>
+            <a:r>
+              <a:rPr lang="de-DE" sz="1800" dirty="0" smtClean="0">
+                <a:solidFill>
+                  <a:srgbClr val="2A00FF"/>
+                </a:solidFill>
+                <a:latin typeface="Courier New" panose="02070309020205020404" pitchFamily="49" charset="0"/>
+                <a:cs typeface="Courier New" panose="02070309020205020404" pitchFamily="49" charset="0"/>
+              </a:rPr>
+              <a:t> </a:t>
+            </a:r>
+            <a:r>
+              <a:rPr lang="de-DE" sz="1800" dirty="0" smtClean="0">
+                <a:latin typeface="Courier New" panose="02070309020205020404" pitchFamily="49" charset="0"/>
+                <a:cs typeface="Courier New" panose="02070309020205020404" pitchFamily="49" charset="0"/>
+              </a:rPr>
+              <a:t>Operator&lt;T&gt; {</a:t>
+            </a:r>
+          </a:p>
+          <a:p>
+            <a:pPr marL="0" indent="0">
+              <a:buNone/>
+            </a:pPr>
+            <a:r>
+              <a:rPr lang="de-DE" sz="1800" dirty="0">
+                <a:latin typeface="Courier New" panose="02070309020205020404" pitchFamily="49" charset="0"/>
+                <a:cs typeface="Courier New" panose="02070309020205020404" pitchFamily="49" charset="0"/>
+              </a:rPr>
+              <a:t> </a:t>
+            </a:r>
+            <a:r>
+              <a:rPr lang="de-DE" sz="1800" dirty="0" smtClean="0">
+                <a:latin typeface="Courier New" panose="02070309020205020404" pitchFamily="49" charset="0"/>
+                <a:cs typeface="Courier New" panose="02070309020205020404" pitchFamily="49" charset="0"/>
+              </a:rPr>
+              <a:t>   }</a:t>
+            </a:r>
+          </a:p>
+          <a:p>
+            <a:pPr marL="0" indent="0">
+              <a:buNone/>
+            </a:pPr>
+            <a:r>
+              <a:rPr lang="de-DE" sz="1800" dirty="0">
+                <a:latin typeface="Courier New" panose="02070309020205020404" pitchFamily="49" charset="0"/>
+                <a:cs typeface="Courier New" panose="02070309020205020404" pitchFamily="49" charset="0"/>
+              </a:rPr>
+              <a:t>}</a:t>
+            </a:r>
+            <a:endParaRPr lang="de-DE" sz="1800" dirty="0" smtClean="0">
+              <a:latin typeface="Courier New" panose="02070309020205020404" pitchFamily="49" charset="0"/>
+              <a:cs typeface="Courier New" panose="02070309020205020404" pitchFamily="49" charset="0"/>
+            </a:endParaRPr>
+          </a:p>
+        </p:txBody>
+      </p:sp>
+      <p:sp>
+        <p:nvSpPr>
+          <p:cNvPr id="6" name="Textplatzhalter 5"/>
+          <p:cNvSpPr>
+            <a:spLocks noGrp="1"/>
+          </p:cNvSpPr>
+          <p:nvPr>
+            <p:ph type="body" sz="quarter" idx="14"/>
+          </p:nvPr>
+        </p:nvSpPr>
+        <p:spPr/>
+        <p:txBody>
+          <a:bodyPr>
+            <a:normAutofit lnSpcReduction="10000"/>
+          </a:bodyPr>
+          <a:lstStyle/>
+          <a:p>
+            <a:r>
+              <a:rPr lang="de-DE" dirty="0" smtClean="0"/>
+              <a:t>2. Implementierungstechniken – </a:t>
+            </a:r>
+            <a:r>
+              <a:rPr lang="de-DE" dirty="0" err="1" smtClean="0"/>
+              <a:t>TreeBuilder</a:t>
+            </a:r>
+            <a:r>
+              <a:rPr lang="de-DE" dirty="0" smtClean="0"/>
+              <a:t> und Scopes</a:t>
+            </a:r>
+          </a:p>
+          <a:p>
+            <a:endParaRPr lang="de-DE" dirty="0"/>
+          </a:p>
+        </p:txBody>
+      </p:sp>
+      <p:sp>
+        <p:nvSpPr>
+          <p:cNvPr id="7" name="Pfeil nach rechts 6"/>
+          <p:cNvSpPr/>
+          <p:nvPr/>
+        </p:nvSpPr>
+        <p:spPr>
+          <a:xfrm>
+            <a:off x="107504" y="1772816"/>
+            <a:ext cx="288032" cy="144016"/>
+          </a:xfrm>
+          <a:prstGeom prst="rightArrow">
+            <a:avLst/>
+          </a:prstGeom>
+          <a:solidFill>
+            <a:srgbClr val="FF0000"/>
+          </a:solidFill>
+          <a:ln w="19050">
+            <a:solidFill>
+              <a:schemeClr val="accent2">
+                <a:lumMod val="75000"/>
+              </a:schemeClr>
+            </a:solidFill>
+          </a:ln>
+        </p:spPr>
+        <p:style>
+          <a:lnRef idx="2">
+            <a:schemeClr val="accent1">
+              <a:shade val="50000"/>
+            </a:schemeClr>
+          </a:lnRef>
+          <a:fillRef idx="1">
+            <a:schemeClr val="accent1"/>
+          </a:fillRef>
+          <a:effectRef idx="0">
+            <a:schemeClr val="accent1"/>
+          </a:effectRef>
+          <a:fontRef idx="minor">
+            <a:schemeClr val="lt1"/>
+          </a:fontRef>
+        </p:style>
+        <p:txBody>
+          <a:bodyPr rtlCol="0" anchor="ctr"/>
+          <a:lstStyle/>
+          <a:p>
+            <a:pPr algn="ctr"/>
+            <a:endParaRPr lang="de-DE"/>
+          </a:p>
+        </p:txBody>
+      </p:sp>
+      <p:sp>
+        <p:nvSpPr>
+          <p:cNvPr id="8" name="Pfeil nach rechts 7"/>
+          <p:cNvSpPr/>
+          <p:nvPr/>
+        </p:nvSpPr>
+        <p:spPr>
+          <a:xfrm>
+            <a:off x="107504" y="2132856"/>
+            <a:ext cx="288032" cy="144016"/>
+          </a:xfrm>
+          <a:prstGeom prst="rightArrow">
+            <a:avLst/>
+          </a:prstGeom>
+          <a:solidFill>
+            <a:srgbClr val="FF0000"/>
+          </a:solidFill>
+          <a:ln w="19050">
+            <a:solidFill>
+              <a:schemeClr val="accent2">
+                <a:lumMod val="75000"/>
+              </a:schemeClr>
+            </a:solidFill>
+          </a:ln>
+        </p:spPr>
+        <p:style>
+          <a:lnRef idx="2">
+            <a:schemeClr val="accent1">
+              <a:shade val="50000"/>
+            </a:schemeClr>
+          </a:lnRef>
+          <a:fillRef idx="1">
+            <a:schemeClr val="accent1"/>
+          </a:fillRef>
+          <a:effectRef idx="0">
+            <a:schemeClr val="accent1"/>
+          </a:effectRef>
+          <a:fontRef idx="minor">
+            <a:schemeClr val="lt1"/>
+          </a:fontRef>
+        </p:style>
+        <p:txBody>
+          <a:bodyPr rtlCol="0" anchor="ctr"/>
+          <a:lstStyle/>
+          <a:p>
+            <a:pPr algn="ctr"/>
+            <a:endParaRPr lang="de-DE"/>
+          </a:p>
+        </p:txBody>
+      </p:sp>
+    </p:spTree>
+    <p:extLst>
+      <p:ext uri="{BB962C8B-B14F-4D97-AF65-F5344CB8AC3E}">
+        <p14:creationId xmlns:p14="http://schemas.microsoft.com/office/powerpoint/2010/main" val="1432130362"/>
+      </p:ext>
+    </p:extLst>
+  </p:cSld>
+  <p:clrMapOvr>
+    <a:masterClrMapping/>
+  </p:clrMapOvr>
+  <p:timing>
+    <p:tnLst>
+      <p:par>
+        <p:cTn id="1" dur="indefinite" restart="never" nodeType="tmRoot"/>
+      </p:par>
+    </p:tnLst>
+  </p:timing>
+</p:sld>
+</file>
+
+<file path=ppt/slides/slide25.xml><?xml version="1.0" encoding="utf-8"?>
+<p:sld xmlns:a="http://schemas.openxmlformats.org/drawingml/2006/main" xmlns:r="http://schemas.openxmlformats.org/officeDocument/2006/relationships" xmlns:p="http://schemas.openxmlformats.org/presentationml/2006/main">
+  <p:cSld>
+    <p:spTree>
+      <p:nvGrpSpPr>
+        <p:cNvPr id="1" name=""/>
+        <p:cNvGrpSpPr/>
+        <p:nvPr/>
+      </p:nvGrpSpPr>
+      <p:grpSpPr>
+        <a:xfrm>
+          <a:off x="0" y="0"/>
+          <a:ext cx="0" cy="0"/>
+          <a:chOff x="0" y="0"/>
+          <a:chExt cx="0" cy="0"/>
+        </a:xfrm>
+      </p:grpSpPr>
+      <p:sp>
+        <p:nvSpPr>
+          <p:cNvPr id="2" name="Datumsplatzhalter 1"/>
+          <p:cNvSpPr>
+            <a:spLocks noGrp="1"/>
+          </p:cNvSpPr>
+          <p:nvPr>
+            <p:ph type="dt" sz="half" idx="10"/>
+          </p:nvPr>
+        </p:nvSpPr>
+        <p:spPr/>
+        <p:txBody>
+          <a:bodyPr/>
+          <a:lstStyle/>
+          <a:p>
+            <a:r>
+              <a:rPr lang="de-DE" smtClean="0"/>
+              <a:t>31.05.2016</a:t>
+            </a:r>
+            <a:endParaRPr lang="de-DE"/>
+          </a:p>
+        </p:txBody>
+      </p:sp>
+      <p:sp>
+        <p:nvSpPr>
+          <p:cNvPr id="3" name="Fußzeilenplatzhalter 2"/>
+          <p:cNvSpPr>
+            <a:spLocks noGrp="1"/>
+          </p:cNvSpPr>
+          <p:nvPr>
+            <p:ph type="ftr" sz="quarter" idx="11"/>
+          </p:nvPr>
+        </p:nvSpPr>
+        <p:spPr/>
+        <p:txBody>
+          <a:bodyPr/>
+          <a:lstStyle/>
+          <a:p>
+            <a:r>
+              <a:rPr lang="de-DE" smtClean="0"/>
+              <a:t>Daniel Fritz, HTWG Konstanz</a:t>
+            </a:r>
+            <a:endParaRPr lang="de-DE"/>
+          </a:p>
+        </p:txBody>
+      </p:sp>
+      <p:sp>
+        <p:nvSpPr>
+          <p:cNvPr id="4" name="Foliennummernplatzhalter 3"/>
+          <p:cNvSpPr>
+            <a:spLocks noGrp="1"/>
+          </p:cNvSpPr>
+          <p:nvPr>
+            <p:ph type="sldNum" sz="quarter" idx="12"/>
+          </p:nvPr>
+        </p:nvSpPr>
+        <p:spPr/>
+        <p:txBody>
+          <a:bodyPr/>
+          <a:lstStyle/>
+          <a:p>
+            <a:fld id="{4358C9F7-5955-4422-87CA-C4EB28FDAF6D}" type="slidenum">
+              <a:rPr lang="de-DE" smtClean="0"/>
+              <a:t>25</a:t>
+            </a:fld>
+            <a:endParaRPr lang="de-DE"/>
+          </a:p>
+        </p:txBody>
+      </p:sp>
+      <p:sp>
+        <p:nvSpPr>
+          <p:cNvPr id="5" name="Textplatzhalter 4"/>
+          <p:cNvSpPr>
+            <a:spLocks noGrp="1"/>
+          </p:cNvSpPr>
+          <p:nvPr>
+            <p:ph type="body" sz="quarter" idx="13"/>
+          </p:nvPr>
+        </p:nvSpPr>
+        <p:spPr>
+          <a:xfrm>
+            <a:off x="395536" y="692696"/>
             <a:ext cx="8640959" cy="5688631"/>
           </a:xfrm>
         </p:spPr>
@@ -15677,7 +15869,7 @@
 </p:sld>
 </file>
 
-<file path=ppt/slides/slide25.xml><?xml version="1.0" encoding="utf-8"?>
+<file path=ppt/slides/slide26.xml><?xml version="1.0" encoding="utf-8"?>
 <p:sld xmlns:a="http://schemas.openxmlformats.org/drawingml/2006/main" xmlns:r="http://schemas.openxmlformats.org/officeDocument/2006/relationships" xmlns:p="http://schemas.openxmlformats.org/presentationml/2006/main">
   <p:cSld>
     <p:spTree>
@@ -15757,7 +15949,7 @@
           <a:p>
             <a:fld id="{4358C9F7-5955-4422-87CA-C4EB28FDAF6D}" type="slidenum">
               <a:rPr lang="de-DE" smtClean="0"/>
-              <a:t>25</a:t>
+              <a:t>26</a:t>
             </a:fld>
             <a:endParaRPr lang="de-DE"/>
           </a:p>
@@ -16324,7 +16516,7 @@
 </p:sld>
 </file>
 
-<file path=ppt/slides/slide26.xml><?xml version="1.0" encoding="utf-8"?>
+<file path=ppt/slides/slide27.xml><?xml version="1.0" encoding="utf-8"?>
 <p:sld xmlns:a="http://schemas.openxmlformats.org/drawingml/2006/main" xmlns:r="http://schemas.openxmlformats.org/officeDocument/2006/relationships" xmlns:p="http://schemas.openxmlformats.org/presentationml/2006/main">
   <p:cSld>
     <p:spTree>
@@ -16404,7 +16596,7 @@
           <a:p>
             <a:fld id="{4358C9F7-5955-4422-87CA-C4EB28FDAF6D}" type="slidenum">
               <a:rPr lang="de-DE" smtClean="0"/>
-              <a:t>26</a:t>
+              <a:t>27</a:t>
             </a:fld>
             <a:endParaRPr lang="de-DE"/>
           </a:p>
@@ -16706,7 +16898,7 @@
 </p:sld>
 </file>
 
-<file path=ppt/slides/slide27.xml><?xml version="1.0" encoding="utf-8"?>
+<file path=ppt/slides/slide28.xml><?xml version="1.0" encoding="utf-8"?>
 <p:sld xmlns:a="http://schemas.openxmlformats.org/drawingml/2006/main" xmlns:r="http://schemas.openxmlformats.org/officeDocument/2006/relationships" xmlns:p="http://schemas.openxmlformats.org/presentationml/2006/main">
   <p:cSld>
     <p:spTree>
@@ -16786,7 +16978,7 @@
           <a:p>
             <a:fld id="{4358C9F7-5955-4422-87CA-C4EB28FDAF6D}" type="slidenum">
               <a:rPr lang="de-DE" smtClean="0"/>
-              <a:t>27</a:t>
+              <a:t>28</a:t>
             </a:fld>
             <a:endParaRPr lang="de-DE"/>
           </a:p>
@@ -17257,7 +17449,7 @@
 </p:sld>
 </file>
 
-<file path=ppt/slides/slide28.xml><?xml version="1.0" encoding="utf-8"?>
+<file path=ppt/slides/slide29.xml><?xml version="1.0" encoding="utf-8"?>
 <p:sld xmlns:a="http://schemas.openxmlformats.org/drawingml/2006/main" xmlns:r="http://schemas.openxmlformats.org/officeDocument/2006/relationships" xmlns:p="http://schemas.openxmlformats.org/presentationml/2006/main">
   <p:cSld>
     <p:spTree>
@@ -17337,7 +17529,7 @@
           <a:p>
             <a:fld id="{4358C9F7-5955-4422-87CA-C4EB28FDAF6D}" type="slidenum">
               <a:rPr lang="de-DE" smtClean="0"/>
-              <a:t>28</a:t>
+              <a:t>29</a:t>
             </a:fld>
             <a:endParaRPr lang="de-DE"/>
           </a:p>
@@ -17544,168 +17736,6 @@
 </p:sld>
 </file>
 
-<file path=ppt/slides/slide29.xml><?xml version="1.0" encoding="utf-8"?>
-<p:sld xmlns:a="http://schemas.openxmlformats.org/drawingml/2006/main" xmlns:r="http://schemas.openxmlformats.org/officeDocument/2006/relationships" xmlns:p="http://schemas.openxmlformats.org/presentationml/2006/main">
-  <p:cSld>
-    <p:spTree>
-      <p:nvGrpSpPr>
-        <p:cNvPr id="1" name=""/>
-        <p:cNvGrpSpPr/>
-        <p:nvPr/>
-      </p:nvGrpSpPr>
-      <p:grpSpPr>
-        <a:xfrm>
-          <a:off x="0" y="0"/>
-          <a:ext cx="0" cy="0"/>
-          <a:chOff x="0" y="0"/>
-          <a:chExt cx="0" cy="0"/>
-        </a:xfrm>
-      </p:grpSpPr>
-      <p:sp>
-        <p:nvSpPr>
-          <p:cNvPr id="2" name="Datumsplatzhalter 1"/>
-          <p:cNvSpPr>
-            <a:spLocks noGrp="1"/>
-          </p:cNvSpPr>
-          <p:nvPr>
-            <p:ph type="dt" sz="half" idx="10"/>
-          </p:nvPr>
-        </p:nvSpPr>
-        <p:spPr/>
-        <p:txBody>
-          <a:bodyPr/>
-          <a:lstStyle/>
-          <a:p>
-            <a:r>
-              <a:rPr lang="de-DE" smtClean="0"/>
-              <a:t>31.05.2016</a:t>
-            </a:r>
-            <a:endParaRPr lang="de-DE"/>
-          </a:p>
-        </p:txBody>
-      </p:sp>
-      <p:sp>
-        <p:nvSpPr>
-          <p:cNvPr id="3" name="Fußzeilenplatzhalter 2"/>
-          <p:cNvSpPr>
-            <a:spLocks noGrp="1"/>
-          </p:cNvSpPr>
-          <p:nvPr>
-            <p:ph type="ftr" sz="quarter" idx="11"/>
-          </p:nvPr>
-        </p:nvSpPr>
-        <p:spPr/>
-        <p:txBody>
-          <a:bodyPr/>
-          <a:lstStyle/>
-          <a:p>
-            <a:r>
-              <a:rPr lang="de-DE" smtClean="0"/>
-              <a:t>Daniel Fritz, HTWG Konstanz</a:t>
-            </a:r>
-            <a:endParaRPr lang="de-DE"/>
-          </a:p>
-        </p:txBody>
-      </p:sp>
-      <p:sp>
-        <p:nvSpPr>
-          <p:cNvPr id="4" name="Foliennummernplatzhalter 3"/>
-          <p:cNvSpPr>
-            <a:spLocks noGrp="1"/>
-          </p:cNvSpPr>
-          <p:nvPr>
-            <p:ph type="sldNum" sz="quarter" idx="12"/>
-          </p:nvPr>
-        </p:nvSpPr>
-        <p:spPr/>
-        <p:txBody>
-          <a:bodyPr/>
-          <a:lstStyle/>
-          <a:p>
-            <a:fld id="{4358C9F7-5955-4422-87CA-C4EB28FDAF6D}" type="slidenum">
-              <a:rPr lang="de-DE" smtClean="0"/>
-              <a:t>29</a:t>
-            </a:fld>
-            <a:endParaRPr lang="de-DE"/>
-          </a:p>
-        </p:txBody>
-      </p:sp>
-      <p:sp>
-        <p:nvSpPr>
-          <p:cNvPr id="5" name="Textplatzhalter 4"/>
-          <p:cNvSpPr>
-            <a:spLocks noGrp="1"/>
-          </p:cNvSpPr>
-          <p:nvPr>
-            <p:ph type="body" sz="quarter" idx="13"/>
-          </p:nvPr>
-        </p:nvSpPr>
-        <p:spPr/>
-        <p:txBody>
-          <a:bodyPr/>
-          <a:lstStyle/>
-          <a:p>
-            <a:r>
-              <a:rPr lang="de-DE" dirty="0" smtClean="0"/>
-              <a:t>Aufbau des </a:t>
-            </a:r>
-            <a:r>
-              <a:rPr lang="de-DE" dirty="0" err="1" smtClean="0"/>
-              <a:t>ParseTrees</a:t>
-            </a:r>
-            <a:endParaRPr lang="de-DE" dirty="0"/>
-          </a:p>
-        </p:txBody>
-      </p:sp>
-      <p:sp>
-        <p:nvSpPr>
-          <p:cNvPr id="6" name="Textplatzhalter 5"/>
-          <p:cNvSpPr>
-            <a:spLocks noGrp="1"/>
-          </p:cNvSpPr>
-          <p:nvPr>
-            <p:ph type="body" sz="quarter" idx="14"/>
-          </p:nvPr>
-        </p:nvSpPr>
-        <p:spPr/>
-        <p:txBody>
-          <a:bodyPr>
-            <a:normAutofit lnSpcReduction="10000"/>
-          </a:bodyPr>
-          <a:lstStyle/>
-          <a:p>
-            <a:r>
-              <a:rPr lang="de-DE" dirty="0" smtClean="0"/>
-              <a:t>2. Implementierungstechniken – </a:t>
-            </a:r>
-            <a:r>
-              <a:rPr lang="de-DE" dirty="0" err="1" smtClean="0"/>
-              <a:t>ParseTree</a:t>
-            </a:r>
-            <a:endParaRPr lang="de-DE" dirty="0" smtClean="0"/>
-          </a:p>
-        </p:txBody>
-      </p:sp>
-    </p:spTree>
-    <p:extLst>
-      <p:ext uri="{BB962C8B-B14F-4D97-AF65-F5344CB8AC3E}">
-        <p14:creationId xmlns:p14="http://schemas.microsoft.com/office/powerpoint/2010/main" val="1873206160"/>
-      </p:ext>
-    </p:extLst>
-  </p:cSld>
-  <p:clrMapOvr>
-    <a:masterClrMapping/>
-  </p:clrMapOvr>
-  <p:timing>
-    <p:tnLst>
-      <p:par>
-        <p:cTn id="1" dur="indefinite" restart="never" nodeType="tmRoot"/>
-      </p:par>
-    </p:tnLst>
-  </p:timing>
-</p:sld>
-</file>
-
 <file path=ppt/slides/slide3.xml><?xml version="1.0" encoding="utf-8"?>
 <p:sld xmlns:a="http://schemas.openxmlformats.org/drawingml/2006/main" xmlns:r="http://schemas.openxmlformats.org/officeDocument/2006/relationships" xmlns:p="http://schemas.openxmlformats.org/presentationml/2006/main">
   <p:cSld>
@@ -17834,29 +17864,17 @@
               <a:rPr lang="de-DE" dirty="0" smtClean="0">
                 <a:sym typeface="Wingdings" panose="05000000000000000000" pitchFamily="2" charset="2"/>
               </a:rPr>
-              <a:t>    </a:t>
-            </a:r>
+              <a:t>    Fachgebiet</a:t>
+            </a:r>
+          </a:p>
+          <a:p>
+            <a:pPr lvl="2"/>
             <a:r>
               <a:rPr lang="de-DE" dirty="0" smtClean="0">
                 <a:sym typeface="Wingdings" panose="05000000000000000000" pitchFamily="2" charset="2"/>
               </a:rPr>
-              <a:t>Fachgebiet</a:t>
-            </a:r>
-            <a:endParaRPr lang="de-DE" dirty="0" smtClean="0">
-              <a:sym typeface="Wingdings" panose="05000000000000000000" pitchFamily="2" charset="2"/>
-            </a:endParaRPr>
-          </a:p>
-          <a:p>
-            <a:pPr lvl="2"/>
-            <a:r>
-              <a:rPr lang="de-DE" dirty="0" smtClean="0">
-                <a:sym typeface="Wingdings" panose="05000000000000000000" pitchFamily="2" charset="2"/>
-              </a:rPr>
               <a:t>Eingeschränkter Umfang</a:t>
             </a:r>
-            <a:endParaRPr lang="de-DE" dirty="0" smtClean="0">
-              <a:sym typeface="Wingdings" panose="05000000000000000000" pitchFamily="2" charset="2"/>
-            </a:endParaRPr>
           </a:p>
           <a:p>
             <a:pPr lvl="2"/>
@@ -18331,342 +18349,20 @@
             <p:ph type="body" sz="quarter" idx="13"/>
           </p:nvPr>
         </p:nvSpPr>
-        <p:spPr>
-          <a:xfrm>
-            <a:off x="251521" y="692696"/>
-            <a:ext cx="8784976" cy="5688631"/>
-          </a:xfrm>
-        </p:spPr>
-        <p:txBody>
-          <a:bodyPr tIns="36000" bIns="36000">
-            <a:normAutofit/>
-          </a:bodyPr>
+        <p:spPr/>
+        <p:txBody>
+          <a:bodyPr/>
           <a:lstStyle/>
           <a:p>
-            <a:pPr marL="0" indent="0">
-              <a:buNone/>
-            </a:pPr>
-            <a:endParaRPr lang="en-US" sz="1800" b="1" dirty="0" smtClean="0">
-              <a:solidFill>
-                <a:srgbClr val="2A00FF"/>
-              </a:solidFill>
-              <a:latin typeface="Courier New" panose="02070309020205020404" pitchFamily="49" charset="0"/>
-              <a:cs typeface="Courier New" panose="02070309020205020404" pitchFamily="49" charset="0"/>
-            </a:endParaRPr>
-          </a:p>
-          <a:p>
-            <a:pPr marL="0" indent="0">
-              <a:buNone/>
-            </a:pPr>
-            <a:endParaRPr lang="en-US" sz="1800" b="1" dirty="0" smtClean="0">
-              <a:solidFill>
-                <a:srgbClr val="2A00FF"/>
-              </a:solidFill>
-              <a:latin typeface="Courier New" panose="02070309020205020404" pitchFamily="49" charset="0"/>
-              <a:cs typeface="Courier New" panose="02070309020205020404" pitchFamily="49" charset="0"/>
-            </a:endParaRPr>
-          </a:p>
-          <a:p>
-            <a:pPr marL="0" indent="0">
-              <a:buNone/>
-            </a:pPr>
-            <a:r>
-              <a:rPr lang="en-US" sz="1800" b="1" dirty="0" smtClean="0">
-                <a:solidFill>
-                  <a:srgbClr val="2A00FF"/>
-                </a:solidFill>
-                <a:latin typeface="Courier New" panose="02070309020205020404" pitchFamily="49" charset="0"/>
-                <a:cs typeface="Courier New" panose="02070309020205020404" pitchFamily="49" charset="0"/>
-              </a:rPr>
-              <a:t>public final class </a:t>
-            </a:r>
-            <a:r>
-              <a:rPr lang="en-US" sz="1800" dirty="0" err="1" smtClean="0">
-                <a:latin typeface="Courier New" panose="02070309020205020404" pitchFamily="49" charset="0"/>
-                <a:cs typeface="Courier New" panose="02070309020205020404" pitchFamily="49" charset="0"/>
-              </a:rPr>
-              <a:t>OperatorScope</a:t>
-            </a:r>
-            <a:r>
-              <a:rPr lang="en-US" sz="1800" b="1" dirty="0" smtClean="0">
-                <a:latin typeface="Courier New" panose="02070309020205020404" pitchFamily="49" charset="0"/>
-                <a:cs typeface="Courier New" panose="02070309020205020404" pitchFamily="49" charset="0"/>
-              </a:rPr>
-              <a:t> </a:t>
-            </a:r>
-            <a:r>
-              <a:rPr lang="en-US" sz="1800" b="1" dirty="0" smtClean="0">
-                <a:solidFill>
-                  <a:srgbClr val="2A00FF"/>
-                </a:solidFill>
-                <a:latin typeface="Courier New" panose="02070309020205020404" pitchFamily="49" charset="0"/>
-                <a:cs typeface="Courier New" panose="02070309020205020404" pitchFamily="49" charset="0"/>
-              </a:rPr>
-              <a:t>implements </a:t>
-            </a:r>
-            <a:r>
-              <a:rPr lang="en-US" sz="1800" dirty="0" smtClean="0">
-                <a:latin typeface="Courier New" panose="02070309020205020404" pitchFamily="49" charset="0"/>
-                <a:cs typeface="Courier New" panose="02070309020205020404" pitchFamily="49" charset="0"/>
-              </a:rPr>
-              <a:t>Operator</a:t>
-            </a:r>
-            <a:r>
-              <a:rPr lang="en-US" sz="1800" b="1" dirty="0" smtClean="0">
-                <a:latin typeface="Courier New" panose="02070309020205020404" pitchFamily="49" charset="0"/>
-                <a:cs typeface="Courier New" panose="02070309020205020404" pitchFamily="49" charset="0"/>
-              </a:rPr>
-              <a:t> </a:t>
-            </a:r>
-            <a:r>
-              <a:rPr lang="en-US" sz="1800" dirty="0" smtClean="0">
-                <a:latin typeface="Courier New" panose="02070309020205020404" pitchFamily="49" charset="0"/>
-                <a:cs typeface="Courier New" panose="02070309020205020404" pitchFamily="49" charset="0"/>
-              </a:rPr>
-              <a:t>{</a:t>
-            </a:r>
-          </a:p>
-          <a:p>
-            <a:pPr marL="0" indent="0">
-              <a:buNone/>
-            </a:pPr>
-            <a:r>
-              <a:rPr lang="en-US" sz="1800" b="1" dirty="0" smtClean="0">
-                <a:solidFill>
-                  <a:srgbClr val="2A00FF"/>
-                </a:solidFill>
-                <a:latin typeface="Courier New" panose="02070309020205020404" pitchFamily="49" charset="0"/>
-                <a:cs typeface="Courier New" panose="02070309020205020404" pitchFamily="49" charset="0"/>
-              </a:rPr>
-              <a:t>    </a:t>
-            </a:r>
-          </a:p>
-          <a:p>
-            <a:pPr marL="0" indent="0">
-              <a:buNone/>
-            </a:pPr>
-            <a:endParaRPr lang="de-DE" sz="1800" b="1" dirty="0">
-              <a:solidFill>
-                <a:srgbClr val="2A00FF"/>
-              </a:solidFill>
-              <a:latin typeface="Courier New" panose="02070309020205020404" pitchFamily="49" charset="0"/>
-              <a:cs typeface="Courier New" panose="02070309020205020404" pitchFamily="49" charset="0"/>
-            </a:endParaRPr>
-          </a:p>
-          <a:p>
-            <a:pPr marL="0" indent="0">
-              <a:buNone/>
-            </a:pPr>
-            <a:r>
-              <a:rPr lang="de-DE" sz="1800" b="1" dirty="0" smtClean="0">
-                <a:solidFill>
-                  <a:srgbClr val="2A00FF"/>
-                </a:solidFill>
-                <a:latin typeface="Courier New" panose="02070309020205020404" pitchFamily="49" charset="0"/>
-                <a:cs typeface="Courier New" panose="02070309020205020404" pitchFamily="49" charset="0"/>
-              </a:rPr>
-              <a:t>    </a:t>
-            </a:r>
-            <a:r>
-              <a:rPr lang="de-DE" sz="1800" b="1" dirty="0" err="1" smtClean="0">
-                <a:solidFill>
-                  <a:srgbClr val="2A00FF"/>
-                </a:solidFill>
-                <a:latin typeface="Courier New" panose="02070309020205020404" pitchFamily="49" charset="0"/>
-                <a:cs typeface="Courier New" panose="02070309020205020404" pitchFamily="49" charset="0"/>
-              </a:rPr>
-              <a:t>public</a:t>
-            </a:r>
-            <a:r>
-              <a:rPr lang="de-DE" sz="1800" dirty="0" smtClean="0">
-                <a:solidFill>
-                  <a:srgbClr val="2A00FF"/>
-                </a:solidFill>
-                <a:latin typeface="Courier New" panose="02070309020205020404" pitchFamily="49" charset="0"/>
-                <a:cs typeface="Courier New" panose="02070309020205020404" pitchFamily="49" charset="0"/>
-              </a:rPr>
-              <a:t> </a:t>
-            </a:r>
-            <a:r>
-              <a:rPr lang="de-DE" sz="1800" dirty="0" err="1" smtClean="0">
-                <a:latin typeface="Courier New" panose="02070309020205020404" pitchFamily="49" charset="0"/>
-                <a:cs typeface="Courier New" panose="02070309020205020404" pitchFamily="49" charset="0"/>
-              </a:rPr>
-              <a:t>ParseTree</a:t>
-            </a:r>
-            <a:r>
-              <a:rPr lang="de-DE" sz="1800" dirty="0" smtClean="0">
-                <a:latin typeface="Courier New" panose="02070309020205020404" pitchFamily="49" charset="0"/>
-                <a:cs typeface="Courier New" panose="02070309020205020404" pitchFamily="49" charset="0"/>
-              </a:rPr>
-              <a:t> end() {</a:t>
-            </a:r>
-          </a:p>
-          <a:p>
-            <a:pPr marL="0" indent="0">
-              <a:buNone/>
-            </a:pPr>
-            <a:r>
-              <a:rPr lang="de-DE" sz="1800" dirty="0" smtClean="0">
-                <a:latin typeface="Courier New" panose="02070309020205020404" pitchFamily="49" charset="0"/>
-                <a:cs typeface="Courier New" panose="02070309020205020404" pitchFamily="49" charset="0"/>
-              </a:rPr>
-              <a:t>        </a:t>
-            </a:r>
-            <a:r>
-              <a:rPr lang="de-DE" sz="1800" dirty="0" err="1" smtClean="0">
-                <a:latin typeface="Courier New" panose="02070309020205020404" pitchFamily="49" charset="0"/>
-                <a:cs typeface="Courier New" panose="02070309020205020404" pitchFamily="49" charset="0"/>
-              </a:rPr>
-              <a:t>AMethodNode</a:t>
-            </a:r>
-            <a:r>
-              <a:rPr lang="de-DE" sz="1800" dirty="0" smtClean="0">
-                <a:latin typeface="Courier New" panose="02070309020205020404" pitchFamily="49" charset="0"/>
-                <a:cs typeface="Courier New" panose="02070309020205020404" pitchFamily="49" charset="0"/>
-              </a:rPr>
-              <a:t> m = </a:t>
-            </a:r>
-            <a:r>
-              <a:rPr lang="de-DE" sz="1800" b="1" dirty="0" err="1" smtClean="0">
-                <a:solidFill>
-                  <a:srgbClr val="2A00FF"/>
-                </a:solidFill>
-                <a:latin typeface="Courier New" panose="02070309020205020404" pitchFamily="49" charset="0"/>
-                <a:cs typeface="Courier New" panose="02070309020205020404" pitchFamily="49" charset="0"/>
-              </a:rPr>
-              <a:t>new</a:t>
-            </a:r>
-            <a:r>
-              <a:rPr lang="de-DE" sz="1800" dirty="0" smtClean="0">
-                <a:solidFill>
-                  <a:srgbClr val="2A00FF"/>
-                </a:solidFill>
-                <a:latin typeface="Courier New" panose="02070309020205020404" pitchFamily="49" charset="0"/>
-                <a:cs typeface="Courier New" panose="02070309020205020404" pitchFamily="49" charset="0"/>
-              </a:rPr>
-              <a:t> </a:t>
-            </a:r>
-            <a:r>
-              <a:rPr lang="de-DE" sz="1800" dirty="0" err="1" smtClean="0">
-                <a:latin typeface="Courier New" panose="02070309020205020404" pitchFamily="49" charset="0"/>
-                <a:cs typeface="Courier New" panose="02070309020205020404" pitchFamily="49" charset="0"/>
-              </a:rPr>
-              <a:t>MethodNodeEnd</a:t>
-            </a:r>
-            <a:r>
-              <a:rPr lang="de-DE" sz="1800" dirty="0" smtClean="0">
-                <a:latin typeface="Courier New" panose="02070309020205020404" pitchFamily="49" charset="0"/>
-                <a:cs typeface="Courier New" panose="02070309020205020404" pitchFamily="49" charset="0"/>
-              </a:rPr>
-              <a:t>();</a:t>
-            </a:r>
-          </a:p>
-          <a:p>
-            <a:pPr marL="0" indent="0">
-              <a:buNone/>
-            </a:pPr>
-            <a:r>
-              <a:rPr lang="de-DE" sz="1800" dirty="0">
-                <a:latin typeface="Courier New" panose="02070309020205020404" pitchFamily="49" charset="0"/>
-                <a:cs typeface="Courier New" panose="02070309020205020404" pitchFamily="49" charset="0"/>
-              </a:rPr>
-              <a:t> </a:t>
-            </a:r>
-            <a:r>
-              <a:rPr lang="de-DE" sz="1800" dirty="0" smtClean="0">
-                <a:latin typeface="Courier New" panose="02070309020205020404" pitchFamily="49" charset="0"/>
-                <a:cs typeface="Courier New" panose="02070309020205020404" pitchFamily="49" charset="0"/>
-              </a:rPr>
-              <a:t>       </a:t>
-            </a:r>
-          </a:p>
-          <a:p>
-            <a:pPr marL="0" indent="0">
-              <a:buNone/>
-            </a:pPr>
-            <a:endParaRPr lang="de-DE" sz="1800" dirty="0">
-              <a:latin typeface="Courier New" panose="02070309020205020404" pitchFamily="49" charset="0"/>
-              <a:cs typeface="Courier New" panose="02070309020205020404" pitchFamily="49" charset="0"/>
-            </a:endParaRPr>
-          </a:p>
-          <a:p>
-            <a:pPr marL="0" indent="0">
-              <a:buNone/>
-            </a:pPr>
-            <a:endParaRPr lang="de-DE" sz="1800" dirty="0" smtClean="0">
-              <a:latin typeface="Courier New" panose="02070309020205020404" pitchFamily="49" charset="0"/>
-              <a:cs typeface="Courier New" panose="02070309020205020404" pitchFamily="49" charset="0"/>
-            </a:endParaRPr>
-          </a:p>
-          <a:p>
-            <a:pPr marL="0" indent="0">
-              <a:buNone/>
-            </a:pPr>
-            <a:endParaRPr lang="de-DE" sz="1800" dirty="0">
-              <a:latin typeface="Courier New" panose="02070309020205020404" pitchFamily="49" charset="0"/>
-              <a:cs typeface="Courier New" panose="02070309020205020404" pitchFamily="49" charset="0"/>
-            </a:endParaRPr>
-          </a:p>
-          <a:p>
-            <a:pPr marL="0" indent="0">
-              <a:buNone/>
-            </a:pPr>
-            <a:endParaRPr lang="de-DE" sz="1800" dirty="0" smtClean="0">
-              <a:latin typeface="Courier New" panose="02070309020205020404" pitchFamily="49" charset="0"/>
-              <a:cs typeface="Courier New" panose="02070309020205020404" pitchFamily="49" charset="0"/>
-            </a:endParaRPr>
-          </a:p>
-          <a:p>
-            <a:pPr marL="0" indent="0">
-              <a:buNone/>
-            </a:pPr>
-            <a:endParaRPr lang="de-DE" sz="1800" dirty="0" smtClean="0">
-              <a:latin typeface="Courier New" panose="02070309020205020404" pitchFamily="49" charset="0"/>
-              <a:cs typeface="Courier New" panose="02070309020205020404" pitchFamily="49" charset="0"/>
-            </a:endParaRPr>
-          </a:p>
-          <a:p>
-            <a:pPr marL="0" indent="0">
-              <a:buNone/>
-            </a:pPr>
-            <a:endParaRPr lang="de-DE" sz="1800" dirty="0">
-              <a:latin typeface="Courier New" panose="02070309020205020404" pitchFamily="49" charset="0"/>
-              <a:cs typeface="Courier New" panose="02070309020205020404" pitchFamily="49" charset="0"/>
-            </a:endParaRPr>
-          </a:p>
-          <a:p>
-            <a:pPr marL="0" indent="0">
-              <a:buNone/>
-            </a:pPr>
-            <a:endParaRPr lang="de-DE" sz="1800" dirty="0" smtClean="0">
-              <a:latin typeface="Courier New" panose="02070309020205020404" pitchFamily="49" charset="0"/>
-              <a:cs typeface="Courier New" panose="02070309020205020404" pitchFamily="49" charset="0"/>
-            </a:endParaRPr>
-          </a:p>
-          <a:p>
-            <a:pPr marL="0" indent="0">
-              <a:buNone/>
-            </a:pPr>
-            <a:r>
-              <a:rPr lang="de-DE" sz="1800" dirty="0" smtClean="0">
-                <a:latin typeface="Courier New" panose="02070309020205020404" pitchFamily="49" charset="0"/>
-                <a:cs typeface="Courier New" panose="02070309020205020404" pitchFamily="49" charset="0"/>
-              </a:rPr>
-              <a:t>                                           }</a:t>
-            </a:r>
-          </a:p>
-          <a:p>
-            <a:pPr marL="0" indent="0">
-              <a:buNone/>
-            </a:pPr>
-            <a:r>
-              <a:rPr lang="de-DE" sz="1800" dirty="0">
-                <a:latin typeface="Courier New" panose="02070309020205020404" pitchFamily="49" charset="0"/>
-                <a:cs typeface="Courier New" panose="02070309020205020404" pitchFamily="49" charset="0"/>
-              </a:rPr>
-              <a:t>}</a:t>
-            </a:r>
+            <a:r>
+              <a:rPr lang="de-DE" dirty="0" smtClean="0"/>
+              <a:t>Aufbau des </a:t>
+            </a:r>
+            <a:r>
+              <a:rPr lang="de-DE" dirty="0" err="1" smtClean="0"/>
+              <a:t>ParseTrees</a:t>
+            </a:r>
+            <a:endParaRPr lang="de-DE" dirty="0"/>
           </a:p>
         </p:txBody>
       </p:sp>
@@ -18702,7 +18398,7 @@
     </p:spTree>
     <p:extLst>
       <p:ext uri="{BB962C8B-B14F-4D97-AF65-F5344CB8AC3E}">
-        <p14:creationId xmlns:p14="http://schemas.microsoft.com/office/powerpoint/2010/main" val="405586558"/>
+        <p14:creationId xmlns:p14="http://schemas.microsoft.com/office/powerpoint/2010/main" val="1873206160"/>
       </p:ext>
     </p:extLst>
   </p:cSld>
@@ -18800,6 +18496,490 @@
             <a:fld id="{4358C9F7-5955-4422-87CA-C4EB28FDAF6D}" type="slidenum">
               <a:rPr lang="de-DE" smtClean="0"/>
               <a:t>31</a:t>
+            </a:fld>
+            <a:endParaRPr lang="de-DE"/>
+          </a:p>
+        </p:txBody>
+      </p:sp>
+      <p:sp>
+        <p:nvSpPr>
+          <p:cNvPr id="5" name="Textplatzhalter 4"/>
+          <p:cNvSpPr>
+            <a:spLocks noGrp="1"/>
+          </p:cNvSpPr>
+          <p:nvPr>
+            <p:ph type="body" sz="quarter" idx="13"/>
+          </p:nvPr>
+        </p:nvSpPr>
+        <p:spPr>
+          <a:xfrm>
+            <a:off x="251521" y="692696"/>
+            <a:ext cx="8784976" cy="5688631"/>
+          </a:xfrm>
+        </p:spPr>
+        <p:txBody>
+          <a:bodyPr tIns="36000" bIns="36000">
+            <a:normAutofit/>
+          </a:bodyPr>
+          <a:lstStyle/>
+          <a:p>
+            <a:pPr marL="0" indent="0">
+              <a:buNone/>
+            </a:pPr>
+            <a:endParaRPr lang="en-US" sz="1800" b="1" dirty="0" smtClean="0">
+              <a:solidFill>
+                <a:srgbClr val="2A00FF"/>
+              </a:solidFill>
+              <a:latin typeface="Courier New" panose="02070309020205020404" pitchFamily="49" charset="0"/>
+              <a:cs typeface="Courier New" panose="02070309020205020404" pitchFamily="49" charset="0"/>
+            </a:endParaRPr>
+          </a:p>
+          <a:p>
+            <a:pPr marL="0" indent="0">
+              <a:buNone/>
+            </a:pPr>
+            <a:endParaRPr lang="en-US" sz="1800" b="1" dirty="0" smtClean="0">
+              <a:solidFill>
+                <a:srgbClr val="2A00FF"/>
+              </a:solidFill>
+              <a:latin typeface="Courier New" panose="02070309020205020404" pitchFamily="49" charset="0"/>
+              <a:cs typeface="Courier New" panose="02070309020205020404" pitchFamily="49" charset="0"/>
+            </a:endParaRPr>
+          </a:p>
+          <a:p>
+            <a:pPr marL="0" indent="0">
+              <a:buNone/>
+            </a:pPr>
+            <a:r>
+              <a:rPr lang="en-US" sz="1800" b="1" dirty="0" smtClean="0">
+                <a:solidFill>
+                  <a:srgbClr val="2A00FF"/>
+                </a:solidFill>
+                <a:latin typeface="Courier New" panose="02070309020205020404" pitchFamily="49" charset="0"/>
+                <a:cs typeface="Courier New" panose="02070309020205020404" pitchFamily="49" charset="0"/>
+              </a:rPr>
+              <a:t>public final class </a:t>
+            </a:r>
+            <a:r>
+              <a:rPr lang="en-US" sz="1800" dirty="0" err="1" smtClean="0">
+                <a:latin typeface="Courier New" panose="02070309020205020404" pitchFamily="49" charset="0"/>
+                <a:cs typeface="Courier New" panose="02070309020205020404" pitchFamily="49" charset="0"/>
+              </a:rPr>
+              <a:t>OperatorScope</a:t>
+            </a:r>
+            <a:r>
+              <a:rPr lang="en-US" sz="1800" b="1" dirty="0" smtClean="0">
+                <a:latin typeface="Courier New" panose="02070309020205020404" pitchFamily="49" charset="0"/>
+                <a:cs typeface="Courier New" panose="02070309020205020404" pitchFamily="49" charset="0"/>
+              </a:rPr>
+              <a:t> </a:t>
+            </a:r>
+            <a:r>
+              <a:rPr lang="en-US" sz="1800" b="1" dirty="0" smtClean="0">
+                <a:solidFill>
+                  <a:srgbClr val="2A00FF"/>
+                </a:solidFill>
+                <a:latin typeface="Courier New" panose="02070309020205020404" pitchFamily="49" charset="0"/>
+                <a:cs typeface="Courier New" panose="02070309020205020404" pitchFamily="49" charset="0"/>
+              </a:rPr>
+              <a:t>implements </a:t>
+            </a:r>
+            <a:r>
+              <a:rPr lang="en-US" sz="1800" dirty="0" smtClean="0">
+                <a:latin typeface="Courier New" panose="02070309020205020404" pitchFamily="49" charset="0"/>
+                <a:cs typeface="Courier New" panose="02070309020205020404" pitchFamily="49" charset="0"/>
+              </a:rPr>
+              <a:t>Operator</a:t>
+            </a:r>
+            <a:r>
+              <a:rPr lang="en-US" sz="1800" b="1" dirty="0" smtClean="0">
+                <a:latin typeface="Courier New" panose="02070309020205020404" pitchFamily="49" charset="0"/>
+                <a:cs typeface="Courier New" panose="02070309020205020404" pitchFamily="49" charset="0"/>
+              </a:rPr>
+              <a:t> </a:t>
+            </a:r>
+            <a:r>
+              <a:rPr lang="en-US" sz="1800" dirty="0" smtClean="0">
+                <a:latin typeface="Courier New" panose="02070309020205020404" pitchFamily="49" charset="0"/>
+                <a:cs typeface="Courier New" panose="02070309020205020404" pitchFamily="49" charset="0"/>
+              </a:rPr>
+              <a:t>{</a:t>
+            </a:r>
+          </a:p>
+          <a:p>
+            <a:pPr marL="0" indent="0">
+              <a:buNone/>
+            </a:pPr>
+            <a:r>
+              <a:rPr lang="en-US" sz="1800" b="1" dirty="0" smtClean="0">
+                <a:solidFill>
+                  <a:srgbClr val="2A00FF"/>
+                </a:solidFill>
+                <a:latin typeface="Courier New" panose="02070309020205020404" pitchFamily="49" charset="0"/>
+                <a:cs typeface="Courier New" panose="02070309020205020404" pitchFamily="49" charset="0"/>
+              </a:rPr>
+              <a:t>    </a:t>
+            </a:r>
+          </a:p>
+          <a:p>
+            <a:pPr marL="0" indent="0">
+              <a:buNone/>
+            </a:pPr>
+            <a:endParaRPr lang="de-DE" sz="1800" b="1" dirty="0">
+              <a:solidFill>
+                <a:srgbClr val="2A00FF"/>
+              </a:solidFill>
+              <a:latin typeface="Courier New" panose="02070309020205020404" pitchFamily="49" charset="0"/>
+              <a:cs typeface="Courier New" panose="02070309020205020404" pitchFamily="49" charset="0"/>
+            </a:endParaRPr>
+          </a:p>
+          <a:p>
+            <a:pPr marL="0" indent="0">
+              <a:buNone/>
+            </a:pPr>
+            <a:r>
+              <a:rPr lang="de-DE" sz="1800" b="1" dirty="0" smtClean="0">
+                <a:solidFill>
+                  <a:srgbClr val="2A00FF"/>
+                </a:solidFill>
+                <a:latin typeface="Courier New" panose="02070309020205020404" pitchFamily="49" charset="0"/>
+                <a:cs typeface="Courier New" panose="02070309020205020404" pitchFamily="49" charset="0"/>
+              </a:rPr>
+              <a:t>    </a:t>
+            </a:r>
+            <a:r>
+              <a:rPr lang="de-DE" sz="1800" b="1" dirty="0" err="1" smtClean="0">
+                <a:solidFill>
+                  <a:srgbClr val="2A00FF"/>
+                </a:solidFill>
+                <a:latin typeface="Courier New" panose="02070309020205020404" pitchFamily="49" charset="0"/>
+                <a:cs typeface="Courier New" panose="02070309020205020404" pitchFamily="49" charset="0"/>
+              </a:rPr>
+              <a:t>public</a:t>
+            </a:r>
+            <a:r>
+              <a:rPr lang="de-DE" sz="1800" dirty="0" smtClean="0">
+                <a:solidFill>
+                  <a:srgbClr val="2A00FF"/>
+                </a:solidFill>
+                <a:latin typeface="Courier New" panose="02070309020205020404" pitchFamily="49" charset="0"/>
+                <a:cs typeface="Courier New" panose="02070309020205020404" pitchFamily="49" charset="0"/>
+              </a:rPr>
+              <a:t> </a:t>
+            </a:r>
+            <a:r>
+              <a:rPr lang="de-DE" sz="1800" dirty="0" err="1" smtClean="0">
+                <a:latin typeface="Courier New" panose="02070309020205020404" pitchFamily="49" charset="0"/>
+                <a:cs typeface="Courier New" panose="02070309020205020404" pitchFamily="49" charset="0"/>
+              </a:rPr>
+              <a:t>ParseTree</a:t>
+            </a:r>
+            <a:r>
+              <a:rPr lang="de-DE" sz="1800" dirty="0" smtClean="0">
+                <a:latin typeface="Courier New" panose="02070309020205020404" pitchFamily="49" charset="0"/>
+                <a:cs typeface="Courier New" panose="02070309020205020404" pitchFamily="49" charset="0"/>
+              </a:rPr>
+              <a:t> end() {</a:t>
+            </a:r>
+          </a:p>
+          <a:p>
+            <a:pPr marL="0" indent="0">
+              <a:buNone/>
+            </a:pPr>
+            <a:r>
+              <a:rPr lang="de-DE" sz="1800" dirty="0" smtClean="0">
+                <a:latin typeface="Courier New" panose="02070309020205020404" pitchFamily="49" charset="0"/>
+                <a:cs typeface="Courier New" panose="02070309020205020404" pitchFamily="49" charset="0"/>
+              </a:rPr>
+              <a:t>        </a:t>
+            </a:r>
+            <a:r>
+              <a:rPr lang="de-DE" sz="1800" dirty="0" err="1" smtClean="0">
+                <a:latin typeface="Courier New" panose="02070309020205020404" pitchFamily="49" charset="0"/>
+                <a:cs typeface="Courier New" panose="02070309020205020404" pitchFamily="49" charset="0"/>
+              </a:rPr>
+              <a:t>AMethodNode</a:t>
+            </a:r>
+            <a:r>
+              <a:rPr lang="de-DE" sz="1800" dirty="0" smtClean="0">
+                <a:latin typeface="Courier New" panose="02070309020205020404" pitchFamily="49" charset="0"/>
+                <a:cs typeface="Courier New" panose="02070309020205020404" pitchFamily="49" charset="0"/>
+              </a:rPr>
+              <a:t> m = </a:t>
+            </a:r>
+            <a:r>
+              <a:rPr lang="de-DE" sz="1800" b="1" dirty="0" err="1" smtClean="0">
+                <a:solidFill>
+                  <a:srgbClr val="2A00FF"/>
+                </a:solidFill>
+                <a:latin typeface="Courier New" panose="02070309020205020404" pitchFamily="49" charset="0"/>
+                <a:cs typeface="Courier New" panose="02070309020205020404" pitchFamily="49" charset="0"/>
+              </a:rPr>
+              <a:t>new</a:t>
+            </a:r>
+            <a:r>
+              <a:rPr lang="de-DE" sz="1800" dirty="0" smtClean="0">
+                <a:solidFill>
+                  <a:srgbClr val="2A00FF"/>
+                </a:solidFill>
+                <a:latin typeface="Courier New" panose="02070309020205020404" pitchFamily="49" charset="0"/>
+                <a:cs typeface="Courier New" panose="02070309020205020404" pitchFamily="49" charset="0"/>
+              </a:rPr>
+              <a:t> </a:t>
+            </a:r>
+            <a:r>
+              <a:rPr lang="de-DE" sz="1800" dirty="0" err="1" smtClean="0">
+                <a:latin typeface="Courier New" panose="02070309020205020404" pitchFamily="49" charset="0"/>
+                <a:cs typeface="Courier New" panose="02070309020205020404" pitchFamily="49" charset="0"/>
+              </a:rPr>
+              <a:t>MethodNodeEnd</a:t>
+            </a:r>
+            <a:r>
+              <a:rPr lang="de-DE" sz="1800" dirty="0" smtClean="0">
+                <a:latin typeface="Courier New" panose="02070309020205020404" pitchFamily="49" charset="0"/>
+                <a:cs typeface="Courier New" panose="02070309020205020404" pitchFamily="49" charset="0"/>
+              </a:rPr>
+              <a:t>();</a:t>
+            </a:r>
+          </a:p>
+          <a:p>
+            <a:pPr marL="0" indent="0">
+              <a:buNone/>
+            </a:pPr>
+            <a:r>
+              <a:rPr lang="de-DE" sz="1800" dirty="0">
+                <a:latin typeface="Courier New" panose="02070309020205020404" pitchFamily="49" charset="0"/>
+                <a:cs typeface="Courier New" panose="02070309020205020404" pitchFamily="49" charset="0"/>
+              </a:rPr>
+              <a:t> </a:t>
+            </a:r>
+            <a:r>
+              <a:rPr lang="de-DE" sz="1800" dirty="0" smtClean="0">
+                <a:latin typeface="Courier New" panose="02070309020205020404" pitchFamily="49" charset="0"/>
+                <a:cs typeface="Courier New" panose="02070309020205020404" pitchFamily="49" charset="0"/>
+              </a:rPr>
+              <a:t>       </a:t>
+            </a:r>
+          </a:p>
+          <a:p>
+            <a:pPr marL="0" indent="0">
+              <a:buNone/>
+            </a:pPr>
+            <a:endParaRPr lang="de-DE" sz="1800" dirty="0">
+              <a:latin typeface="Courier New" panose="02070309020205020404" pitchFamily="49" charset="0"/>
+              <a:cs typeface="Courier New" panose="02070309020205020404" pitchFamily="49" charset="0"/>
+            </a:endParaRPr>
+          </a:p>
+          <a:p>
+            <a:pPr marL="0" indent="0">
+              <a:buNone/>
+            </a:pPr>
+            <a:endParaRPr lang="de-DE" sz="1800" dirty="0" smtClean="0">
+              <a:latin typeface="Courier New" panose="02070309020205020404" pitchFamily="49" charset="0"/>
+              <a:cs typeface="Courier New" panose="02070309020205020404" pitchFamily="49" charset="0"/>
+            </a:endParaRPr>
+          </a:p>
+          <a:p>
+            <a:pPr marL="0" indent="0">
+              <a:buNone/>
+            </a:pPr>
+            <a:endParaRPr lang="de-DE" sz="1800" dirty="0">
+              <a:latin typeface="Courier New" panose="02070309020205020404" pitchFamily="49" charset="0"/>
+              <a:cs typeface="Courier New" panose="02070309020205020404" pitchFamily="49" charset="0"/>
+            </a:endParaRPr>
+          </a:p>
+          <a:p>
+            <a:pPr marL="0" indent="0">
+              <a:buNone/>
+            </a:pPr>
+            <a:endParaRPr lang="de-DE" sz="1800" dirty="0" smtClean="0">
+              <a:latin typeface="Courier New" panose="02070309020205020404" pitchFamily="49" charset="0"/>
+              <a:cs typeface="Courier New" panose="02070309020205020404" pitchFamily="49" charset="0"/>
+            </a:endParaRPr>
+          </a:p>
+          <a:p>
+            <a:pPr marL="0" indent="0">
+              <a:buNone/>
+            </a:pPr>
+            <a:endParaRPr lang="de-DE" sz="1800" dirty="0" smtClean="0">
+              <a:latin typeface="Courier New" panose="02070309020205020404" pitchFamily="49" charset="0"/>
+              <a:cs typeface="Courier New" panose="02070309020205020404" pitchFamily="49" charset="0"/>
+            </a:endParaRPr>
+          </a:p>
+          <a:p>
+            <a:pPr marL="0" indent="0">
+              <a:buNone/>
+            </a:pPr>
+            <a:endParaRPr lang="de-DE" sz="1800" dirty="0">
+              <a:latin typeface="Courier New" panose="02070309020205020404" pitchFamily="49" charset="0"/>
+              <a:cs typeface="Courier New" panose="02070309020205020404" pitchFamily="49" charset="0"/>
+            </a:endParaRPr>
+          </a:p>
+          <a:p>
+            <a:pPr marL="0" indent="0">
+              <a:buNone/>
+            </a:pPr>
+            <a:endParaRPr lang="de-DE" sz="1800" dirty="0" smtClean="0">
+              <a:latin typeface="Courier New" panose="02070309020205020404" pitchFamily="49" charset="0"/>
+              <a:cs typeface="Courier New" panose="02070309020205020404" pitchFamily="49" charset="0"/>
+            </a:endParaRPr>
+          </a:p>
+          <a:p>
+            <a:pPr marL="0" indent="0">
+              <a:buNone/>
+            </a:pPr>
+            <a:r>
+              <a:rPr lang="de-DE" sz="1800" dirty="0" smtClean="0">
+                <a:latin typeface="Courier New" panose="02070309020205020404" pitchFamily="49" charset="0"/>
+                <a:cs typeface="Courier New" panose="02070309020205020404" pitchFamily="49" charset="0"/>
+              </a:rPr>
+              <a:t>                                           }</a:t>
+            </a:r>
+          </a:p>
+          <a:p>
+            <a:pPr marL="0" indent="0">
+              <a:buNone/>
+            </a:pPr>
+            <a:r>
+              <a:rPr lang="de-DE" sz="1800" dirty="0">
+                <a:latin typeface="Courier New" panose="02070309020205020404" pitchFamily="49" charset="0"/>
+                <a:cs typeface="Courier New" panose="02070309020205020404" pitchFamily="49" charset="0"/>
+              </a:rPr>
+              <a:t>}</a:t>
+            </a:r>
+          </a:p>
+        </p:txBody>
+      </p:sp>
+      <p:sp>
+        <p:nvSpPr>
+          <p:cNvPr id="6" name="Textplatzhalter 5"/>
+          <p:cNvSpPr>
+            <a:spLocks noGrp="1"/>
+          </p:cNvSpPr>
+          <p:nvPr>
+            <p:ph type="body" sz="quarter" idx="14"/>
+          </p:nvPr>
+        </p:nvSpPr>
+        <p:spPr/>
+        <p:txBody>
+          <a:bodyPr>
+            <a:normAutofit lnSpcReduction="10000"/>
+          </a:bodyPr>
+          <a:lstStyle/>
+          <a:p>
+            <a:r>
+              <a:rPr lang="de-DE" dirty="0" smtClean="0"/>
+              <a:t>2. Implementierungstechniken – </a:t>
+            </a:r>
+            <a:r>
+              <a:rPr lang="de-DE" dirty="0" err="1" smtClean="0"/>
+              <a:t>ParseTree</a:t>
+            </a:r>
+            <a:endParaRPr lang="de-DE" dirty="0" smtClean="0"/>
+          </a:p>
+        </p:txBody>
+      </p:sp>
+    </p:spTree>
+    <p:extLst>
+      <p:ext uri="{BB962C8B-B14F-4D97-AF65-F5344CB8AC3E}">
+        <p14:creationId xmlns:p14="http://schemas.microsoft.com/office/powerpoint/2010/main" val="405586558"/>
+      </p:ext>
+    </p:extLst>
+  </p:cSld>
+  <p:clrMapOvr>
+    <a:masterClrMapping/>
+  </p:clrMapOvr>
+  <p:timing>
+    <p:tnLst>
+      <p:par>
+        <p:cTn id="1" dur="indefinite" restart="never" nodeType="tmRoot"/>
+      </p:par>
+    </p:tnLst>
+  </p:timing>
+</p:sld>
+</file>
+
+<file path=ppt/slides/slide32.xml><?xml version="1.0" encoding="utf-8"?>
+<p:sld xmlns:a="http://schemas.openxmlformats.org/drawingml/2006/main" xmlns:r="http://schemas.openxmlformats.org/officeDocument/2006/relationships" xmlns:p="http://schemas.openxmlformats.org/presentationml/2006/main">
+  <p:cSld>
+    <p:spTree>
+      <p:nvGrpSpPr>
+        <p:cNvPr id="1" name=""/>
+        <p:cNvGrpSpPr/>
+        <p:nvPr/>
+      </p:nvGrpSpPr>
+      <p:grpSpPr>
+        <a:xfrm>
+          <a:off x="0" y="0"/>
+          <a:ext cx="0" cy="0"/>
+          <a:chOff x="0" y="0"/>
+          <a:chExt cx="0" cy="0"/>
+        </a:xfrm>
+      </p:grpSpPr>
+      <p:sp>
+        <p:nvSpPr>
+          <p:cNvPr id="2" name="Datumsplatzhalter 1"/>
+          <p:cNvSpPr>
+            <a:spLocks noGrp="1"/>
+          </p:cNvSpPr>
+          <p:nvPr>
+            <p:ph type="dt" sz="half" idx="10"/>
+          </p:nvPr>
+        </p:nvSpPr>
+        <p:spPr/>
+        <p:txBody>
+          <a:bodyPr/>
+          <a:lstStyle/>
+          <a:p>
+            <a:r>
+              <a:rPr lang="de-DE" smtClean="0"/>
+              <a:t>31.05.2016</a:t>
+            </a:r>
+            <a:endParaRPr lang="de-DE"/>
+          </a:p>
+        </p:txBody>
+      </p:sp>
+      <p:sp>
+        <p:nvSpPr>
+          <p:cNvPr id="3" name="Fußzeilenplatzhalter 2"/>
+          <p:cNvSpPr>
+            <a:spLocks noGrp="1"/>
+          </p:cNvSpPr>
+          <p:nvPr>
+            <p:ph type="ftr" sz="quarter" idx="11"/>
+          </p:nvPr>
+        </p:nvSpPr>
+        <p:spPr/>
+        <p:txBody>
+          <a:bodyPr/>
+          <a:lstStyle/>
+          <a:p>
+            <a:r>
+              <a:rPr lang="de-DE" smtClean="0"/>
+              <a:t>Daniel Fritz, HTWG Konstanz</a:t>
+            </a:r>
+            <a:endParaRPr lang="de-DE"/>
+          </a:p>
+        </p:txBody>
+      </p:sp>
+      <p:sp>
+        <p:nvSpPr>
+          <p:cNvPr id="4" name="Foliennummernplatzhalter 3"/>
+          <p:cNvSpPr>
+            <a:spLocks noGrp="1"/>
+          </p:cNvSpPr>
+          <p:nvPr>
+            <p:ph type="sldNum" sz="quarter" idx="12"/>
+          </p:nvPr>
+        </p:nvSpPr>
+        <p:spPr/>
+        <p:txBody>
+          <a:bodyPr/>
+          <a:lstStyle/>
+          <a:p>
+            <a:fld id="{4358C9F7-5955-4422-87CA-C4EB28FDAF6D}" type="slidenum">
+              <a:rPr lang="de-DE" smtClean="0"/>
+              <a:t>32</a:t>
             </a:fld>
             <a:endParaRPr lang="de-DE"/>
           </a:p>
@@ -19356,7 +19536,7 @@
 </p:sld>
 </file>
 
-<file path=ppt/slides/slide32.xml><?xml version="1.0" encoding="utf-8"?>
+<file path=ppt/slides/slide33.xml><?xml version="1.0" encoding="utf-8"?>
 <p:sld xmlns:a="http://schemas.openxmlformats.org/drawingml/2006/main" xmlns:r="http://schemas.openxmlformats.org/officeDocument/2006/relationships" xmlns:p="http://schemas.openxmlformats.org/presentationml/2006/main">
   <p:cSld>
     <p:spTree>
@@ -19436,7 +19616,7 @@
           <a:p>
             <a:fld id="{4358C9F7-5955-4422-87CA-C4EB28FDAF6D}" type="slidenum">
               <a:rPr lang="de-DE" smtClean="0"/>
-              <a:t>32</a:t>
+              <a:t>33</a:t>
             </a:fld>
             <a:endParaRPr lang="de-DE"/>
           </a:p>
@@ -20025,7 +20205,7 @@
 </p:sld>
 </file>
 
-<file path=ppt/slides/slide33.xml><?xml version="1.0" encoding="utf-8"?>
+<file path=ppt/slides/slide34.xml><?xml version="1.0" encoding="utf-8"?>
 <p:sld xmlns:a="http://schemas.openxmlformats.org/drawingml/2006/main" xmlns:r="http://schemas.openxmlformats.org/officeDocument/2006/relationships" xmlns:p="http://schemas.openxmlformats.org/presentationml/2006/main">
   <p:cSld>
     <p:spTree>
@@ -20105,7 +20285,7 @@
           <a:p>
             <a:fld id="{4358C9F7-5955-4422-87CA-C4EB28FDAF6D}" type="slidenum">
               <a:rPr lang="de-DE" smtClean="0"/>
-              <a:t>33</a:t>
+              <a:t>34</a:t>
             </a:fld>
             <a:endParaRPr lang="de-DE"/>
           </a:p>
@@ -20837,7 +21017,7 @@
 </p:sld>
 </file>
 
-<file path=ppt/slides/slide34.xml><?xml version="1.0" encoding="utf-8"?>
+<file path=ppt/slides/slide35.xml><?xml version="1.0" encoding="utf-8"?>
 <p:sld xmlns:a="http://schemas.openxmlformats.org/drawingml/2006/main" xmlns:r="http://schemas.openxmlformats.org/officeDocument/2006/relationships" xmlns:p="http://schemas.openxmlformats.org/presentationml/2006/main">
   <p:cSld>
     <p:spTree>
@@ -20917,7 +21097,7 @@
           <a:p>
             <a:fld id="{4358C9F7-5955-4422-87CA-C4EB28FDAF6D}" type="slidenum">
               <a:rPr lang="de-DE" smtClean="0"/>
-              <a:t>34</a:t>
+              <a:t>35</a:t>
             </a:fld>
             <a:endParaRPr lang="de-DE"/>
           </a:p>
@@ -21762,7 +21942,7 @@
 </p:sld>
 </file>
 
-<file path=ppt/slides/slide35.xml><?xml version="1.0" encoding="utf-8"?>
+<file path=ppt/slides/slide36.xml><?xml version="1.0" encoding="utf-8"?>
 <p:sld xmlns:a="http://schemas.openxmlformats.org/drawingml/2006/main" xmlns:r="http://schemas.openxmlformats.org/officeDocument/2006/relationships" xmlns:p="http://schemas.openxmlformats.org/presentationml/2006/main">
   <p:cSld>
     <p:spTree>
@@ -21842,7 +22022,7 @@
           <a:p>
             <a:fld id="{4358C9F7-5955-4422-87CA-C4EB28FDAF6D}" type="slidenum">
               <a:rPr lang="de-DE" smtClean="0"/>
-              <a:t>35</a:t>
+              <a:t>36</a:t>
             </a:fld>
             <a:endParaRPr lang="de-DE"/>
           </a:p>
@@ -22654,7 +22834,7 @@
 </p:sld>
 </file>
 
-<file path=ppt/slides/slide36.xml><?xml version="1.0" encoding="utf-8"?>
+<file path=ppt/slides/slide37.xml><?xml version="1.0" encoding="utf-8"?>
 <p:sld xmlns:a="http://schemas.openxmlformats.org/drawingml/2006/main" xmlns:r="http://schemas.openxmlformats.org/officeDocument/2006/relationships" xmlns:p="http://schemas.openxmlformats.org/presentationml/2006/main">
   <p:cSld>
     <p:spTree>
@@ -22734,7 +22914,7 @@
           <a:p>
             <a:fld id="{4358C9F7-5955-4422-87CA-C4EB28FDAF6D}" type="slidenum">
               <a:rPr lang="de-DE" smtClean="0"/>
-              <a:t>36</a:t>
+              <a:t>37</a:t>
             </a:fld>
             <a:endParaRPr lang="de-DE"/>
           </a:p>
@@ -22945,11 +23125,7 @@
           <a:p>
             <a:r>
               <a:rPr lang="de-DE" dirty="0" smtClean="0"/>
-              <a:t>Interne </a:t>
-            </a:r>
-            <a:r>
-              <a:rPr lang="de-DE" dirty="0" smtClean="0"/>
-              <a:t>DSL:</a:t>
+              <a:t>Interne DSL:</a:t>
             </a:r>
           </a:p>
           <a:p>
@@ -23051,7 +23227,6 @@
               <a:rPr lang="de-DE" dirty="0" smtClean="0"/>
               <a:t> Werkzeuge können generiert werden</a:t>
             </a:r>
-            <a:endParaRPr lang="de-DE" dirty="0" smtClean="0"/>
           </a:p>
           <a:p>
             <a:pPr lvl="2"/>
@@ -23765,8 +23940,13 @@
             <a:pPr lvl="2"/>
             <a:r>
               <a:rPr lang="de-DE" dirty="0" smtClean="0"/>
-              <a:t>Aneinanderreihen von Methoden</a:t>
-            </a:r>
+              <a:t>Aneinanderreihen von </a:t>
+            </a:r>
+            <a:r>
+              <a:rPr lang="de-DE" dirty="0" smtClean="0"/>
+              <a:t>Methodenaufrufen</a:t>
+            </a:r>
+            <a:endParaRPr lang="de-DE" dirty="0" smtClean="0"/>
           </a:p>
           <a:p>
             <a:pPr lvl="2"/>
@@ -24753,7 +24933,7 @@
       </p:par>
     </p:tnLst>
     <p:bldLst>
-      <p:bldP spid="3" grpId="0" build="p" bldLvl="2"/>
+      <p:bldP spid="3" grpId="0" uiExpand="1" build="p" bldLvl="2"/>
     </p:bldLst>
   </p:timing>
 </p:sld>
@@ -24794,7 +24974,7 @@
             <a:pPr algn="l"/>
             <a:r>
               <a:rPr lang="de-DE" dirty="0" smtClean="0"/>
-              <a:t>Implementierungstechniken</a:t>
+              <a:t>2. Implementierungstechniken</a:t>
             </a:r>
             <a:endParaRPr lang="de-DE" dirty="0"/>
           </a:p>

--- a/ppt/MA_neu.pptx
+++ b/ppt/MA_neu.pptx
@@ -769,15 +769,7 @@
             </a:r>
             <a:r>
               <a:rPr lang="de-DE" baseline="0" dirty="0" smtClean="0"/>
-              <a:t> für </a:t>
-            </a:r>
-            <a:r>
-              <a:rPr lang="de-DE" baseline="0" dirty="0" smtClean="0"/>
-              <a:t>vollständige Unabhängigkeit </a:t>
-            </a:r>
-            <a:r>
-              <a:rPr lang="de-DE" baseline="0" dirty="0" smtClean="0"/>
-              <a:t>von Sprache und Implementierung</a:t>
+              <a:t> für vollständige Unabhängigkeit von Sprache und Implementierung</a:t>
             </a:r>
             <a:endParaRPr lang="de-DE" dirty="0"/>
           </a:p>
@@ -4276,7 +4268,6 @@
               <a:rPr lang="de-DE" dirty="0"/>
               <a:t>3. Implementierungstechniken – Definition der Sprache</a:t>
             </a:r>
-            <a:endParaRPr lang="de-DE" dirty="0"/>
           </a:p>
         </p:txBody>
       </p:sp>
@@ -4431,13 +4422,6 @@
               </a:rPr>
               <a:t>}</a:t>
             </a:r>
-            <a:endParaRPr lang="de-DE" dirty="0" smtClean="0">
-              <a:solidFill>
-                <a:srgbClr val="FF0000"/>
-              </a:solidFill>
-              <a:latin typeface="Courier New" panose="02070309020205020404" pitchFamily="49" charset="0"/>
-              <a:cs typeface="Courier New" panose="02070309020205020404" pitchFamily="49" charset="0"/>
-            </a:endParaRPr>
           </a:p>
         </p:txBody>
       </p:sp>
@@ -4501,25 +4485,8 @@
                 <a:latin typeface="Courier New" panose="02070309020205020404" pitchFamily="49" charset="0"/>
                 <a:cs typeface="Courier New" panose="02070309020205020404" pitchFamily="49" charset="0"/>
               </a:rPr>
-              <a:t>Interface </a:t>
-            </a:r>
-            <a:r>
-              <a:rPr lang="de-DE" dirty="0" smtClean="0">
-                <a:solidFill>
-                  <a:srgbClr val="FF0000"/>
-                </a:solidFill>
-                <a:latin typeface="Courier New" panose="02070309020205020404" pitchFamily="49" charset="0"/>
-                <a:cs typeface="Courier New" panose="02070309020205020404" pitchFamily="49" charset="0"/>
-              </a:rPr>
-              <a:t>Start {</a:t>
-            </a:r>
-            <a:endParaRPr lang="de-DE" dirty="0" smtClean="0">
-              <a:solidFill>
-                <a:srgbClr val="FF0000"/>
-              </a:solidFill>
-              <a:latin typeface="Courier New" panose="02070309020205020404" pitchFamily="49" charset="0"/>
-              <a:cs typeface="Courier New" panose="02070309020205020404" pitchFamily="49" charset="0"/>
-            </a:endParaRPr>
+              <a:t>Interface Start {</a:t>
+            </a:r>
           </a:p>
           <a:p>
             <a:pPr lvl="1"/>
@@ -4917,7 +4884,6 @@
               <a:rPr lang="de-DE" dirty="0"/>
               <a:t>3. Implementierungstechniken – Definition der Sprache</a:t>
             </a:r>
-            <a:endParaRPr lang="de-DE" dirty="0"/>
           </a:p>
         </p:txBody>
       </p:sp>
@@ -5038,19 +5004,8 @@
                 <a:latin typeface="Courier New" panose="02070309020205020404" pitchFamily="49" charset="0"/>
                 <a:cs typeface="Courier New" panose="02070309020205020404" pitchFamily="49" charset="0"/>
               </a:rPr>
-              <a:t>Interface </a:t>
-            </a:r>
-            <a:r>
-              <a:rPr lang="de-DE" dirty="0" smtClean="0">
-                <a:latin typeface="Courier New" panose="02070309020205020404" pitchFamily="49" charset="0"/>
-                <a:cs typeface="Courier New" panose="02070309020205020404" pitchFamily="49" charset="0"/>
-              </a:rPr>
-              <a:t>Start {</a:t>
-            </a:r>
-            <a:endParaRPr lang="de-DE" dirty="0" smtClean="0">
-              <a:latin typeface="Courier New" panose="02070309020205020404" pitchFamily="49" charset="0"/>
-              <a:cs typeface="Courier New" panose="02070309020205020404" pitchFamily="49" charset="0"/>
-            </a:endParaRPr>
+              <a:t>Interface Start {</a:t>
+            </a:r>
           </a:p>
           <a:p>
             <a:pPr lvl="1"/>
@@ -5644,7 +5599,6 @@
               <a:rPr lang="de-DE" dirty="0"/>
               <a:t>3. Implementierungstechniken – Definition der Sprache</a:t>
             </a:r>
-            <a:endParaRPr lang="de-DE" dirty="0"/>
           </a:p>
         </p:txBody>
       </p:sp>
@@ -5765,19 +5719,8 @@
                 <a:latin typeface="Courier New" panose="02070309020205020404" pitchFamily="49" charset="0"/>
                 <a:cs typeface="Courier New" panose="02070309020205020404" pitchFamily="49" charset="0"/>
               </a:rPr>
-              <a:t>Interface </a:t>
-            </a:r>
-            <a:r>
-              <a:rPr lang="de-DE" dirty="0" smtClean="0">
-                <a:latin typeface="Courier New" panose="02070309020205020404" pitchFamily="49" charset="0"/>
-                <a:cs typeface="Courier New" panose="02070309020205020404" pitchFamily="49" charset="0"/>
-              </a:rPr>
-              <a:t>Start {</a:t>
-            </a:r>
-            <a:endParaRPr lang="de-DE" dirty="0" smtClean="0">
-              <a:latin typeface="Courier New" panose="02070309020205020404" pitchFamily="49" charset="0"/>
-              <a:cs typeface="Courier New" panose="02070309020205020404" pitchFamily="49" charset="0"/>
-            </a:endParaRPr>
+              <a:t>Interface Start {</a:t>
+            </a:r>
           </a:p>
           <a:p>
             <a:pPr lvl="1"/>
@@ -6510,7 +6453,6 @@
               <a:rPr lang="de-DE" dirty="0"/>
               <a:t>3. Implementierungstechniken – Definition der Sprache</a:t>
             </a:r>
-            <a:endParaRPr lang="de-DE" dirty="0"/>
           </a:p>
         </p:txBody>
       </p:sp>
@@ -6631,19 +6573,8 @@
                 <a:latin typeface="Courier New" panose="02070309020205020404" pitchFamily="49" charset="0"/>
                 <a:cs typeface="Courier New" panose="02070309020205020404" pitchFamily="49" charset="0"/>
               </a:rPr>
-              <a:t>Interface </a:t>
-            </a:r>
-            <a:r>
-              <a:rPr lang="de-DE" dirty="0" smtClean="0">
-                <a:latin typeface="Courier New" panose="02070309020205020404" pitchFamily="49" charset="0"/>
-                <a:cs typeface="Courier New" panose="02070309020205020404" pitchFamily="49" charset="0"/>
-              </a:rPr>
-              <a:t>Start {</a:t>
-            </a:r>
-            <a:endParaRPr lang="de-DE" dirty="0" smtClean="0">
-              <a:latin typeface="Courier New" panose="02070309020205020404" pitchFamily="49" charset="0"/>
-              <a:cs typeface="Courier New" panose="02070309020205020404" pitchFamily="49" charset="0"/>
-            </a:endParaRPr>
+              <a:t>Interface Start {</a:t>
+            </a:r>
           </a:p>
           <a:p>
             <a:pPr lvl="1"/>
@@ -7309,7 +7240,6 @@
               <a:rPr lang="de-DE" dirty="0"/>
               <a:t>3. Implementierungstechniken – Definition der Sprache</a:t>
             </a:r>
-            <a:endParaRPr lang="de-DE" dirty="0"/>
           </a:p>
         </p:txBody>
       </p:sp>
@@ -7457,34 +7387,17 @@
                 <a:latin typeface="Courier New" panose="02070309020205020404" pitchFamily="49" charset="0"/>
                 <a:cs typeface="Courier New" panose="02070309020205020404" pitchFamily="49" charset="0"/>
               </a:rPr>
-              <a:t>Interface </a:t>
+              <a:t>Interface Start</a:t>
             </a:r>
             <a:r>
               <a:rPr lang="de-DE" dirty="0" smtClean="0">
-                <a:latin typeface="Courier New" panose="02070309020205020404" pitchFamily="49" charset="0"/>
-                <a:cs typeface="Courier New" panose="02070309020205020404" pitchFamily="49" charset="0"/>
-              </a:rPr>
-              <a:t>Start</a:t>
-            </a:r>
-            <a:r>
-              <a:rPr lang="de-DE" dirty="0" smtClean="0">
                 <a:solidFill>
                   <a:srgbClr val="FF0000"/>
                 </a:solidFill>
                 <a:latin typeface="Courier New" panose="02070309020205020404" pitchFamily="49" charset="0"/>
                 <a:cs typeface="Courier New" panose="02070309020205020404" pitchFamily="49" charset="0"/>
               </a:rPr>
-              <a:t>&lt;T</a:t>
-            </a:r>
-            <a:r>
-              <a:rPr lang="de-DE" dirty="0" smtClean="0">
-                <a:solidFill>
-                  <a:srgbClr val="FF0000"/>
-                </a:solidFill>
-                <a:latin typeface="Courier New" panose="02070309020205020404" pitchFamily="49" charset="0"/>
-                <a:cs typeface="Courier New" panose="02070309020205020404" pitchFamily="49" charset="0"/>
-              </a:rPr>
-              <a:t>&gt;</a:t>
+              <a:t>&lt;T&gt;</a:t>
             </a:r>
             <a:r>
               <a:rPr lang="de-DE" dirty="0" smtClean="0">
@@ -8043,11 +7956,7 @@
             </a:r>
             <a:r>
               <a:rPr lang="de-DE" dirty="0" smtClean="0"/>
-              <a:t> / </a:t>
-            </a:r>
-            <a:r>
-              <a:rPr lang="de-DE" dirty="0" smtClean="0"/>
-              <a:t>Syntax-Baum</a:t>
+              <a:t> / Syntax-Baum</a:t>
             </a:r>
           </a:p>
           <a:p>
@@ -8081,10 +7990,6 @@
               </a:rPr>
               <a:t>            x = 0;</a:t>
             </a:r>
-            <a:endParaRPr lang="de-DE" dirty="0" smtClean="0">
-              <a:latin typeface="Courier New" panose="02070309020205020404" pitchFamily="49" charset="0"/>
-              <a:cs typeface="Courier New" panose="02070309020205020404" pitchFamily="49" charset="0"/>
-            </a:endParaRPr>
           </a:p>
           <a:p>
             <a:endParaRPr lang="de-DE" dirty="0"/>
@@ -8110,7 +8015,15 @@
           <a:p>
             <a:r>
               <a:rPr lang="de-DE" dirty="0" smtClean="0"/>
-              <a:t>2. Implementierungstechniken</a:t>
+              <a:t>3.</a:t>
+            </a:r>
+            <a:r>
+              <a:rPr lang="de-DE" dirty="0" smtClean="0"/>
+              <a:t> </a:t>
+            </a:r>
+            <a:r>
+              <a:rPr lang="de-DE" dirty="0" smtClean="0"/>
+              <a:t>Implementierungstechniken</a:t>
             </a:r>
             <a:endParaRPr lang="de-DE" dirty="0"/>
           </a:p>
@@ -9532,11 +9445,7 @@
             </a:r>
             <a:r>
               <a:rPr lang="de-DE" dirty="0" smtClean="0"/>
-              <a:t>. </a:t>
-            </a:r>
-            <a:r>
-              <a:rPr lang="de-DE" dirty="0" smtClean="0"/>
-              <a:t>Implementierungstechniken – </a:t>
+              <a:t>. Implementierungstechniken – </a:t>
             </a:r>
             <a:r>
               <a:rPr lang="de-DE" dirty="0" err="1" smtClean="0"/>
@@ -9689,7 +9598,6 @@
               <a:rPr lang="de-DE" dirty="0"/>
               <a:t> und Scopes</a:t>
             </a:r>
-            <a:endParaRPr lang="de-DE" dirty="0"/>
           </a:p>
         </p:txBody>
       </p:sp>
@@ -9820,28 +9728,7 @@
                 <a:latin typeface="Courier New" panose="02070309020205020404" pitchFamily="49" charset="0"/>
                 <a:cs typeface="Courier New" panose="02070309020205020404" pitchFamily="49" charset="0"/>
               </a:rPr>
-              <a:t>Interface </a:t>
-            </a:r>
-            <a:r>
-              <a:rPr lang="de-DE" dirty="0" smtClean="0">
-                <a:latin typeface="Courier New" panose="02070309020205020404" pitchFamily="49" charset="0"/>
-                <a:cs typeface="Courier New" panose="02070309020205020404" pitchFamily="49" charset="0"/>
-              </a:rPr>
-              <a:t>Start</a:t>
-            </a:r>
-            <a:r>
-              <a:rPr lang="de-DE" dirty="0" smtClean="0">
-                <a:latin typeface="Courier New" panose="02070309020205020404" pitchFamily="49" charset="0"/>
-                <a:cs typeface="Courier New" panose="02070309020205020404" pitchFamily="49" charset="0"/>
-              </a:rPr>
-              <a:t>&lt;T</a:t>
-            </a:r>
-            <a:r>
-              <a:rPr lang="de-DE" dirty="0" smtClean="0">
-                <a:latin typeface="Courier New" panose="02070309020205020404" pitchFamily="49" charset="0"/>
-                <a:cs typeface="Courier New" panose="02070309020205020404" pitchFamily="49" charset="0"/>
-              </a:rPr>
-              <a:t>&gt; {</a:t>
+              <a:t>Interface Start&lt;T&gt; {</a:t>
             </a:r>
           </a:p>
           <a:p>
@@ -10803,7 +10690,9 @@
         </p:nvSpPr>
         <p:spPr/>
         <p:txBody>
-          <a:bodyPr/>
+          <a:bodyPr>
+            <a:normAutofit/>
+          </a:bodyPr>
           <a:lstStyle/>
           <a:p>
             <a:r>
@@ -10893,7 +10782,6 @@
               <a:rPr lang="de-DE" dirty="0" smtClean="0"/>
               <a:t>-Klasse als äußere Klasse</a:t>
             </a:r>
-            <a:endParaRPr lang="de-DE" dirty="0" smtClean="0"/>
           </a:p>
           <a:p>
             <a:pPr lvl="2"/>
@@ -10905,15 +10793,33 @@
               <a:rPr lang="de-DE" dirty="0" smtClean="0">
                 <a:sym typeface="Wingdings" panose="05000000000000000000" pitchFamily="2" charset="2"/>
               </a:rPr>
-              <a:t> innere Klassen</a:t>
-            </a:r>
-          </a:p>
-          <a:p>
-            <a:pPr lvl="2"/>
+              <a:t> innere </a:t>
+            </a:r>
             <a:r>
               <a:rPr lang="de-DE" dirty="0" smtClean="0">
                 <a:sym typeface="Wingdings" panose="05000000000000000000" pitchFamily="2" charset="2"/>
               </a:rPr>
+              <a:t>Klassen</a:t>
+            </a:r>
+          </a:p>
+          <a:p>
+            <a:pPr lvl="2"/>
+            <a:r>
+              <a:rPr lang="de-DE" dirty="0" smtClean="0">
+                <a:sym typeface="Wingdings" panose="05000000000000000000" pitchFamily="2" charset="2"/>
+              </a:rPr>
+              <a:t>Einstiegsfunktion</a:t>
+            </a:r>
+            <a:endParaRPr lang="de-DE" dirty="0" smtClean="0">
+              <a:sym typeface="Wingdings" panose="05000000000000000000" pitchFamily="2" charset="2"/>
+            </a:endParaRPr>
+          </a:p>
+          <a:p>
+            <a:pPr lvl="2"/>
+            <a:r>
+              <a:rPr lang="de-DE" dirty="0" smtClean="0">
+                <a:sym typeface="Wingdings" panose="05000000000000000000" pitchFamily="2" charset="2"/>
+              </a:rPr>
               <a:t>private Instanz jeder </a:t>
             </a:r>
             <a:r>
@@ -10937,16 +10843,6 @@
               </a:rPr>
               <a:t>privater Konstruktor</a:t>
             </a:r>
-          </a:p>
-          <a:p>
-            <a:pPr lvl="2"/>
-            <a:r>
-              <a:rPr lang="de-DE" dirty="0" smtClean="0">
-                <a:sym typeface="Wingdings" panose="05000000000000000000" pitchFamily="2" charset="2"/>
-              </a:rPr>
-              <a:t>Einstiegsfunktion</a:t>
-            </a:r>
-            <a:endParaRPr lang="de-DE" dirty="0" smtClean="0"/>
           </a:p>
           <a:p>
             <a:pPr lvl="2"/>
@@ -10987,7 +10883,6 @@
               <a:rPr lang="de-DE" dirty="0"/>
               <a:t> und Scopes</a:t>
             </a:r>
-            <a:endParaRPr lang="de-DE" dirty="0"/>
           </a:p>
         </p:txBody>
       </p:sp>
@@ -11264,26 +11159,39 @@
                                   </p:childTnLst>
                                 </p:cTn>
                               </p:par>
-                            </p:childTnLst>
-                          </p:cTn>
-                        </p:par>
-                      </p:childTnLst>
-                    </p:cTn>
-                  </p:par>
-                  <p:par>
-                    <p:cTn id="23" fill="hold">
-                      <p:stCondLst>
-                        <p:cond delay="indefinite"/>
-                      </p:stCondLst>
-                      <p:childTnLst>
-                        <p:par>
-                          <p:cTn id="24" fill="hold">
-                            <p:stCondLst>
-                              <p:cond delay="0"/>
-                            </p:stCondLst>
-                            <p:childTnLst>
                               <p:par>
-                                <p:cTn id="25" presetID="1" presetClass="entr" presetSubtype="0" fill="hold" grpId="0" nodeType="clickEffect">
+                                <p:cTn id="23" presetID="1" presetClass="entr" presetSubtype="0" fill="hold" grpId="0" nodeType="withEffect">
+                                  <p:stCondLst>
+                                    <p:cond delay="0"/>
+                                  </p:stCondLst>
+                                  <p:childTnLst>
+                                    <p:set>
+                                      <p:cBhvr>
+                                        <p:cTn id="24" dur="1" fill="hold">
+                                          <p:stCondLst>
+                                            <p:cond delay="0"/>
+                                          </p:stCondLst>
+                                        </p:cTn>
+                                        <p:tgtEl>
+                                          <p:spTgt spid="5">
+                                            <p:txEl>
+                                              <p:pRg st="7" end="7"/>
+                                            </p:txEl>
+                                          </p:spTgt>
+                                        </p:tgtEl>
+                                        <p:attrNameLst>
+                                          <p:attrName>style.visibility</p:attrName>
+                                        </p:attrNameLst>
+                                      </p:cBhvr>
+                                      <p:to>
+                                        <p:strVal val="visible"/>
+                                      </p:to>
+                                    </p:set>
+                                  </p:childTnLst>
+                                </p:cTn>
+                              </p:par>
+                              <p:par>
+                                <p:cTn id="25" presetID="1" presetClass="entr" presetSubtype="0" fill="hold" grpId="0" nodeType="withEffect">
                                   <p:stCondLst>
                                     <p:cond delay="0"/>
                                   </p:stCondLst>
@@ -11298,7 +11206,7 @@
                                         <p:tgtEl>
                                           <p:spTgt spid="5">
                                             <p:txEl>
-                                              <p:pRg st="7" end="7"/>
+                                              <p:pRg st="8" end="8"/>
                                             </p:txEl>
                                           </p:spTgt>
                                         </p:tgtEl>
@@ -11347,7 +11255,7 @@
                                         <p:tgtEl>
                                           <p:spTgt spid="5">
                                             <p:txEl>
-                                              <p:pRg st="8" end="8"/>
+                                              <p:pRg st="9" end="9"/>
                                             </p:txEl>
                                           </p:spTgt>
                                         </p:tgtEl>
@@ -11389,55 +11297,6 @@
                                     <p:set>
                                       <p:cBhvr>
                                         <p:cTn id="34" dur="1" fill="hold">
-                                          <p:stCondLst>
-                                            <p:cond delay="0"/>
-                                          </p:stCondLst>
-                                        </p:cTn>
-                                        <p:tgtEl>
-                                          <p:spTgt spid="5">
-                                            <p:txEl>
-                                              <p:pRg st="9" end="9"/>
-                                            </p:txEl>
-                                          </p:spTgt>
-                                        </p:tgtEl>
-                                        <p:attrNameLst>
-                                          <p:attrName>style.visibility</p:attrName>
-                                        </p:attrNameLst>
-                                      </p:cBhvr>
-                                      <p:to>
-                                        <p:strVal val="visible"/>
-                                      </p:to>
-                                    </p:set>
-                                  </p:childTnLst>
-                                </p:cTn>
-                              </p:par>
-                            </p:childTnLst>
-                          </p:cTn>
-                        </p:par>
-                      </p:childTnLst>
-                    </p:cTn>
-                  </p:par>
-                  <p:par>
-                    <p:cTn id="35" fill="hold">
-                      <p:stCondLst>
-                        <p:cond delay="indefinite"/>
-                      </p:stCondLst>
-                      <p:childTnLst>
-                        <p:par>
-                          <p:cTn id="36" fill="hold">
-                            <p:stCondLst>
-                              <p:cond delay="0"/>
-                            </p:stCondLst>
-                            <p:childTnLst>
-                              <p:par>
-                                <p:cTn id="37" presetID="1" presetClass="entr" presetSubtype="0" fill="hold" grpId="0" nodeType="clickEffect">
-                                  <p:stCondLst>
-                                    <p:cond delay="0"/>
-                                  </p:stCondLst>
-                                  <p:childTnLst>
-                                    <p:set>
-                                      <p:cBhvr>
-                                        <p:cTn id="38" dur="1" fill="hold">
                                           <p:stCondLst>
                                             <p:cond delay="0"/>
                                           </p:stCondLst>
@@ -12078,7 +11937,6 @@
               <a:rPr lang="de-DE" dirty="0"/>
               <a:t> und Scopes</a:t>
             </a:r>
-            <a:endParaRPr lang="de-DE" dirty="0"/>
           </a:p>
         </p:txBody>
       </p:sp>
@@ -12723,7 +12581,6 @@
               <a:rPr lang="de-DE" dirty="0"/>
               <a:t> und Scopes</a:t>
             </a:r>
-            <a:endParaRPr lang="de-DE" dirty="0"/>
           </a:p>
         </p:txBody>
       </p:sp>
@@ -13491,7 +13348,6 @@
               <a:rPr lang="de-DE" dirty="0"/>
               <a:t> und Scopes</a:t>
             </a:r>
-            <a:endParaRPr lang="de-DE" dirty="0"/>
           </a:p>
         </p:txBody>
       </p:sp>
@@ -14380,7 +14236,6 @@
               <a:rPr lang="de-DE" dirty="0"/>
               <a:t> und Scopes</a:t>
             </a:r>
-            <a:endParaRPr lang="de-DE" dirty="0"/>
           </a:p>
         </p:txBody>
       </p:sp>
@@ -15388,7 +15243,6 @@
               <a:rPr lang="de-DE" dirty="0"/>
               <a:t> und Scopes</a:t>
             </a:r>
-            <a:endParaRPr lang="de-DE" dirty="0"/>
           </a:p>
         </p:txBody>
       </p:sp>
@@ -16632,7 +16486,6 @@
               <a:rPr lang="de-DE" dirty="0"/>
               <a:t> und Scopes</a:t>
             </a:r>
-            <a:endParaRPr lang="de-DE" dirty="0"/>
           </a:p>
         </p:txBody>
       </p:sp>
@@ -17008,7 +16861,6 @@
               <a:rPr lang="de-DE" dirty="0"/>
               <a:t> und Scopes</a:t>
             </a:r>
-            <a:endParaRPr lang="de-DE" dirty="0"/>
           </a:p>
         </p:txBody>
       </p:sp>
@@ -17519,11 +17371,7 @@
             <a:pPr lvl="2"/>
             <a:r>
               <a:rPr lang="de-DE" dirty="0" smtClean="0"/>
-              <a:t>Hierarchische </a:t>
-            </a:r>
-            <a:r>
-              <a:rPr lang="de-DE" dirty="0" smtClean="0"/>
-              <a:t>Struktur</a:t>
+              <a:t>Hierarchische Struktur</a:t>
             </a:r>
           </a:p>
           <a:p>
@@ -24036,11 +23884,7 @@
             </a:r>
             <a:r>
               <a:rPr lang="de-DE" dirty="0" smtClean="0"/>
-              <a:t>-Pattern: Operationen in eine Objektstruktur integrieren ohne diese immer ändern zu </a:t>
-            </a:r>
-            <a:r>
-              <a:rPr lang="de-DE" dirty="0" smtClean="0"/>
-              <a:t>müssen</a:t>
+              <a:t>-Pattern: Operationen in eine Objektstruktur integrieren ohne diese immer ändern zu müssen</a:t>
             </a:r>
           </a:p>
           <a:p>
@@ -26328,8 +26172,9 @@
           <a:p>
             <a:r>
               <a:rPr lang="de-DE" dirty="0" smtClean="0"/>
-              <a:t>Keine vollständige Trennung</a:t>
-            </a:r>
+              <a:t>Für generische Verwendung vorbereitet</a:t>
+            </a:r>
+            <a:endParaRPr lang="de-DE" dirty="0" smtClean="0"/>
           </a:p>
           <a:p>
             <a:r>
@@ -26348,10 +26193,9 @@
           </a:p>
           <a:p>
             <a:r>
-              <a:rPr lang="de-DE" smtClean="0"/>
+              <a:rPr lang="de-DE" dirty="0" smtClean="0"/>
               <a:t>Optimierter Generator</a:t>
             </a:r>
-            <a:endParaRPr lang="de-DE" dirty="0" smtClean="0"/>
           </a:p>
           <a:p>
             <a:r>
@@ -26362,13 +26206,7 @@
               <a:rPr lang="de-DE" dirty="0" smtClean="0"/>
               <a:t>Methoden</a:t>
             </a:r>
-          </a:p>
-          <a:p>
-            <a:r>
-              <a:rPr lang="de-DE" dirty="0" smtClean="0"/>
-              <a:t>Höhere Benutzerfreundlichkeit</a:t>
-            </a:r>
-            <a:endParaRPr lang="de-DE" dirty="0"/>
+            <a:endParaRPr lang="de-DE" dirty="0" smtClean="0"/>
           </a:p>
         </p:txBody>
       </p:sp>
@@ -26733,55 +26571,6 @@
                                           <p:spTgt spid="3">
                                             <p:txEl>
                                               <p:pRg st="6" end="6"/>
-                                            </p:txEl>
-                                          </p:spTgt>
-                                        </p:tgtEl>
-                                        <p:attrNameLst>
-                                          <p:attrName>style.visibility</p:attrName>
-                                        </p:attrNameLst>
-                                      </p:cBhvr>
-                                      <p:to>
-                                        <p:strVal val="visible"/>
-                                      </p:to>
-                                    </p:set>
-                                  </p:childTnLst>
-                                </p:cTn>
-                              </p:par>
-                            </p:childTnLst>
-                          </p:cTn>
-                        </p:par>
-                      </p:childTnLst>
-                    </p:cTn>
-                  </p:par>
-                  <p:par>
-                    <p:cTn id="27" fill="hold">
-                      <p:stCondLst>
-                        <p:cond delay="indefinite"/>
-                      </p:stCondLst>
-                      <p:childTnLst>
-                        <p:par>
-                          <p:cTn id="28" fill="hold">
-                            <p:stCondLst>
-                              <p:cond delay="0"/>
-                            </p:stCondLst>
-                            <p:childTnLst>
-                              <p:par>
-                                <p:cTn id="29" presetID="1" presetClass="entr" presetSubtype="0" fill="hold" grpId="0" nodeType="clickEffect">
-                                  <p:stCondLst>
-                                    <p:cond delay="0"/>
-                                  </p:stCondLst>
-                                  <p:childTnLst>
-                                    <p:set>
-                                      <p:cBhvr>
-                                        <p:cTn id="30" dur="1" fill="hold">
-                                          <p:stCondLst>
-                                            <p:cond delay="0"/>
-                                          </p:stCondLst>
-                                        </p:cTn>
-                                        <p:tgtEl>
-                                          <p:spTgt spid="3">
-                                            <p:txEl>
-                                              <p:pRg st="7" end="7"/>
                                             </p:txEl>
                                           </p:spTgt>
                                         </p:tgtEl>
@@ -27587,11 +27376,7 @@
             <a:pPr algn="l"/>
             <a:r>
               <a:rPr lang="de-DE" dirty="0" smtClean="0"/>
-              <a:t>2. Ziel </a:t>
-            </a:r>
-            <a:r>
-              <a:rPr lang="de-DE" dirty="0" smtClean="0"/>
-              <a:t>der Arbeit</a:t>
+              <a:t>2. Ziel der Arbeit</a:t>
             </a:r>
             <a:endParaRPr lang="de-DE" dirty="0"/>
           </a:p>
@@ -27628,11 +27413,7 @@
             <a:pPr lvl="1"/>
             <a:r>
               <a:rPr lang="de-DE" dirty="0" smtClean="0"/>
-              <a:t>Datenstrukturen </a:t>
-            </a:r>
-            <a:r>
-              <a:rPr lang="de-DE" dirty="0" smtClean="0"/>
-              <a:t>manuell entwerfen</a:t>
+              <a:t>Datenstrukturen manuell entwerfen</a:t>
             </a:r>
           </a:p>
           <a:p>
@@ -27657,7 +27438,6 @@
               <a:rPr lang="de-DE" dirty="0" smtClean="0"/>
               <a:t> möglichst groß</a:t>
             </a:r>
-            <a:endParaRPr lang="de-DE" dirty="0" smtClean="0"/>
           </a:p>
           <a:p>
             <a:pPr lvl="1"/>
@@ -28071,11 +27851,7 @@
             </a:r>
             <a:r>
               <a:rPr lang="de-DE" dirty="0" smtClean="0"/>
-              <a:t>. </a:t>
-            </a:r>
-            <a:r>
-              <a:rPr lang="de-DE" dirty="0" smtClean="0"/>
-              <a:t>Implementierungstechniken</a:t>
+              <a:t>. Implementierungstechniken</a:t>
             </a:r>
             <a:endParaRPr lang="de-DE" dirty="0"/>
           </a:p>
@@ -28583,11 +28359,7 @@
           <a:p>
             <a:r>
               <a:rPr lang="de-DE" dirty="0" smtClean="0"/>
-              <a:t>3. </a:t>
-            </a:r>
-            <a:r>
-              <a:rPr lang="de-DE" dirty="0" smtClean="0"/>
-              <a:t>Implementierungstechniken – Definition der Sprache</a:t>
+              <a:t>3. Implementierungstechniken – Definition der Sprache</a:t>
             </a:r>
             <a:endParaRPr lang="de-DE" dirty="0"/>
           </a:p>
@@ -28720,7 +28492,6 @@
               <a:rPr lang="de-DE" dirty="0"/>
               <a:t>3. Implementierungstechniken – Definition der Sprache</a:t>
             </a:r>
-            <a:endParaRPr lang="de-DE" dirty="0"/>
           </a:p>
         </p:txBody>
       </p:sp>
